--- a/Apresentação TCC - METODOLOGIA SCRUM COMPLETO.pptx
+++ b/Apresentação TCC - METODOLOGIA SCRUM COMPLETO.pptx
@@ -3219,7 +3219,7 @@
       </p:grpSpPr>
       <p:sp>
         <p:nvSpPr>
-          <p:cNvPr id="275" name="Google Shape;275;p26:notes"/>
+          <p:cNvPr id="275" name="Google Shape;275;g462f39c185_0_0:notes"/>
           <p:cNvSpPr/>
           <p:nvPr>
             <p:ph idx="2" type="sldImg"/>
@@ -3264,7 +3264,7 @@
       </p:sp>
       <p:sp>
         <p:nvSpPr>
-          <p:cNvPr id="276" name="Google Shape;276;p26:notes"/>
+          <p:cNvPr id="276" name="Google Shape;276;g462f39c185_0_0:notes"/>
           <p:cNvSpPr txBox="1"/>
           <p:nvPr>
             <p:ph idx="1" type="body"/>
@@ -3322,7 +3322,7 @@
   <p:cSld>
     <p:spTree>
       <p:nvGrpSpPr>
-        <p:cNvPr id="282" name="Shape 282"/>
+        <p:cNvPr id="283" name="Shape 283"/>
         <p:cNvGrpSpPr/>
         <p:nvPr/>
       </p:nvGrpSpPr>
@@ -3336,7 +3336,7 @@
       </p:grpSpPr>
       <p:sp>
         <p:nvSpPr>
-          <p:cNvPr id="283" name="Google Shape;283;p27:notes"/>
+          <p:cNvPr id="284" name="Google Shape;284;p27:notes"/>
           <p:cNvSpPr/>
           <p:nvPr>
             <p:ph idx="2" type="sldImg"/>
@@ -3381,7 +3381,7 @@
       </p:sp>
       <p:sp>
         <p:nvSpPr>
-          <p:cNvPr id="284" name="Google Shape;284;p27:notes"/>
+          <p:cNvPr id="285" name="Google Shape;285;p27:notes"/>
           <p:cNvSpPr txBox="1"/>
           <p:nvPr>
             <p:ph idx="1" type="body"/>
@@ -3556,7 +3556,7 @@
   <p:cSld>
     <p:spTree>
       <p:nvGrpSpPr>
-        <p:cNvPr id="291" name="Shape 291"/>
+        <p:cNvPr id="292" name="Shape 292"/>
         <p:cNvGrpSpPr/>
         <p:nvPr/>
       </p:nvGrpSpPr>
@@ -3570,7 +3570,7 @@
       </p:grpSpPr>
       <p:sp>
         <p:nvSpPr>
-          <p:cNvPr id="292" name="Google Shape;292;p28:notes"/>
+          <p:cNvPr id="293" name="Google Shape;293;p28:notes"/>
           <p:cNvSpPr/>
           <p:nvPr>
             <p:ph idx="2" type="sldImg"/>
@@ -3615,7 +3615,7 @@
       </p:sp>
       <p:sp>
         <p:nvSpPr>
-          <p:cNvPr id="293" name="Google Shape;293;p28:notes"/>
+          <p:cNvPr id="294" name="Google Shape;294;p28:notes"/>
           <p:cNvSpPr txBox="1"/>
           <p:nvPr>
             <p:ph idx="1" type="body"/>
@@ -3673,7 +3673,7 @@
   <p:cSld>
     <p:spTree>
       <p:nvGrpSpPr>
-        <p:cNvPr id="300" name="Shape 300"/>
+        <p:cNvPr id="301" name="Shape 301"/>
         <p:cNvGrpSpPr/>
         <p:nvPr/>
       </p:nvGrpSpPr>
@@ -3687,7 +3687,7 @@
       </p:grpSpPr>
       <p:sp>
         <p:nvSpPr>
-          <p:cNvPr id="301" name="Google Shape;301;p29:notes"/>
+          <p:cNvPr id="302" name="Google Shape;302;p29:notes"/>
           <p:cNvSpPr/>
           <p:nvPr>
             <p:ph idx="2" type="sldImg"/>
@@ -3732,7 +3732,7 @@
       </p:sp>
       <p:sp>
         <p:nvSpPr>
-          <p:cNvPr id="302" name="Google Shape;302;p29:notes"/>
+          <p:cNvPr id="303" name="Google Shape;303;p29:notes"/>
           <p:cNvSpPr txBox="1"/>
           <p:nvPr>
             <p:ph idx="1" type="body"/>
@@ -3790,7 +3790,7 @@
   <p:cSld>
     <p:spTree>
       <p:nvGrpSpPr>
-        <p:cNvPr id="309" name="Shape 309"/>
+        <p:cNvPr id="310" name="Shape 310"/>
         <p:cNvGrpSpPr/>
         <p:nvPr/>
       </p:nvGrpSpPr>
@@ -3804,7 +3804,7 @@
       </p:grpSpPr>
       <p:sp>
         <p:nvSpPr>
-          <p:cNvPr id="310" name="Google Shape;310;p30:notes"/>
+          <p:cNvPr id="311" name="Google Shape;311;p30:notes"/>
           <p:cNvSpPr/>
           <p:nvPr>
             <p:ph idx="2" type="sldImg"/>
@@ -3849,7 +3849,7 @@
       </p:sp>
       <p:sp>
         <p:nvSpPr>
-          <p:cNvPr id="311" name="Google Shape;311;p30:notes"/>
+          <p:cNvPr id="312" name="Google Shape;312;p30:notes"/>
           <p:cNvSpPr txBox="1"/>
           <p:nvPr>
             <p:ph idx="1" type="body"/>
@@ -3907,7 +3907,7 @@
   <p:cSld>
     <p:spTree>
       <p:nvGrpSpPr>
-        <p:cNvPr id="318" name="Shape 318"/>
+        <p:cNvPr id="319" name="Shape 319"/>
         <p:cNvGrpSpPr/>
         <p:nvPr/>
       </p:nvGrpSpPr>
@@ -3921,7 +3921,7 @@
       </p:grpSpPr>
       <p:sp>
         <p:nvSpPr>
-          <p:cNvPr id="319" name="Google Shape;319;p31:notes"/>
+          <p:cNvPr id="320" name="Google Shape;320;p31:notes"/>
           <p:cNvSpPr/>
           <p:nvPr>
             <p:ph idx="2" type="sldImg"/>
@@ -3966,7 +3966,7 @@
       </p:sp>
       <p:sp>
         <p:nvSpPr>
-          <p:cNvPr id="320" name="Google Shape;320;p31:notes"/>
+          <p:cNvPr id="321" name="Google Shape;321;p31:notes"/>
           <p:cNvSpPr txBox="1"/>
           <p:nvPr>
             <p:ph idx="1" type="body"/>
@@ -4024,7 +4024,7 @@
   <p:cSld>
     <p:spTree>
       <p:nvGrpSpPr>
-        <p:cNvPr id="327" name="Shape 327"/>
+        <p:cNvPr id="328" name="Shape 328"/>
         <p:cNvGrpSpPr/>
         <p:nvPr/>
       </p:nvGrpSpPr>
@@ -4038,7 +4038,7 @@
       </p:grpSpPr>
       <p:sp>
         <p:nvSpPr>
-          <p:cNvPr id="328" name="Google Shape;328;p32:notes"/>
+          <p:cNvPr id="329" name="Google Shape;329;p32:notes"/>
           <p:cNvSpPr/>
           <p:nvPr>
             <p:ph idx="2" type="sldImg"/>
@@ -4083,7 +4083,7 @@
       </p:sp>
       <p:sp>
         <p:nvSpPr>
-          <p:cNvPr id="329" name="Google Shape;329;p32:notes"/>
+          <p:cNvPr id="330" name="Google Shape;330;p32:notes"/>
           <p:cNvSpPr txBox="1"/>
           <p:nvPr>
             <p:ph idx="1" type="body"/>
@@ -4141,7 +4141,7 @@
   <p:cSld>
     <p:spTree>
       <p:nvGrpSpPr>
-        <p:cNvPr id="337" name="Shape 337"/>
+        <p:cNvPr id="338" name="Shape 338"/>
         <p:cNvGrpSpPr/>
         <p:nvPr/>
       </p:nvGrpSpPr>
@@ -4155,7 +4155,7 @@
       </p:grpSpPr>
       <p:sp>
         <p:nvSpPr>
-          <p:cNvPr id="338" name="Google Shape;338;p33:notes"/>
+          <p:cNvPr id="339" name="Google Shape;339;p33:notes"/>
           <p:cNvSpPr/>
           <p:nvPr>
             <p:ph idx="2" type="sldImg"/>
@@ -4200,7 +4200,7 @@
       </p:sp>
       <p:sp>
         <p:nvSpPr>
-          <p:cNvPr id="339" name="Google Shape;339;p33:notes"/>
+          <p:cNvPr id="340" name="Google Shape;340;p33:notes"/>
           <p:cNvSpPr txBox="1"/>
           <p:nvPr>
             <p:ph idx="1" type="body"/>
@@ -4258,7 +4258,7 @@
   <p:cSld>
     <p:spTree>
       <p:nvGrpSpPr>
-        <p:cNvPr id="346" name="Shape 346"/>
+        <p:cNvPr id="347" name="Shape 347"/>
         <p:cNvGrpSpPr/>
         <p:nvPr/>
       </p:nvGrpSpPr>
@@ -4272,7 +4272,7 @@
       </p:grpSpPr>
       <p:sp>
         <p:nvSpPr>
-          <p:cNvPr id="347" name="Google Shape;347;p34:notes"/>
+          <p:cNvPr id="348" name="Google Shape;348;p34:notes"/>
           <p:cNvSpPr/>
           <p:nvPr>
             <p:ph idx="2" type="sldImg"/>
@@ -4317,7 +4317,7 @@
       </p:sp>
       <p:sp>
         <p:nvSpPr>
-          <p:cNvPr id="348" name="Google Shape;348;p34:notes"/>
+          <p:cNvPr id="349" name="Google Shape;349;p34:notes"/>
           <p:cNvSpPr txBox="1"/>
           <p:nvPr>
             <p:ph idx="1" type="body"/>
@@ -4375,7 +4375,7 @@
   <p:cSld>
     <p:spTree>
       <p:nvGrpSpPr>
-        <p:cNvPr id="355" name="Shape 355"/>
+        <p:cNvPr id="356" name="Shape 356"/>
         <p:cNvGrpSpPr/>
         <p:nvPr/>
       </p:nvGrpSpPr>
@@ -4389,7 +4389,7 @@
       </p:grpSpPr>
       <p:sp>
         <p:nvSpPr>
-          <p:cNvPr id="356" name="Google Shape;356;p35:notes"/>
+          <p:cNvPr id="357" name="Google Shape;357;p35:notes"/>
           <p:cNvSpPr/>
           <p:nvPr>
             <p:ph idx="2" type="sldImg"/>
@@ -4434,7 +4434,7 @@
       </p:sp>
       <p:sp>
         <p:nvSpPr>
-          <p:cNvPr id="357" name="Google Shape;357;p35:notes"/>
+          <p:cNvPr id="358" name="Google Shape;358;p35:notes"/>
           <p:cNvSpPr txBox="1"/>
           <p:nvPr>
             <p:ph idx="1" type="body"/>
@@ -4492,7 +4492,7 @@
   <p:cSld>
     <p:spTree>
       <p:nvGrpSpPr>
-        <p:cNvPr id="364" name="Shape 364"/>
+        <p:cNvPr id="365" name="Shape 365"/>
         <p:cNvGrpSpPr/>
         <p:nvPr/>
       </p:nvGrpSpPr>
@@ -4506,7 +4506,7 @@
       </p:grpSpPr>
       <p:sp>
         <p:nvSpPr>
-          <p:cNvPr id="365" name="Google Shape;365;p36:notes"/>
+          <p:cNvPr id="366" name="Google Shape;366;p36:notes"/>
           <p:cNvSpPr/>
           <p:nvPr>
             <p:ph idx="2" type="sldImg"/>
@@ -4551,7 +4551,7 @@
       </p:sp>
       <p:sp>
         <p:nvSpPr>
-          <p:cNvPr id="366" name="Google Shape;366;p36:notes"/>
+          <p:cNvPr id="367" name="Google Shape;367;p36:notes"/>
           <p:cNvSpPr txBox="1"/>
           <p:nvPr>
             <p:ph idx="1" type="body"/>
@@ -4609,7 +4609,7 @@
   <p:cSld>
     <p:spTree>
       <p:nvGrpSpPr>
-        <p:cNvPr id="372" name="Shape 372"/>
+        <p:cNvPr id="373" name="Shape 373"/>
         <p:cNvGrpSpPr/>
         <p:nvPr/>
       </p:nvGrpSpPr>
@@ -4623,7 +4623,7 @@
       </p:grpSpPr>
       <p:sp>
         <p:nvSpPr>
-          <p:cNvPr id="373" name="Google Shape;373;p37:notes"/>
+          <p:cNvPr id="374" name="Google Shape;374;p37:notes"/>
           <p:cNvSpPr/>
           <p:nvPr>
             <p:ph idx="2" type="sldImg"/>
@@ -4668,7 +4668,7 @@
       </p:sp>
       <p:sp>
         <p:nvSpPr>
-          <p:cNvPr id="374" name="Google Shape;374;p37:notes"/>
+          <p:cNvPr id="375" name="Google Shape;375;p37:notes"/>
           <p:cNvSpPr txBox="1"/>
           <p:nvPr>
             <p:ph idx="1" type="body"/>
@@ -4843,7 +4843,7 @@
   <p:cSld>
     <p:spTree>
       <p:nvGrpSpPr>
-        <p:cNvPr id="378" name="Shape 378"/>
+        <p:cNvPr id="379" name="Shape 379"/>
         <p:cNvGrpSpPr/>
         <p:nvPr/>
       </p:nvGrpSpPr>
@@ -4857,7 +4857,7 @@
       </p:grpSpPr>
       <p:sp>
         <p:nvSpPr>
-          <p:cNvPr id="379" name="Google Shape;379;p38:notes"/>
+          <p:cNvPr id="380" name="Google Shape;380;p38:notes"/>
           <p:cNvSpPr/>
           <p:nvPr>
             <p:ph idx="2" type="sldImg"/>
@@ -4902,7 +4902,7 @@
       </p:sp>
       <p:sp>
         <p:nvSpPr>
-          <p:cNvPr id="380" name="Google Shape;380;p38:notes"/>
+          <p:cNvPr id="381" name="Google Shape;381;p38:notes"/>
           <p:cNvSpPr txBox="1"/>
           <p:nvPr>
             <p:ph idx="1" type="body"/>
@@ -4960,7 +4960,7 @@
   <p:cSld>
     <p:spTree>
       <p:nvGrpSpPr>
-        <p:cNvPr id="384" name="Shape 384"/>
+        <p:cNvPr id="385" name="Shape 385"/>
         <p:cNvGrpSpPr/>
         <p:nvPr/>
       </p:nvGrpSpPr>
@@ -4974,7 +4974,7 @@
       </p:grpSpPr>
       <p:sp>
         <p:nvSpPr>
-          <p:cNvPr id="385" name="Google Shape;385;p39:notes"/>
+          <p:cNvPr id="386" name="Google Shape;386;p39:notes"/>
           <p:cNvSpPr/>
           <p:nvPr>
             <p:ph idx="2" type="sldImg"/>
@@ -5019,7 +5019,7 @@
       </p:sp>
       <p:sp>
         <p:nvSpPr>
-          <p:cNvPr id="386" name="Google Shape;386;p39:notes"/>
+          <p:cNvPr id="387" name="Google Shape;387;p39:notes"/>
           <p:cNvSpPr txBox="1"/>
           <p:nvPr>
             <p:ph idx="1" type="body"/>
@@ -5077,7 +5077,7 @@
   <p:cSld>
     <p:spTree>
       <p:nvGrpSpPr>
-        <p:cNvPr id="390" name="Shape 390"/>
+        <p:cNvPr id="391" name="Shape 391"/>
         <p:cNvGrpSpPr/>
         <p:nvPr/>
       </p:nvGrpSpPr>
@@ -5091,7 +5091,7 @@
       </p:grpSpPr>
       <p:sp>
         <p:nvSpPr>
-          <p:cNvPr id="391" name="Google Shape;391;p40:notes"/>
+          <p:cNvPr id="392" name="Google Shape;392;p40:notes"/>
           <p:cNvSpPr/>
           <p:nvPr>
             <p:ph idx="2" type="sldImg"/>
@@ -5136,7 +5136,7 @@
       </p:sp>
       <p:sp>
         <p:nvSpPr>
-          <p:cNvPr id="392" name="Google Shape;392;p40:notes"/>
+          <p:cNvPr id="393" name="Google Shape;393;p40:notes"/>
           <p:cNvSpPr txBox="1"/>
           <p:nvPr>
             <p:ph idx="1" type="body"/>
@@ -18706,7 +18706,7 @@
         </p:nvSpPr>
         <p:spPr>
           <a:xfrm>
-            <a:off x="1741250" y="4860925"/>
+            <a:off x="-694362" y="4571200"/>
             <a:ext cx="5661900" cy="217500"/>
           </a:xfrm>
           <a:prstGeom prst="rect">
@@ -18797,8 +18797,8 @@
         </p:blipFill>
         <p:spPr>
           <a:xfrm>
-            <a:off x="1406600" y="623125"/>
-            <a:ext cx="6331200" cy="4116575"/>
+            <a:off x="69575" y="1197450"/>
+            <a:ext cx="4134025" cy="3142687"/>
           </a:xfrm>
           <a:prstGeom prst="rect">
             <a:avLst/>
@@ -18809,6 +18809,140 @@
           </a:ln>
         </p:spPr>
       </p:pic>
+      <p:sp>
+        <p:nvSpPr>
+          <p:cNvPr id="282" name="Google Shape;282;p40"/>
+          <p:cNvSpPr txBox="1"/>
+          <p:nvPr/>
+        </p:nvSpPr>
+        <p:spPr>
+          <a:xfrm>
+            <a:off x="4280400" y="1189600"/>
+            <a:ext cx="4874400" cy="3877800"/>
+          </a:xfrm>
+          <a:prstGeom prst="rect">
+            <a:avLst/>
+          </a:prstGeom>
+          <a:noFill/>
+          <a:ln>
+            <a:noFill/>
+          </a:ln>
+        </p:spPr>
+        <p:txBody>
+          <a:bodyPr anchorCtr="0" anchor="t" bIns="91425" lIns="91425" spcFirstLastPara="1" rIns="91425" wrap="square" tIns="91425">
+            <a:noAutofit/>
+          </a:bodyPr>
+          <a:lstStyle/>
+          <a:p>
+            <a:pPr indent="-146050" lvl="0" marL="0" rtl="0" algn="just">
+              <a:lnSpc>
+                <a:spcPct val="150000"/>
+              </a:lnSpc>
+              <a:spcBef>
+                <a:spcPts val="0"/>
+              </a:spcBef>
+              <a:spcAft>
+                <a:spcPts val="0"/>
+              </a:spcAft>
+              <a:buClr>
+                <a:schemeClr val="dk1"/>
+              </a:buClr>
+              <a:buSzPts val="2300"/>
+              <a:buChar char="➔"/>
+            </a:pPr>
+            <a:r>
+              <a:rPr lang="pt-BR" sz="2300">
+                <a:solidFill>
+                  <a:schemeClr val="dk1"/>
+                </a:solidFill>
+              </a:rPr>
+              <a:t>O que a equipe fez que possa vir a ser importante para outra equipe?</a:t>
+            </a:r>
+            <a:endParaRPr sz="2300">
+              <a:solidFill>
+                <a:schemeClr val="dk1"/>
+              </a:solidFill>
+            </a:endParaRPr>
+          </a:p>
+          <a:p>
+            <a:pPr indent="-146050" lvl="0" marL="0" rtl="0" algn="just">
+              <a:lnSpc>
+                <a:spcPct val="150000"/>
+              </a:lnSpc>
+              <a:spcBef>
+                <a:spcPts val="0"/>
+              </a:spcBef>
+              <a:spcAft>
+                <a:spcPts val="0"/>
+              </a:spcAft>
+              <a:buClr>
+                <a:schemeClr val="dk1"/>
+              </a:buClr>
+              <a:buSzPts val="2300"/>
+              <a:buChar char="➔"/>
+            </a:pPr>
+            <a:r>
+              <a:rPr lang="pt-BR" sz="2300">
+                <a:solidFill>
+                  <a:schemeClr val="dk1"/>
+                </a:solidFill>
+              </a:rPr>
+              <a:t> O que a equipe irá fazer que possa ser relevante para outra equipe?</a:t>
+            </a:r>
+            <a:endParaRPr sz="2300">
+              <a:solidFill>
+                <a:schemeClr val="dk1"/>
+              </a:solidFill>
+            </a:endParaRPr>
+          </a:p>
+          <a:p>
+            <a:pPr indent="-146050" lvl="0" marL="0" rtl="0" algn="just">
+              <a:lnSpc>
+                <a:spcPct val="150000"/>
+              </a:lnSpc>
+              <a:spcBef>
+                <a:spcPts val="0"/>
+              </a:spcBef>
+              <a:spcAft>
+                <a:spcPts val="0"/>
+              </a:spcAft>
+              <a:buClr>
+                <a:schemeClr val="dk1"/>
+              </a:buClr>
+              <a:buSzPts val="2300"/>
+              <a:buChar char="➔"/>
+            </a:pPr>
+            <a:r>
+              <a:rPr lang="pt-BR" sz="2300">
+                <a:solidFill>
+                  <a:schemeClr val="dk1"/>
+                </a:solidFill>
+              </a:rPr>
+              <a:t>Existe impedimento para a equipe que possa vir a atrapalhar?</a:t>
+            </a:r>
+            <a:endParaRPr sz="2300">
+              <a:solidFill>
+                <a:schemeClr val="dk1"/>
+              </a:solidFill>
+            </a:endParaRPr>
+          </a:p>
+          <a:p>
+            <a:pPr indent="0" lvl="0" marL="0" rtl="0" algn="l">
+              <a:spcBef>
+                <a:spcPts val="1200"/>
+              </a:spcBef>
+              <a:spcAft>
+                <a:spcPts val="0"/>
+              </a:spcAft>
+              <a:buNone/>
+            </a:pPr>
+            <a:r>
+              <a:t/>
+            </a:r>
+            <a:endParaRPr/>
+          </a:p>
+        </p:txBody>
+      </p:sp>
     </p:spTree>
   </p:cSld>
   <p:clrMapOvr>
@@ -18822,7 +18956,7 @@
   <p:cSld>
     <p:spTree>
       <p:nvGrpSpPr>
-        <p:cNvPr id="285" name="Shape 285"/>
+        <p:cNvPr id="286" name="Shape 286"/>
         <p:cNvGrpSpPr/>
         <p:nvPr/>
       </p:nvGrpSpPr>
@@ -18836,54 +18970,6 @@
       </p:grpSpPr>
       <p:sp>
         <p:nvSpPr>
-          <p:cNvPr id="286" name="Google Shape;286;p41"/>
-          <p:cNvSpPr txBox="1"/>
-          <p:nvPr>
-            <p:ph type="title"/>
-          </p:nvPr>
-        </p:nvSpPr>
-        <p:spPr>
-          <a:xfrm>
-            <a:off x="0" y="76200"/>
-            <a:ext cx="9144000" cy="425700"/>
-          </a:xfrm>
-          <a:prstGeom prst="rect">
-            <a:avLst/>
-          </a:prstGeom>
-          <a:noFill/>
-          <a:ln>
-            <a:noFill/>
-          </a:ln>
-        </p:spPr>
-        <p:txBody>
-          <a:bodyPr anchorCtr="0" anchor="ctr" bIns="91425" lIns="91425" spcFirstLastPara="1" rIns="91425" wrap="square" tIns="91425">
-            <a:noAutofit/>
-          </a:bodyPr>
-          <a:lstStyle/>
-          <a:p>
-            <a:pPr indent="0" lvl="0" marL="0" rtl="0" algn="ctr">
-              <a:lnSpc>
-                <a:spcPct val="100000"/>
-              </a:lnSpc>
-              <a:spcBef>
-                <a:spcPts val="0"/>
-              </a:spcBef>
-              <a:spcAft>
-                <a:spcPts val="0"/>
-              </a:spcAft>
-              <a:buSzPts val="3600"/>
-              <a:buNone/>
-            </a:pPr>
-            <a:r>
-              <a:rPr lang="pt-BR" sz="3400" u="sng"/>
-              <a:t>Vantagens do Scrum </a:t>
-            </a:r>
-            <a:endParaRPr sz="3400" u="sng"/>
-          </a:p>
-        </p:txBody>
-      </p:sp>
-      <p:sp>
-        <p:nvSpPr>
           <p:cNvPr id="287" name="Google Shape;287;p41"/>
           <p:cNvSpPr txBox="1"/>
           <p:nvPr>
@@ -18892,8 +18978,8 @@
         </p:nvSpPr>
         <p:spPr>
           <a:xfrm>
-            <a:off x="0" y="5002200"/>
-            <a:ext cx="9144000" cy="217500"/>
+            <a:off x="0" y="76200"/>
+            <a:ext cx="9144000" cy="425700"/>
           </a:xfrm>
           <a:prstGeom prst="rect">
             <a:avLst/>
@@ -18909,7 +18995,7 @@
           </a:bodyPr>
           <a:lstStyle/>
           <a:p>
-            <a:pPr indent="0" lvl="0" marL="0" rtl="0" algn="l">
+            <a:pPr indent="0" lvl="0" marL="0" rtl="0" algn="ctr">
               <a:lnSpc>
                 <a:spcPct val="100000"/>
               </a:lnSpc>
@@ -18923,10 +19009,10 @@
               <a:buNone/>
             </a:pPr>
             <a:r>
-              <a:rPr lang="pt-BR" sz="600"/>
-              <a:t> Disponível em: http://www.sinhoresosasco.com.br/vantagens-associativas/</a:t>
-            </a:r>
-            <a:endParaRPr sz="600"/>
+              <a:rPr lang="pt-BR" sz="3400" u="sng"/>
+              <a:t>Vantagens do Scrum </a:t>
+            </a:r>
+            <a:endParaRPr sz="3400" u="sng"/>
           </a:p>
         </p:txBody>
       </p:sp>
@@ -18940,8 +19026,8 @@
         </p:nvSpPr>
         <p:spPr>
           <a:xfrm>
-            <a:off x="7312750" y="2207200"/>
-            <a:ext cx="1771200" cy="217500"/>
+            <a:off x="0" y="5002200"/>
+            <a:ext cx="9144000" cy="217500"/>
           </a:xfrm>
           <a:prstGeom prst="rect">
             <a:avLst/>
@@ -18957,6 +19043,54 @@
           </a:bodyPr>
           <a:lstStyle/>
           <a:p>
+            <a:pPr indent="0" lvl="0" marL="0" rtl="0" algn="l">
+              <a:lnSpc>
+                <a:spcPct val="100000"/>
+              </a:lnSpc>
+              <a:spcBef>
+                <a:spcPts val="0"/>
+              </a:spcBef>
+              <a:spcAft>
+                <a:spcPts val="0"/>
+              </a:spcAft>
+              <a:buSzPts val="3600"/>
+              <a:buNone/>
+            </a:pPr>
+            <a:r>
+              <a:rPr lang="pt-BR" sz="600"/>
+              <a:t> Disponível em: http://www.sinhoresosasco.com.br/vantagens-associativas/</a:t>
+            </a:r>
+            <a:endParaRPr sz="600"/>
+          </a:p>
+        </p:txBody>
+      </p:sp>
+      <p:sp>
+        <p:nvSpPr>
+          <p:cNvPr id="289" name="Google Shape;289;p41"/>
+          <p:cNvSpPr txBox="1"/>
+          <p:nvPr>
+            <p:ph type="title"/>
+          </p:nvPr>
+        </p:nvSpPr>
+        <p:spPr>
+          <a:xfrm>
+            <a:off x="7312750" y="2207200"/>
+            <a:ext cx="1771200" cy="217500"/>
+          </a:xfrm>
+          <a:prstGeom prst="rect">
+            <a:avLst/>
+          </a:prstGeom>
+          <a:noFill/>
+          <a:ln>
+            <a:noFill/>
+          </a:ln>
+        </p:spPr>
+        <p:txBody>
+          <a:bodyPr anchorCtr="0" anchor="ctr" bIns="91425" lIns="91425" spcFirstLastPara="1" rIns="91425" wrap="square" tIns="91425">
+            <a:noAutofit/>
+          </a:bodyPr>
+          <a:lstStyle/>
+          <a:p>
             <a:pPr indent="0" lvl="0" marL="0" rtl="0" algn="ctr">
               <a:lnSpc>
                 <a:spcPct val="100000"/>
@@ -18980,7 +19114,7 @@
       </p:sp>
       <p:pic>
         <p:nvPicPr>
-          <p:cNvPr id="289" name="Google Shape;289;p41"/>
+          <p:cNvPr id="290" name="Google Shape;290;p41"/>
           <p:cNvPicPr preferRelativeResize="0"/>
           <p:nvPr/>
         </p:nvPicPr>
@@ -19007,7 +19141,7 @@
       </p:pic>
       <p:sp>
         <p:nvSpPr>
-          <p:cNvPr id="290" name="Google Shape;290;p41"/>
+          <p:cNvPr id="291" name="Google Shape;291;p41"/>
           <p:cNvSpPr txBox="1"/>
           <p:nvPr>
             <p:ph type="title"/>
@@ -19520,7 +19654,7 @@
   <p:cSld>
     <p:spTree>
       <p:nvGrpSpPr>
-        <p:cNvPr id="294" name="Shape 294"/>
+        <p:cNvPr id="295" name="Shape 295"/>
         <p:cNvGrpSpPr/>
         <p:nvPr/>
       </p:nvGrpSpPr>
@@ -19534,54 +19668,6 @@
       </p:grpSpPr>
       <p:sp>
         <p:nvSpPr>
-          <p:cNvPr id="295" name="Google Shape;295;p42"/>
-          <p:cNvSpPr txBox="1"/>
-          <p:nvPr>
-            <p:ph type="title"/>
-          </p:nvPr>
-        </p:nvSpPr>
-        <p:spPr>
-          <a:xfrm>
-            <a:off x="0" y="76200"/>
-            <a:ext cx="9144000" cy="425700"/>
-          </a:xfrm>
-          <a:prstGeom prst="rect">
-            <a:avLst/>
-          </a:prstGeom>
-          <a:noFill/>
-          <a:ln>
-            <a:noFill/>
-          </a:ln>
-        </p:spPr>
-        <p:txBody>
-          <a:bodyPr anchorCtr="0" anchor="ctr" bIns="91425" lIns="91425" spcFirstLastPara="1" rIns="91425" wrap="square" tIns="91425">
-            <a:noAutofit/>
-          </a:bodyPr>
-          <a:lstStyle/>
-          <a:p>
-            <a:pPr indent="0" lvl="0" marL="0" rtl="0" algn="ctr">
-              <a:lnSpc>
-                <a:spcPct val="100000"/>
-              </a:lnSpc>
-              <a:spcBef>
-                <a:spcPts val="0"/>
-              </a:spcBef>
-              <a:spcAft>
-                <a:spcPts val="0"/>
-              </a:spcAft>
-              <a:buSzPts val="3600"/>
-              <a:buNone/>
-            </a:pPr>
-            <a:r>
-              <a:rPr lang="pt-BR" sz="3400" u="sng"/>
-              <a:t>Vantagens do Scrum </a:t>
-            </a:r>
-            <a:endParaRPr sz="3400" u="sng"/>
-          </a:p>
-        </p:txBody>
-      </p:sp>
-      <p:sp>
-        <p:nvSpPr>
           <p:cNvPr id="296" name="Google Shape;296;p42"/>
           <p:cNvSpPr txBox="1"/>
           <p:nvPr>
@@ -19590,8 +19676,8 @@
         </p:nvSpPr>
         <p:spPr>
           <a:xfrm>
-            <a:off x="0" y="5002200"/>
-            <a:ext cx="9144000" cy="217500"/>
+            <a:off x="0" y="76200"/>
+            <a:ext cx="9144000" cy="425700"/>
           </a:xfrm>
           <a:prstGeom prst="rect">
             <a:avLst/>
@@ -19607,7 +19693,7 @@
           </a:bodyPr>
           <a:lstStyle/>
           <a:p>
-            <a:pPr indent="0" lvl="0" marL="0" rtl="0" algn="l">
+            <a:pPr indent="0" lvl="0" marL="0" rtl="0" algn="ctr">
               <a:lnSpc>
                 <a:spcPct val="100000"/>
               </a:lnSpc>
@@ -19621,10 +19707,10 @@
               <a:buNone/>
             </a:pPr>
             <a:r>
-              <a:rPr lang="pt-BR" sz="600"/>
-              <a:t> Disponível em: http://www.sinhoresosasco.com.br/vantagens-associativas/</a:t>
-            </a:r>
-            <a:endParaRPr sz="600"/>
+              <a:rPr lang="pt-BR" sz="3400" u="sng"/>
+              <a:t>Vantagens do Scrum </a:t>
+            </a:r>
+            <a:endParaRPr sz="3400" u="sng"/>
           </a:p>
         </p:txBody>
       </p:sp>
@@ -19638,8 +19724,8 @@
         </p:nvSpPr>
         <p:spPr>
           <a:xfrm>
-            <a:off x="7312750" y="2207200"/>
-            <a:ext cx="1771200" cy="217500"/>
+            <a:off x="0" y="5002200"/>
+            <a:ext cx="9144000" cy="217500"/>
           </a:xfrm>
           <a:prstGeom prst="rect">
             <a:avLst/>
@@ -19655,6 +19741,54 @@
           </a:bodyPr>
           <a:lstStyle/>
           <a:p>
+            <a:pPr indent="0" lvl="0" marL="0" rtl="0" algn="l">
+              <a:lnSpc>
+                <a:spcPct val="100000"/>
+              </a:lnSpc>
+              <a:spcBef>
+                <a:spcPts val="0"/>
+              </a:spcBef>
+              <a:spcAft>
+                <a:spcPts val="0"/>
+              </a:spcAft>
+              <a:buSzPts val="3600"/>
+              <a:buNone/>
+            </a:pPr>
+            <a:r>
+              <a:rPr lang="pt-BR" sz="600"/>
+              <a:t> Disponível em: http://www.sinhoresosasco.com.br/vantagens-associativas/</a:t>
+            </a:r>
+            <a:endParaRPr sz="600"/>
+          </a:p>
+        </p:txBody>
+      </p:sp>
+      <p:sp>
+        <p:nvSpPr>
+          <p:cNvPr id="298" name="Google Shape;298;p42"/>
+          <p:cNvSpPr txBox="1"/>
+          <p:nvPr>
+            <p:ph type="title"/>
+          </p:nvPr>
+        </p:nvSpPr>
+        <p:spPr>
+          <a:xfrm>
+            <a:off x="7312750" y="2207200"/>
+            <a:ext cx="1771200" cy="217500"/>
+          </a:xfrm>
+          <a:prstGeom prst="rect">
+            <a:avLst/>
+          </a:prstGeom>
+          <a:noFill/>
+          <a:ln>
+            <a:noFill/>
+          </a:ln>
+        </p:spPr>
+        <p:txBody>
+          <a:bodyPr anchorCtr="0" anchor="ctr" bIns="91425" lIns="91425" spcFirstLastPara="1" rIns="91425" wrap="square" tIns="91425">
+            <a:noAutofit/>
+          </a:bodyPr>
+          <a:lstStyle/>
+          <a:p>
             <a:pPr indent="0" lvl="0" marL="0" rtl="0" algn="ctr">
               <a:lnSpc>
                 <a:spcPct val="100000"/>
@@ -19678,7 +19812,7 @@
       </p:sp>
       <p:pic>
         <p:nvPicPr>
-          <p:cNvPr id="298" name="Google Shape;298;p42"/>
+          <p:cNvPr id="299" name="Google Shape;299;p42"/>
           <p:cNvPicPr preferRelativeResize="0"/>
           <p:nvPr/>
         </p:nvPicPr>
@@ -19705,7 +19839,7 @@
       </p:pic>
       <p:sp>
         <p:nvSpPr>
-          <p:cNvPr id="299" name="Google Shape;299;p42"/>
+          <p:cNvPr id="300" name="Google Shape;300;p42"/>
           <p:cNvSpPr txBox="1"/>
           <p:nvPr>
             <p:ph type="title"/>
@@ -19901,7 +20035,7 @@
   <p:cSld>
     <p:spTree>
       <p:nvGrpSpPr>
-        <p:cNvPr id="303" name="Shape 303"/>
+        <p:cNvPr id="304" name="Shape 304"/>
         <p:cNvGrpSpPr/>
         <p:nvPr/>
       </p:nvGrpSpPr>
@@ -19915,54 +20049,6 @@
       </p:grpSpPr>
       <p:sp>
         <p:nvSpPr>
-          <p:cNvPr id="304" name="Google Shape;304;p43"/>
-          <p:cNvSpPr txBox="1"/>
-          <p:nvPr>
-            <p:ph type="title"/>
-          </p:nvPr>
-        </p:nvSpPr>
-        <p:spPr>
-          <a:xfrm>
-            <a:off x="0" y="76200"/>
-            <a:ext cx="9144000" cy="425700"/>
-          </a:xfrm>
-          <a:prstGeom prst="rect">
-            <a:avLst/>
-          </a:prstGeom>
-          <a:noFill/>
-          <a:ln>
-            <a:noFill/>
-          </a:ln>
-        </p:spPr>
-        <p:txBody>
-          <a:bodyPr anchorCtr="0" anchor="ctr" bIns="91425" lIns="91425" spcFirstLastPara="1" rIns="91425" wrap="square" tIns="91425">
-            <a:noAutofit/>
-          </a:bodyPr>
-          <a:lstStyle/>
-          <a:p>
-            <a:pPr indent="0" lvl="0" marL="0" rtl="0" algn="ctr">
-              <a:lnSpc>
-                <a:spcPct val="100000"/>
-              </a:lnSpc>
-              <a:spcBef>
-                <a:spcPts val="0"/>
-              </a:spcBef>
-              <a:spcAft>
-                <a:spcPts val="0"/>
-              </a:spcAft>
-              <a:buSzPts val="3600"/>
-              <a:buNone/>
-            </a:pPr>
-            <a:r>
-              <a:rPr lang="pt-BR" sz="3400" u="sng"/>
-              <a:t>Desvantagens do Scrum </a:t>
-            </a:r>
-            <a:endParaRPr sz="3400" u="sng"/>
-          </a:p>
-        </p:txBody>
-      </p:sp>
-      <p:sp>
-        <p:nvSpPr>
           <p:cNvPr id="305" name="Google Shape;305;p43"/>
           <p:cNvSpPr txBox="1"/>
           <p:nvPr>
@@ -19971,8 +20057,8 @@
         </p:nvSpPr>
         <p:spPr>
           <a:xfrm>
-            <a:off x="0" y="5002200"/>
-            <a:ext cx="9144000" cy="217500"/>
+            <a:off x="0" y="76200"/>
+            <a:ext cx="9144000" cy="425700"/>
           </a:xfrm>
           <a:prstGeom prst="rect">
             <a:avLst/>
@@ -19988,6 +20074,54 @@
           </a:bodyPr>
           <a:lstStyle/>
           <a:p>
+            <a:pPr indent="0" lvl="0" marL="0" rtl="0" algn="ctr">
+              <a:lnSpc>
+                <a:spcPct val="100000"/>
+              </a:lnSpc>
+              <a:spcBef>
+                <a:spcPts val="0"/>
+              </a:spcBef>
+              <a:spcAft>
+                <a:spcPts val="0"/>
+              </a:spcAft>
+              <a:buSzPts val="3600"/>
+              <a:buNone/>
+            </a:pPr>
+            <a:r>
+              <a:rPr lang="pt-BR" sz="3400" u="sng"/>
+              <a:t>Desvantagens do Scrum </a:t>
+            </a:r>
+            <a:endParaRPr sz="3400" u="sng"/>
+          </a:p>
+        </p:txBody>
+      </p:sp>
+      <p:sp>
+        <p:nvSpPr>
+          <p:cNvPr id="306" name="Google Shape;306;p43"/>
+          <p:cNvSpPr txBox="1"/>
+          <p:nvPr>
+            <p:ph type="title"/>
+          </p:nvPr>
+        </p:nvSpPr>
+        <p:spPr>
+          <a:xfrm>
+            <a:off x="0" y="5002200"/>
+            <a:ext cx="9144000" cy="217500"/>
+          </a:xfrm>
+          <a:prstGeom prst="rect">
+            <a:avLst/>
+          </a:prstGeom>
+          <a:noFill/>
+          <a:ln>
+            <a:noFill/>
+          </a:ln>
+        </p:spPr>
+        <p:txBody>
+          <a:bodyPr anchorCtr="0" anchor="ctr" bIns="91425" lIns="91425" spcFirstLastPara="1" rIns="91425" wrap="square" tIns="91425">
+            <a:noAutofit/>
+          </a:bodyPr>
+          <a:lstStyle/>
+          <a:p>
             <a:pPr indent="0" lvl="0" marL="0" rtl="0" algn="l">
               <a:lnSpc>
                 <a:spcPct val="100000"/>
@@ -20011,7 +20145,7 @@
       </p:sp>
       <p:pic>
         <p:nvPicPr>
-          <p:cNvPr id="306" name="Google Shape;306;p43"/>
+          <p:cNvPr id="307" name="Google Shape;307;p43"/>
           <p:cNvPicPr preferRelativeResize="0"/>
           <p:nvPr/>
         </p:nvPicPr>
@@ -20038,7 +20172,7 @@
       </p:pic>
       <p:sp>
         <p:nvSpPr>
-          <p:cNvPr id="307" name="Google Shape;307;p43"/>
+          <p:cNvPr id="308" name="Google Shape;308;p43"/>
           <p:cNvSpPr txBox="1"/>
           <p:nvPr>
             <p:ph type="title"/>
@@ -20086,7 +20220,7 @@
       </p:sp>
       <p:sp>
         <p:nvSpPr>
-          <p:cNvPr id="308" name="Google Shape;308;p43"/>
+          <p:cNvPr id="309" name="Google Shape;309;p43"/>
           <p:cNvSpPr txBox="1"/>
           <p:nvPr>
             <p:ph type="title"/>
@@ -20223,7 +20357,7 @@
   <p:cSld>
     <p:spTree>
       <p:nvGrpSpPr>
-        <p:cNvPr id="312" name="Shape 312"/>
+        <p:cNvPr id="313" name="Shape 313"/>
         <p:cNvGrpSpPr/>
         <p:nvPr/>
       </p:nvGrpSpPr>
@@ -20237,54 +20371,6 @@
       </p:grpSpPr>
       <p:sp>
         <p:nvSpPr>
-          <p:cNvPr id="313" name="Google Shape;313;p44"/>
-          <p:cNvSpPr txBox="1"/>
-          <p:nvPr>
-            <p:ph type="title"/>
-          </p:nvPr>
-        </p:nvSpPr>
-        <p:spPr>
-          <a:xfrm>
-            <a:off x="0" y="76200"/>
-            <a:ext cx="9144000" cy="425700"/>
-          </a:xfrm>
-          <a:prstGeom prst="rect">
-            <a:avLst/>
-          </a:prstGeom>
-          <a:noFill/>
-          <a:ln>
-            <a:noFill/>
-          </a:ln>
-        </p:spPr>
-        <p:txBody>
-          <a:bodyPr anchorCtr="0" anchor="ctr" bIns="91425" lIns="91425" spcFirstLastPara="1" rIns="91425" wrap="square" tIns="91425">
-            <a:noAutofit/>
-          </a:bodyPr>
-          <a:lstStyle/>
-          <a:p>
-            <a:pPr indent="0" lvl="0" marL="0" rtl="0" algn="ctr">
-              <a:lnSpc>
-                <a:spcPct val="100000"/>
-              </a:lnSpc>
-              <a:spcBef>
-                <a:spcPts val="0"/>
-              </a:spcBef>
-              <a:spcAft>
-                <a:spcPts val="0"/>
-              </a:spcAft>
-              <a:buSzPts val="3600"/>
-              <a:buNone/>
-            </a:pPr>
-            <a:r>
-              <a:rPr lang="pt-BR" sz="3400" u="sng"/>
-              <a:t>Desvantagens Scrum </a:t>
-            </a:r>
-            <a:endParaRPr sz="3400" u="sng"/>
-          </a:p>
-        </p:txBody>
-      </p:sp>
-      <p:sp>
-        <p:nvSpPr>
           <p:cNvPr id="314" name="Google Shape;314;p44"/>
           <p:cNvSpPr txBox="1"/>
           <p:nvPr>
@@ -20293,8 +20379,8 @@
         </p:nvSpPr>
         <p:spPr>
           <a:xfrm>
-            <a:off x="0" y="5002200"/>
-            <a:ext cx="9144000" cy="217500"/>
+            <a:off x="0" y="76200"/>
+            <a:ext cx="9144000" cy="425700"/>
           </a:xfrm>
           <a:prstGeom prst="rect">
             <a:avLst/>
@@ -20310,6 +20396,54 @@
           </a:bodyPr>
           <a:lstStyle/>
           <a:p>
+            <a:pPr indent="0" lvl="0" marL="0" rtl="0" algn="ctr">
+              <a:lnSpc>
+                <a:spcPct val="100000"/>
+              </a:lnSpc>
+              <a:spcBef>
+                <a:spcPts val="0"/>
+              </a:spcBef>
+              <a:spcAft>
+                <a:spcPts val="0"/>
+              </a:spcAft>
+              <a:buSzPts val="3600"/>
+              <a:buNone/>
+            </a:pPr>
+            <a:r>
+              <a:rPr lang="pt-BR" sz="3400" u="sng"/>
+              <a:t>Desvantagens Scrum </a:t>
+            </a:r>
+            <a:endParaRPr sz="3400" u="sng"/>
+          </a:p>
+        </p:txBody>
+      </p:sp>
+      <p:sp>
+        <p:nvSpPr>
+          <p:cNvPr id="315" name="Google Shape;315;p44"/>
+          <p:cNvSpPr txBox="1"/>
+          <p:nvPr>
+            <p:ph type="title"/>
+          </p:nvPr>
+        </p:nvSpPr>
+        <p:spPr>
+          <a:xfrm>
+            <a:off x="0" y="5002200"/>
+            <a:ext cx="9144000" cy="217500"/>
+          </a:xfrm>
+          <a:prstGeom prst="rect">
+            <a:avLst/>
+          </a:prstGeom>
+          <a:noFill/>
+          <a:ln>
+            <a:noFill/>
+          </a:ln>
+        </p:spPr>
+        <p:txBody>
+          <a:bodyPr anchorCtr="0" anchor="ctr" bIns="91425" lIns="91425" spcFirstLastPara="1" rIns="91425" wrap="square" tIns="91425">
+            <a:noAutofit/>
+          </a:bodyPr>
+          <a:lstStyle/>
+          <a:p>
             <a:pPr indent="0" lvl="0" marL="0" rtl="0" algn="l">
               <a:lnSpc>
                 <a:spcPct val="100000"/>
@@ -20333,7 +20467,7 @@
       </p:sp>
       <p:pic>
         <p:nvPicPr>
-          <p:cNvPr id="315" name="Google Shape;315;p44"/>
+          <p:cNvPr id="316" name="Google Shape;316;p44"/>
           <p:cNvPicPr preferRelativeResize="0"/>
           <p:nvPr/>
         </p:nvPicPr>
@@ -20360,7 +20494,7 @@
       </p:pic>
       <p:sp>
         <p:nvSpPr>
-          <p:cNvPr id="316" name="Google Shape;316;p44"/>
+          <p:cNvPr id="317" name="Google Shape;317;p44"/>
           <p:cNvSpPr txBox="1"/>
           <p:nvPr>
             <p:ph type="title"/>
@@ -20408,7 +20542,7 @@
       </p:sp>
       <p:sp>
         <p:nvSpPr>
-          <p:cNvPr id="317" name="Google Shape;317;p44"/>
+          <p:cNvPr id="318" name="Google Shape;318;p44"/>
           <p:cNvSpPr txBox="1"/>
           <p:nvPr>
             <p:ph type="title"/>
@@ -20564,7 +20698,7 @@
   <p:cSld>
     <p:spTree>
       <p:nvGrpSpPr>
-        <p:cNvPr id="321" name="Shape 321"/>
+        <p:cNvPr id="322" name="Shape 322"/>
         <p:cNvGrpSpPr/>
         <p:nvPr/>
       </p:nvGrpSpPr>
@@ -20578,54 +20712,6 @@
       </p:grpSpPr>
       <p:sp>
         <p:nvSpPr>
-          <p:cNvPr id="322" name="Google Shape;322;p45"/>
-          <p:cNvSpPr txBox="1"/>
-          <p:nvPr>
-            <p:ph type="title"/>
-          </p:nvPr>
-        </p:nvSpPr>
-        <p:spPr>
-          <a:xfrm>
-            <a:off x="0" y="76200"/>
-            <a:ext cx="9144000" cy="425700"/>
-          </a:xfrm>
-          <a:prstGeom prst="rect">
-            <a:avLst/>
-          </a:prstGeom>
-          <a:noFill/>
-          <a:ln>
-            <a:noFill/>
-          </a:ln>
-        </p:spPr>
-        <p:txBody>
-          <a:bodyPr anchorCtr="0" anchor="ctr" bIns="91425" lIns="91425" spcFirstLastPara="1" rIns="91425" wrap="square" tIns="91425">
-            <a:noAutofit/>
-          </a:bodyPr>
-          <a:lstStyle/>
-          <a:p>
-            <a:pPr indent="0" lvl="0" marL="0" rtl="0" algn="ctr">
-              <a:lnSpc>
-                <a:spcPct val="100000"/>
-              </a:lnSpc>
-              <a:spcBef>
-                <a:spcPts val="0"/>
-              </a:spcBef>
-              <a:spcAft>
-                <a:spcPts val="0"/>
-              </a:spcAft>
-              <a:buSzPts val="3600"/>
-              <a:buNone/>
-            </a:pPr>
-            <a:r>
-              <a:rPr lang="pt-BR" sz="3400" u="sng"/>
-              <a:t>Aspectos da Transparência no Scrum</a:t>
-            </a:r>
-            <a:endParaRPr sz="3400" u="sng"/>
-          </a:p>
-        </p:txBody>
-      </p:sp>
-      <p:sp>
-        <p:nvSpPr>
           <p:cNvPr id="323" name="Google Shape;323;p45"/>
           <p:cNvSpPr txBox="1"/>
           <p:nvPr>
@@ -20634,8 +20720,8 @@
         </p:nvSpPr>
         <p:spPr>
           <a:xfrm>
-            <a:off x="0" y="5002200"/>
-            <a:ext cx="9144000" cy="217500"/>
+            <a:off x="0" y="76200"/>
+            <a:ext cx="9144000" cy="425700"/>
           </a:xfrm>
           <a:prstGeom prst="rect">
             <a:avLst/>
@@ -20651,6 +20737,54 @@
           </a:bodyPr>
           <a:lstStyle/>
           <a:p>
+            <a:pPr indent="0" lvl="0" marL="0" rtl="0" algn="ctr">
+              <a:lnSpc>
+                <a:spcPct val="100000"/>
+              </a:lnSpc>
+              <a:spcBef>
+                <a:spcPts val="0"/>
+              </a:spcBef>
+              <a:spcAft>
+                <a:spcPts val="0"/>
+              </a:spcAft>
+              <a:buSzPts val="3600"/>
+              <a:buNone/>
+            </a:pPr>
+            <a:r>
+              <a:rPr lang="pt-BR" sz="3400" u="sng"/>
+              <a:t>Aspectos da Transparência no Scrum</a:t>
+            </a:r>
+            <a:endParaRPr sz="3400" u="sng"/>
+          </a:p>
+        </p:txBody>
+      </p:sp>
+      <p:sp>
+        <p:nvSpPr>
+          <p:cNvPr id="324" name="Google Shape;324;p45"/>
+          <p:cNvSpPr txBox="1"/>
+          <p:nvPr>
+            <p:ph type="title"/>
+          </p:nvPr>
+        </p:nvSpPr>
+        <p:spPr>
+          <a:xfrm>
+            <a:off x="0" y="5002200"/>
+            <a:ext cx="9144000" cy="217500"/>
+          </a:xfrm>
+          <a:prstGeom prst="rect">
+            <a:avLst/>
+          </a:prstGeom>
+          <a:noFill/>
+          <a:ln>
+            <a:noFill/>
+          </a:ln>
+        </p:spPr>
+        <p:txBody>
+          <a:bodyPr anchorCtr="0" anchor="ctr" bIns="91425" lIns="91425" spcFirstLastPara="1" rIns="91425" wrap="square" tIns="91425">
+            <a:noAutofit/>
+          </a:bodyPr>
+          <a:lstStyle/>
+          <a:p>
             <a:pPr indent="0" lvl="0" marL="0" rtl="0" algn="l">
               <a:lnSpc>
                 <a:spcPct val="100000"/>
@@ -20674,7 +20808,7 @@
       </p:sp>
       <p:pic>
         <p:nvPicPr>
-          <p:cNvPr id="324" name="Google Shape;324;p45"/>
+          <p:cNvPr id="325" name="Google Shape;325;p45"/>
           <p:cNvPicPr preferRelativeResize="0"/>
           <p:nvPr/>
         </p:nvPicPr>
@@ -20701,7 +20835,7 @@
       </p:pic>
       <p:sp>
         <p:nvSpPr>
-          <p:cNvPr id="325" name="Google Shape;325;p45"/>
+          <p:cNvPr id="326" name="Google Shape;326;p45"/>
           <p:cNvSpPr txBox="1"/>
           <p:nvPr>
             <p:ph type="title"/>
@@ -20885,7 +21019,7 @@
       </p:sp>
       <p:sp>
         <p:nvSpPr>
-          <p:cNvPr id="326" name="Google Shape;326;p45"/>
+          <p:cNvPr id="327" name="Google Shape;327;p45"/>
           <p:cNvSpPr txBox="1"/>
           <p:nvPr>
             <p:ph type="title"/>
@@ -20944,7 +21078,7 @@
   <p:cSld>
     <p:spTree>
       <p:nvGrpSpPr>
-        <p:cNvPr id="330" name="Shape 330"/>
+        <p:cNvPr id="331" name="Shape 331"/>
         <p:cNvGrpSpPr/>
         <p:nvPr/>
       </p:nvGrpSpPr>
@@ -20958,54 +21092,6 @@
       </p:grpSpPr>
       <p:sp>
         <p:nvSpPr>
-          <p:cNvPr id="331" name="Google Shape;331;p46"/>
-          <p:cNvSpPr txBox="1"/>
-          <p:nvPr>
-            <p:ph type="title"/>
-          </p:nvPr>
-        </p:nvSpPr>
-        <p:spPr>
-          <a:xfrm>
-            <a:off x="0" y="76200"/>
-            <a:ext cx="9144000" cy="425700"/>
-          </a:xfrm>
-          <a:prstGeom prst="rect">
-            <a:avLst/>
-          </a:prstGeom>
-          <a:noFill/>
-          <a:ln>
-            <a:noFill/>
-          </a:ln>
-        </p:spPr>
-        <p:txBody>
-          <a:bodyPr anchorCtr="0" anchor="ctr" bIns="91425" lIns="91425" spcFirstLastPara="1" rIns="91425" wrap="square" tIns="91425">
-            <a:noAutofit/>
-          </a:bodyPr>
-          <a:lstStyle/>
-          <a:p>
-            <a:pPr indent="0" lvl="0" marL="0" rtl="0" algn="ctr">
-              <a:lnSpc>
-                <a:spcPct val="100000"/>
-              </a:lnSpc>
-              <a:spcBef>
-                <a:spcPts val="0"/>
-              </a:spcBef>
-              <a:spcAft>
-                <a:spcPts val="0"/>
-              </a:spcAft>
-              <a:buSzPts val="3600"/>
-              <a:buNone/>
-            </a:pPr>
-            <a:r>
-              <a:rPr lang="pt-BR" sz="3400" u="sng"/>
-              <a:t>Conceito de Pronto (Definition of Done)</a:t>
-            </a:r>
-            <a:endParaRPr sz="3400" u="sng"/>
-          </a:p>
-        </p:txBody>
-      </p:sp>
-      <p:sp>
-        <p:nvSpPr>
           <p:cNvPr id="332" name="Google Shape;332;p46"/>
           <p:cNvSpPr txBox="1"/>
           <p:nvPr>
@@ -21014,8 +21100,8 @@
         </p:nvSpPr>
         <p:spPr>
           <a:xfrm>
-            <a:off x="0" y="5002200"/>
-            <a:ext cx="9144000" cy="217500"/>
+            <a:off x="0" y="76200"/>
+            <a:ext cx="9144000" cy="425700"/>
           </a:xfrm>
           <a:prstGeom prst="rect">
             <a:avLst/>
@@ -21031,7 +21117,7 @@
           </a:bodyPr>
           <a:lstStyle/>
           <a:p>
-            <a:pPr indent="0" lvl="0" marL="0" rtl="0" algn="l">
+            <a:pPr indent="0" lvl="0" marL="0" rtl="0" algn="ctr">
               <a:lnSpc>
                 <a:spcPct val="100000"/>
               </a:lnSpc>
@@ -21045,10 +21131,10 @@
               <a:buNone/>
             </a:pPr>
             <a:r>
-              <a:rPr lang="pt-BR" sz="600"/>
-              <a:t> Disponível em:https://www.scrum.org/resources/blog/how-ambitious-your-done</a:t>
-            </a:r>
-            <a:endParaRPr sz="600"/>
+              <a:rPr lang="pt-BR" sz="3400" u="sng"/>
+              <a:t>Conceito de Pronto (Definition of Done)</a:t>
+            </a:r>
+            <a:endParaRPr sz="3400" u="sng"/>
           </a:p>
         </p:txBody>
       </p:sp>
@@ -21062,8 +21148,8 @@
         </p:nvSpPr>
         <p:spPr>
           <a:xfrm>
-            <a:off x="280550" y="1290550"/>
-            <a:ext cx="5517600" cy="1614900"/>
+            <a:off x="0" y="5002200"/>
+            <a:ext cx="9144000" cy="217500"/>
           </a:xfrm>
           <a:prstGeom prst="rect">
             <a:avLst/>
@@ -21093,67 +21179,10 @@
               <a:buNone/>
             </a:pPr>
             <a:r>
-              <a:t/>
-            </a:r>
-            <a:endParaRPr sz="2800"/>
-          </a:p>
-          <a:p>
-            <a:pPr indent="-406400" lvl="0" marL="457200" rtl="0" algn="l">
-              <a:lnSpc>
-                <a:spcPct val="115000"/>
-              </a:lnSpc>
-              <a:spcBef>
-                <a:spcPts val="0"/>
-              </a:spcBef>
-              <a:spcAft>
-                <a:spcPts val="0"/>
-              </a:spcAft>
-              <a:buSzPts val="2800"/>
-              <a:buChar char="➔"/>
-            </a:pPr>
-            <a:r>
-              <a:rPr lang="pt-BR" sz="2800"/>
-              <a:t>Inúmeras checagens que um time deve realizar.</a:t>
-            </a:r>
-            <a:endParaRPr sz="2800"/>
-          </a:p>
-          <a:p>
-            <a:pPr indent="0" lvl="0" marL="457200" rtl="0" algn="l">
-              <a:lnSpc>
-                <a:spcPct val="115000"/>
-              </a:lnSpc>
-              <a:spcBef>
-                <a:spcPts val="0"/>
-              </a:spcBef>
-              <a:spcAft>
-                <a:spcPts val="0"/>
-              </a:spcAft>
-              <a:buSzPts val="3600"/>
-              <a:buNone/>
-            </a:pPr>
-            <a:r>
-              <a:t/>
-            </a:r>
-            <a:endParaRPr sz="2800"/>
-          </a:p>
-          <a:p>
-            <a:pPr indent="0" lvl="0" marL="457200" rtl="0" algn="l">
-              <a:lnSpc>
-                <a:spcPct val="100000"/>
-              </a:lnSpc>
-              <a:spcBef>
-                <a:spcPts val="0"/>
-              </a:spcBef>
-              <a:spcAft>
-                <a:spcPts val="0"/>
-              </a:spcAft>
-              <a:buSzPts val="3600"/>
-              <a:buNone/>
-            </a:pPr>
-            <a:r>
-              <a:t/>
-            </a:r>
-            <a:endParaRPr sz="2800"/>
+              <a:rPr lang="pt-BR" sz="600"/>
+              <a:t> Disponível em:https://www.scrum.org/resources/blog/how-ambitious-your-done</a:t>
+            </a:r>
+            <a:endParaRPr sz="600"/>
           </a:p>
         </p:txBody>
       </p:sp>
@@ -21167,8 +21196,8 @@
         </p:nvSpPr>
         <p:spPr>
           <a:xfrm>
-            <a:off x="6461975" y="2779950"/>
-            <a:ext cx="1554300" cy="217500"/>
+            <a:off x="280550" y="1290550"/>
+            <a:ext cx="5517600" cy="1614900"/>
           </a:xfrm>
           <a:prstGeom prst="rect">
             <a:avLst/>
@@ -21184,6 +21213,111 @@
           </a:bodyPr>
           <a:lstStyle/>
           <a:p>
+            <a:pPr indent="0" lvl="0" marL="0" rtl="0" algn="l">
+              <a:lnSpc>
+                <a:spcPct val="100000"/>
+              </a:lnSpc>
+              <a:spcBef>
+                <a:spcPts val="0"/>
+              </a:spcBef>
+              <a:spcAft>
+                <a:spcPts val="0"/>
+              </a:spcAft>
+              <a:buSzPts val="3600"/>
+              <a:buNone/>
+            </a:pPr>
+            <a:r>
+              <a:t/>
+            </a:r>
+            <a:endParaRPr sz="2800"/>
+          </a:p>
+          <a:p>
+            <a:pPr indent="-406400" lvl="0" marL="457200" rtl="0" algn="l">
+              <a:lnSpc>
+                <a:spcPct val="115000"/>
+              </a:lnSpc>
+              <a:spcBef>
+                <a:spcPts val="0"/>
+              </a:spcBef>
+              <a:spcAft>
+                <a:spcPts val="0"/>
+              </a:spcAft>
+              <a:buSzPts val="2800"/>
+              <a:buChar char="➔"/>
+            </a:pPr>
+            <a:r>
+              <a:rPr lang="pt-BR" sz="2800"/>
+              <a:t>Inúmeras checagens que um time deve realizar.</a:t>
+            </a:r>
+            <a:endParaRPr sz="2800"/>
+          </a:p>
+          <a:p>
+            <a:pPr indent="0" lvl="0" marL="457200" rtl="0" algn="l">
+              <a:lnSpc>
+                <a:spcPct val="115000"/>
+              </a:lnSpc>
+              <a:spcBef>
+                <a:spcPts val="0"/>
+              </a:spcBef>
+              <a:spcAft>
+                <a:spcPts val="0"/>
+              </a:spcAft>
+              <a:buSzPts val="3600"/>
+              <a:buNone/>
+            </a:pPr>
+            <a:r>
+              <a:t/>
+            </a:r>
+            <a:endParaRPr sz="2800"/>
+          </a:p>
+          <a:p>
+            <a:pPr indent="0" lvl="0" marL="457200" rtl="0" algn="l">
+              <a:lnSpc>
+                <a:spcPct val="100000"/>
+              </a:lnSpc>
+              <a:spcBef>
+                <a:spcPts val="0"/>
+              </a:spcBef>
+              <a:spcAft>
+                <a:spcPts val="0"/>
+              </a:spcAft>
+              <a:buSzPts val="3600"/>
+              <a:buNone/>
+            </a:pPr>
+            <a:r>
+              <a:t/>
+            </a:r>
+            <a:endParaRPr sz="2800"/>
+          </a:p>
+        </p:txBody>
+      </p:sp>
+      <p:sp>
+        <p:nvSpPr>
+          <p:cNvPr id="335" name="Google Shape;335;p46"/>
+          <p:cNvSpPr txBox="1"/>
+          <p:nvPr>
+            <p:ph type="title"/>
+          </p:nvPr>
+        </p:nvSpPr>
+        <p:spPr>
+          <a:xfrm>
+            <a:off x="6461975" y="2779950"/>
+            <a:ext cx="1554300" cy="217500"/>
+          </a:xfrm>
+          <a:prstGeom prst="rect">
+            <a:avLst/>
+          </a:prstGeom>
+          <a:noFill/>
+          <a:ln>
+            <a:noFill/>
+          </a:ln>
+        </p:spPr>
+        <p:txBody>
+          <a:bodyPr anchorCtr="0" anchor="ctr" bIns="91425" lIns="91425" spcFirstLastPara="1" rIns="91425" wrap="square" tIns="91425">
+            <a:noAutofit/>
+          </a:bodyPr>
+          <a:lstStyle/>
+          <a:p>
             <a:pPr indent="0" lvl="0" marL="0" rtl="0" algn="ctr">
               <a:lnSpc>
                 <a:spcPct val="100000"/>
@@ -21207,7 +21341,7 @@
       </p:sp>
       <p:pic>
         <p:nvPicPr>
-          <p:cNvPr id="335" name="Google Shape;335;p46"/>
+          <p:cNvPr id="336" name="Google Shape;336;p46"/>
           <p:cNvPicPr preferRelativeResize="0"/>
           <p:nvPr/>
         </p:nvPicPr>
@@ -21234,7 +21368,7 @@
       </p:pic>
       <p:sp>
         <p:nvSpPr>
-          <p:cNvPr id="336" name="Google Shape;336;p46"/>
+          <p:cNvPr id="337" name="Google Shape;337;p46"/>
           <p:cNvSpPr txBox="1"/>
           <p:nvPr>
             <p:ph type="title"/>
@@ -21332,7 +21466,7 @@
   <p:cSld>
     <p:spTree>
       <p:nvGrpSpPr>
-        <p:cNvPr id="340" name="Shape 340"/>
+        <p:cNvPr id="341" name="Shape 341"/>
         <p:cNvGrpSpPr/>
         <p:nvPr/>
       </p:nvGrpSpPr>
@@ -21346,54 +21480,6 @@
       </p:grpSpPr>
       <p:sp>
         <p:nvSpPr>
-          <p:cNvPr id="341" name="Google Shape;341;p47"/>
-          <p:cNvSpPr txBox="1"/>
-          <p:nvPr>
-            <p:ph type="title"/>
-          </p:nvPr>
-        </p:nvSpPr>
-        <p:spPr>
-          <a:xfrm>
-            <a:off x="0" y="76200"/>
-            <a:ext cx="9144000" cy="425700"/>
-          </a:xfrm>
-          <a:prstGeom prst="rect">
-            <a:avLst/>
-          </a:prstGeom>
-          <a:noFill/>
-          <a:ln>
-            <a:noFill/>
-          </a:ln>
-        </p:spPr>
-        <p:txBody>
-          <a:bodyPr anchorCtr="0" anchor="ctr" bIns="91425" lIns="91425" spcFirstLastPara="1" rIns="91425" wrap="square" tIns="91425">
-            <a:noAutofit/>
-          </a:bodyPr>
-          <a:lstStyle/>
-          <a:p>
-            <a:pPr indent="0" lvl="0" marL="0" rtl="0" algn="ctr">
-              <a:lnSpc>
-                <a:spcPct val="100000"/>
-              </a:lnSpc>
-              <a:spcBef>
-                <a:spcPts val="0"/>
-              </a:spcBef>
-              <a:spcAft>
-                <a:spcPts val="0"/>
-              </a:spcAft>
-              <a:buSzPts val="3600"/>
-              <a:buNone/>
-            </a:pPr>
-            <a:r>
-              <a:rPr lang="pt-BR" sz="3400" u="sng"/>
-              <a:t>4 Pontos de Impacto nas Estimativas</a:t>
-            </a:r>
-            <a:endParaRPr sz="3400" u="sng"/>
-          </a:p>
-        </p:txBody>
-      </p:sp>
-      <p:sp>
-        <p:nvSpPr>
           <p:cNvPr id="342" name="Google Shape;342;p47"/>
           <p:cNvSpPr txBox="1"/>
           <p:nvPr>
@@ -21402,8 +21488,8 @@
         </p:nvSpPr>
         <p:spPr>
           <a:xfrm>
-            <a:off x="0" y="5002200"/>
-            <a:ext cx="9144000" cy="217500"/>
+            <a:off x="0" y="76200"/>
+            <a:ext cx="9144000" cy="425700"/>
           </a:xfrm>
           <a:prstGeom prst="rect">
             <a:avLst/>
@@ -21419,6 +21505,54 @@
           </a:bodyPr>
           <a:lstStyle/>
           <a:p>
+            <a:pPr indent="0" lvl="0" marL="0" rtl="0" algn="ctr">
+              <a:lnSpc>
+                <a:spcPct val="100000"/>
+              </a:lnSpc>
+              <a:spcBef>
+                <a:spcPts val="0"/>
+              </a:spcBef>
+              <a:spcAft>
+                <a:spcPts val="0"/>
+              </a:spcAft>
+              <a:buSzPts val="3600"/>
+              <a:buNone/>
+            </a:pPr>
+            <a:r>
+              <a:rPr lang="pt-BR" sz="3400" u="sng"/>
+              <a:t>4 Pontos de Impacto nas Estimativas</a:t>
+            </a:r>
+            <a:endParaRPr sz="3400" u="sng"/>
+          </a:p>
+        </p:txBody>
+      </p:sp>
+      <p:sp>
+        <p:nvSpPr>
+          <p:cNvPr id="343" name="Google Shape;343;p47"/>
+          <p:cNvSpPr txBox="1"/>
+          <p:nvPr>
+            <p:ph type="title"/>
+          </p:nvPr>
+        </p:nvSpPr>
+        <p:spPr>
+          <a:xfrm>
+            <a:off x="0" y="5002200"/>
+            <a:ext cx="9144000" cy="217500"/>
+          </a:xfrm>
+          <a:prstGeom prst="rect">
+            <a:avLst/>
+          </a:prstGeom>
+          <a:noFill/>
+          <a:ln>
+            <a:noFill/>
+          </a:ln>
+        </p:spPr>
+        <p:txBody>
+          <a:bodyPr anchorCtr="0" anchor="ctr" bIns="91425" lIns="91425" spcFirstLastPara="1" rIns="91425" wrap="square" tIns="91425">
+            <a:noAutofit/>
+          </a:bodyPr>
+          <a:lstStyle/>
+          <a:p>
             <a:pPr indent="0" lvl="0" marL="0" rtl="0" algn="l">
               <a:lnSpc>
                 <a:spcPct val="100000"/>
@@ -21442,7 +21576,7 @@
       </p:sp>
       <p:pic>
         <p:nvPicPr>
-          <p:cNvPr id="343" name="Google Shape;343;p47"/>
+          <p:cNvPr id="344" name="Google Shape;344;p47"/>
           <p:cNvPicPr preferRelativeResize="0"/>
           <p:nvPr/>
         </p:nvPicPr>
@@ -21469,7 +21603,7 @@
       </p:pic>
       <p:sp>
         <p:nvSpPr>
-          <p:cNvPr id="344" name="Google Shape;344;p47"/>
+          <p:cNvPr id="345" name="Google Shape;345;p47"/>
           <p:cNvSpPr txBox="1"/>
           <p:nvPr>
             <p:ph type="title"/>
@@ -21710,7 +21844,7 @@
       </p:sp>
       <p:sp>
         <p:nvSpPr>
-          <p:cNvPr id="345" name="Google Shape;345;p47"/>
+          <p:cNvPr id="346" name="Google Shape;346;p47"/>
           <p:cNvSpPr txBox="1"/>
           <p:nvPr>
             <p:ph type="title"/>
@@ -21769,7 +21903,7 @@
   <p:cSld>
     <p:spTree>
       <p:nvGrpSpPr>
-        <p:cNvPr id="349" name="Shape 349"/>
+        <p:cNvPr id="350" name="Shape 350"/>
         <p:cNvGrpSpPr/>
         <p:nvPr/>
       </p:nvGrpSpPr>
@@ -21783,54 +21917,6 @@
       </p:grpSpPr>
       <p:sp>
         <p:nvSpPr>
-          <p:cNvPr id="350" name="Google Shape;350;p48"/>
-          <p:cNvSpPr txBox="1"/>
-          <p:nvPr>
-            <p:ph type="title"/>
-          </p:nvPr>
-        </p:nvSpPr>
-        <p:spPr>
-          <a:xfrm>
-            <a:off x="0" y="76200"/>
-            <a:ext cx="9144000" cy="425700"/>
-          </a:xfrm>
-          <a:prstGeom prst="rect">
-            <a:avLst/>
-          </a:prstGeom>
-          <a:noFill/>
-          <a:ln>
-            <a:noFill/>
-          </a:ln>
-        </p:spPr>
-        <p:txBody>
-          <a:bodyPr anchorCtr="0" anchor="ctr" bIns="91425" lIns="91425" spcFirstLastPara="1" rIns="91425" wrap="square" tIns="91425">
-            <a:noAutofit/>
-          </a:bodyPr>
-          <a:lstStyle/>
-          <a:p>
-            <a:pPr indent="0" lvl="0" marL="0" rtl="0" algn="ctr">
-              <a:lnSpc>
-                <a:spcPct val="100000"/>
-              </a:lnSpc>
-              <a:spcBef>
-                <a:spcPts val="0"/>
-              </a:spcBef>
-              <a:spcAft>
-                <a:spcPts val="0"/>
-              </a:spcAft>
-              <a:buSzPts val="3600"/>
-              <a:buNone/>
-            </a:pPr>
-            <a:r>
-              <a:rPr lang="pt-BR" sz="3400" u="sng"/>
-              <a:t>O Planning Poker</a:t>
-            </a:r>
-            <a:endParaRPr sz="3400" u="sng"/>
-          </a:p>
-        </p:txBody>
-      </p:sp>
-      <p:sp>
-        <p:nvSpPr>
           <p:cNvPr id="351" name="Google Shape;351;p48"/>
           <p:cNvSpPr txBox="1"/>
           <p:nvPr>
@@ -21839,8 +21925,8 @@
         </p:nvSpPr>
         <p:spPr>
           <a:xfrm>
-            <a:off x="0" y="5002200"/>
-            <a:ext cx="9144000" cy="217500"/>
+            <a:off x="0" y="76200"/>
+            <a:ext cx="9144000" cy="425700"/>
           </a:xfrm>
           <a:prstGeom prst="rect">
             <a:avLst/>
@@ -21856,7 +21942,7 @@
           </a:bodyPr>
           <a:lstStyle/>
           <a:p>
-            <a:pPr indent="0" lvl="0" marL="0" rtl="0" algn="l">
+            <a:pPr indent="0" lvl="0" marL="0" rtl="0" algn="ctr">
               <a:lnSpc>
                 <a:spcPct val="100000"/>
               </a:lnSpc>
@@ -21870,10 +21956,10 @@
               <a:buNone/>
             </a:pPr>
             <a:r>
-              <a:rPr lang="pt-BR" sz="600"/>
-              <a:t> Disponível em:http://leanify.com/dont-do-planning-poker-for-the-estimates-only/</a:t>
-            </a:r>
-            <a:endParaRPr sz="600"/>
+              <a:rPr lang="pt-BR" sz="3400" u="sng"/>
+              <a:t>O Planning Poker</a:t>
+            </a:r>
+            <a:endParaRPr sz="3400" u="sng"/>
           </a:p>
         </p:txBody>
       </p:sp>
@@ -21887,8 +21973,8 @@
         </p:nvSpPr>
         <p:spPr>
           <a:xfrm>
-            <a:off x="6842900" y="2288425"/>
-            <a:ext cx="1554300" cy="217500"/>
+            <a:off x="0" y="5002200"/>
+            <a:ext cx="9144000" cy="217500"/>
           </a:xfrm>
           <a:prstGeom prst="rect">
             <a:avLst/>
@@ -21904,6 +21990,54 @@
           </a:bodyPr>
           <a:lstStyle/>
           <a:p>
+            <a:pPr indent="0" lvl="0" marL="0" rtl="0" algn="l">
+              <a:lnSpc>
+                <a:spcPct val="100000"/>
+              </a:lnSpc>
+              <a:spcBef>
+                <a:spcPts val="0"/>
+              </a:spcBef>
+              <a:spcAft>
+                <a:spcPts val="0"/>
+              </a:spcAft>
+              <a:buSzPts val="3600"/>
+              <a:buNone/>
+            </a:pPr>
+            <a:r>
+              <a:rPr lang="pt-BR" sz="600"/>
+              <a:t> Disponível em:http://leanify.com/dont-do-planning-poker-for-the-estimates-only/</a:t>
+            </a:r>
+            <a:endParaRPr sz="600"/>
+          </a:p>
+        </p:txBody>
+      </p:sp>
+      <p:sp>
+        <p:nvSpPr>
+          <p:cNvPr id="353" name="Google Shape;353;p48"/>
+          <p:cNvSpPr txBox="1"/>
+          <p:nvPr>
+            <p:ph type="title"/>
+          </p:nvPr>
+        </p:nvSpPr>
+        <p:spPr>
+          <a:xfrm>
+            <a:off x="6842900" y="2288425"/>
+            <a:ext cx="1554300" cy="217500"/>
+          </a:xfrm>
+          <a:prstGeom prst="rect">
+            <a:avLst/>
+          </a:prstGeom>
+          <a:noFill/>
+          <a:ln>
+            <a:noFill/>
+          </a:ln>
+        </p:spPr>
+        <p:txBody>
+          <a:bodyPr anchorCtr="0" anchor="ctr" bIns="91425" lIns="91425" spcFirstLastPara="1" rIns="91425" wrap="square" tIns="91425">
+            <a:noAutofit/>
+          </a:bodyPr>
+          <a:lstStyle/>
+          <a:p>
             <a:pPr indent="0" lvl="0" marL="0" rtl="0" algn="ctr">
               <a:lnSpc>
                 <a:spcPct val="100000"/>
@@ -21927,7 +22061,7 @@
       </p:sp>
       <p:pic>
         <p:nvPicPr>
-          <p:cNvPr id="353" name="Google Shape;353;p48"/>
+          <p:cNvPr id="354" name="Google Shape;354;p48"/>
           <p:cNvPicPr preferRelativeResize="0"/>
           <p:nvPr/>
         </p:nvPicPr>
@@ -21954,7 +22088,7 @@
       </p:pic>
       <p:sp>
         <p:nvSpPr>
-          <p:cNvPr id="354" name="Google Shape;354;p48"/>
+          <p:cNvPr id="355" name="Google Shape;355;p48"/>
           <p:cNvSpPr txBox="1"/>
           <p:nvPr>
             <p:ph type="title"/>
@@ -22188,7 +22322,7 @@
   <p:cSld>
     <p:spTree>
       <p:nvGrpSpPr>
-        <p:cNvPr id="358" name="Shape 358"/>
+        <p:cNvPr id="359" name="Shape 359"/>
         <p:cNvGrpSpPr/>
         <p:nvPr/>
       </p:nvGrpSpPr>
@@ -22202,54 +22336,6 @@
       </p:grpSpPr>
       <p:sp>
         <p:nvSpPr>
-          <p:cNvPr id="359" name="Google Shape;359;p49"/>
-          <p:cNvSpPr txBox="1"/>
-          <p:nvPr>
-            <p:ph type="title"/>
-          </p:nvPr>
-        </p:nvSpPr>
-        <p:spPr>
-          <a:xfrm>
-            <a:off x="0" y="76200"/>
-            <a:ext cx="9144000" cy="425700"/>
-          </a:xfrm>
-          <a:prstGeom prst="rect">
-            <a:avLst/>
-          </a:prstGeom>
-          <a:noFill/>
-          <a:ln>
-            <a:noFill/>
-          </a:ln>
-        </p:spPr>
-        <p:txBody>
-          <a:bodyPr anchorCtr="0" anchor="ctr" bIns="91425" lIns="91425" spcFirstLastPara="1" rIns="91425" wrap="square" tIns="91425">
-            <a:noAutofit/>
-          </a:bodyPr>
-          <a:lstStyle/>
-          <a:p>
-            <a:pPr indent="0" lvl="0" marL="0" rtl="0" algn="ctr">
-              <a:lnSpc>
-                <a:spcPct val="100000"/>
-              </a:lnSpc>
-              <a:spcBef>
-                <a:spcPts val="0"/>
-              </a:spcBef>
-              <a:spcAft>
-                <a:spcPts val="0"/>
-              </a:spcAft>
-              <a:buSzPts val="3600"/>
-              <a:buNone/>
-            </a:pPr>
-            <a:r>
-              <a:rPr lang="pt-BR" sz="3400" u="sng"/>
-              <a:t>Considerações Finais</a:t>
-            </a:r>
-            <a:endParaRPr sz="3400" u="sng"/>
-          </a:p>
-        </p:txBody>
-      </p:sp>
-      <p:sp>
-        <p:nvSpPr>
           <p:cNvPr id="360" name="Google Shape;360;p49"/>
           <p:cNvSpPr txBox="1"/>
           <p:nvPr>
@@ -22258,8 +22344,8 @@
         </p:nvSpPr>
         <p:spPr>
           <a:xfrm>
-            <a:off x="0" y="5002200"/>
-            <a:ext cx="9144000" cy="217500"/>
+            <a:off x="0" y="76200"/>
+            <a:ext cx="9144000" cy="425700"/>
           </a:xfrm>
           <a:prstGeom prst="rect">
             <a:avLst/>
@@ -22275,7 +22361,7 @@
           </a:bodyPr>
           <a:lstStyle/>
           <a:p>
-            <a:pPr indent="0" lvl="0" marL="0" rtl="0" algn="l">
+            <a:pPr indent="0" lvl="0" marL="0" rtl="0" algn="ctr">
               <a:lnSpc>
                 <a:spcPct val="100000"/>
               </a:lnSpc>
@@ -22289,10 +22375,10 @@
               <a:buNone/>
             </a:pPr>
             <a:r>
-              <a:rPr lang="pt-BR" sz="600"/>
-              <a:t> Disponível em:https://dumielauxepices.net/wallpaper-3398700</a:t>
-            </a:r>
-            <a:endParaRPr sz="600"/>
+              <a:rPr lang="pt-BR" sz="3400" u="sng"/>
+              <a:t>Considerações Finais</a:t>
+            </a:r>
+            <a:endParaRPr sz="3400" u="sng"/>
           </a:p>
         </p:txBody>
       </p:sp>
@@ -22306,8 +22392,8 @@
         </p:nvSpPr>
         <p:spPr>
           <a:xfrm>
-            <a:off x="7380213" y="2354250"/>
-            <a:ext cx="1554300" cy="217500"/>
+            <a:off x="0" y="5002200"/>
+            <a:ext cx="9144000" cy="217500"/>
           </a:xfrm>
           <a:prstGeom prst="rect">
             <a:avLst/>
@@ -22323,6 +22409,54 @@
           </a:bodyPr>
           <a:lstStyle/>
           <a:p>
+            <a:pPr indent="0" lvl="0" marL="0" rtl="0" algn="l">
+              <a:lnSpc>
+                <a:spcPct val="100000"/>
+              </a:lnSpc>
+              <a:spcBef>
+                <a:spcPts val="0"/>
+              </a:spcBef>
+              <a:spcAft>
+                <a:spcPts val="0"/>
+              </a:spcAft>
+              <a:buSzPts val="3600"/>
+              <a:buNone/>
+            </a:pPr>
+            <a:r>
+              <a:rPr lang="pt-BR" sz="600"/>
+              <a:t> Disponível em:https://dumielauxepices.net/wallpaper-3398700</a:t>
+            </a:r>
+            <a:endParaRPr sz="600"/>
+          </a:p>
+        </p:txBody>
+      </p:sp>
+      <p:sp>
+        <p:nvSpPr>
+          <p:cNvPr id="362" name="Google Shape;362;p49"/>
+          <p:cNvSpPr txBox="1"/>
+          <p:nvPr>
+            <p:ph type="title"/>
+          </p:nvPr>
+        </p:nvSpPr>
+        <p:spPr>
+          <a:xfrm>
+            <a:off x="7380213" y="2354250"/>
+            <a:ext cx="1554300" cy="217500"/>
+          </a:xfrm>
+          <a:prstGeom prst="rect">
+            <a:avLst/>
+          </a:prstGeom>
+          <a:noFill/>
+          <a:ln>
+            <a:noFill/>
+          </a:ln>
+        </p:spPr>
+        <p:txBody>
+          <a:bodyPr anchorCtr="0" anchor="ctr" bIns="91425" lIns="91425" spcFirstLastPara="1" rIns="91425" wrap="square" tIns="91425">
+            <a:noAutofit/>
+          </a:bodyPr>
+          <a:lstStyle/>
+          <a:p>
             <a:pPr indent="0" lvl="0" marL="0" rtl="0" algn="ctr">
               <a:lnSpc>
                 <a:spcPct val="100000"/>
@@ -22346,7 +22480,7 @@
       </p:sp>
       <p:pic>
         <p:nvPicPr>
-          <p:cNvPr id="362" name="Google Shape;362;p49"/>
+          <p:cNvPr id="363" name="Google Shape;363;p49"/>
           <p:cNvPicPr preferRelativeResize="0"/>
           <p:nvPr/>
         </p:nvPicPr>
@@ -22373,7 +22507,7 @@
       </p:pic>
       <p:sp>
         <p:nvSpPr>
-          <p:cNvPr id="363" name="Google Shape;363;p49"/>
+          <p:cNvPr id="364" name="Google Shape;364;p49"/>
           <p:cNvSpPr txBox="1"/>
           <p:nvPr>
             <p:ph type="title"/>
@@ -22588,7 +22722,7 @@
   <p:cSld>
     <p:spTree>
       <p:nvGrpSpPr>
-        <p:cNvPr id="367" name="Shape 367"/>
+        <p:cNvPr id="368" name="Shape 368"/>
         <p:cNvGrpSpPr/>
         <p:nvPr/>
       </p:nvGrpSpPr>
@@ -22602,54 +22736,6 @@
       </p:grpSpPr>
       <p:sp>
         <p:nvSpPr>
-          <p:cNvPr id="368" name="Google Shape;368;p50"/>
-          <p:cNvSpPr txBox="1"/>
-          <p:nvPr>
-            <p:ph type="title"/>
-          </p:nvPr>
-        </p:nvSpPr>
-        <p:spPr>
-          <a:xfrm>
-            <a:off x="0" y="76200"/>
-            <a:ext cx="9144000" cy="425700"/>
-          </a:xfrm>
-          <a:prstGeom prst="rect">
-            <a:avLst/>
-          </a:prstGeom>
-          <a:noFill/>
-          <a:ln>
-            <a:noFill/>
-          </a:ln>
-        </p:spPr>
-        <p:txBody>
-          <a:bodyPr anchorCtr="0" anchor="ctr" bIns="91425" lIns="91425" spcFirstLastPara="1" rIns="91425" wrap="square" tIns="91425">
-            <a:noAutofit/>
-          </a:bodyPr>
-          <a:lstStyle/>
-          <a:p>
-            <a:pPr indent="0" lvl="0" marL="0" rtl="0" algn="ctr">
-              <a:lnSpc>
-                <a:spcPct val="100000"/>
-              </a:lnSpc>
-              <a:spcBef>
-                <a:spcPts val="0"/>
-              </a:spcBef>
-              <a:spcAft>
-                <a:spcPts val="0"/>
-              </a:spcAft>
-              <a:buSzPts val="3600"/>
-              <a:buNone/>
-            </a:pPr>
-            <a:r>
-              <a:rPr lang="pt-BR" sz="3400" u="sng"/>
-              <a:t>Escopo do Scrum </a:t>
-            </a:r>
-            <a:endParaRPr sz="3400" u="sng"/>
-          </a:p>
-        </p:txBody>
-      </p:sp>
-      <p:sp>
-        <p:nvSpPr>
           <p:cNvPr id="369" name="Google Shape;369;p50"/>
           <p:cNvSpPr txBox="1"/>
           <p:nvPr>
@@ -22658,8 +22744,8 @@
         </p:nvSpPr>
         <p:spPr>
           <a:xfrm>
-            <a:off x="0" y="5002200"/>
-            <a:ext cx="9144000" cy="217500"/>
+            <a:off x="0" y="76200"/>
+            <a:ext cx="9144000" cy="425700"/>
           </a:xfrm>
           <a:prstGeom prst="rect">
             <a:avLst/>
@@ -22675,7 +22761,7 @@
           </a:bodyPr>
           <a:lstStyle/>
           <a:p>
-            <a:pPr indent="0" lvl="0" marL="0" rtl="0" algn="l">
+            <a:pPr indent="0" lvl="0" marL="0" rtl="0" algn="ctr">
               <a:lnSpc>
                 <a:spcPct val="100000"/>
               </a:lnSpc>
@@ -22689,10 +22775,10 @@
               <a:buNone/>
             </a:pPr>
             <a:r>
-              <a:rPr lang="pt-BR" sz="600"/>
-              <a:t> Disponível em:https://reqtest.com/general/accountability-in-scrum/</a:t>
-            </a:r>
-            <a:endParaRPr sz="600"/>
+              <a:rPr lang="pt-BR" sz="3400" u="sng"/>
+              <a:t>Escopo do Scrum </a:t>
+            </a:r>
+            <a:endParaRPr sz="3400" u="sng"/>
           </a:p>
         </p:txBody>
       </p:sp>
@@ -22706,8 +22792,8 @@
         </p:nvSpPr>
         <p:spPr>
           <a:xfrm>
-            <a:off x="1741250" y="4860925"/>
-            <a:ext cx="5661900" cy="217500"/>
+            <a:off x="0" y="5002200"/>
+            <a:ext cx="9144000" cy="217500"/>
           </a:xfrm>
           <a:prstGeom prst="rect">
             <a:avLst/>
@@ -22723,6 +22809,54 @@
           </a:bodyPr>
           <a:lstStyle/>
           <a:p>
+            <a:pPr indent="0" lvl="0" marL="0" rtl="0" algn="l">
+              <a:lnSpc>
+                <a:spcPct val="100000"/>
+              </a:lnSpc>
+              <a:spcBef>
+                <a:spcPts val="0"/>
+              </a:spcBef>
+              <a:spcAft>
+                <a:spcPts val="0"/>
+              </a:spcAft>
+              <a:buSzPts val="3600"/>
+              <a:buNone/>
+            </a:pPr>
+            <a:r>
+              <a:rPr lang="pt-BR" sz="600"/>
+              <a:t> Disponível em:https://reqtest.com/general/accountability-in-scrum/</a:t>
+            </a:r>
+            <a:endParaRPr sz="600"/>
+          </a:p>
+        </p:txBody>
+      </p:sp>
+      <p:sp>
+        <p:nvSpPr>
+          <p:cNvPr id="371" name="Google Shape;371;p50"/>
+          <p:cNvSpPr txBox="1"/>
+          <p:nvPr>
+            <p:ph type="title"/>
+          </p:nvPr>
+        </p:nvSpPr>
+        <p:spPr>
+          <a:xfrm>
+            <a:off x="1741250" y="4860925"/>
+            <a:ext cx="5661900" cy="217500"/>
+          </a:xfrm>
+          <a:prstGeom prst="rect">
+            <a:avLst/>
+          </a:prstGeom>
+          <a:noFill/>
+          <a:ln>
+            <a:noFill/>
+          </a:ln>
+        </p:spPr>
+        <p:txBody>
+          <a:bodyPr anchorCtr="0" anchor="ctr" bIns="91425" lIns="91425" spcFirstLastPara="1" rIns="91425" wrap="square" tIns="91425">
+            <a:noAutofit/>
+          </a:bodyPr>
+          <a:lstStyle/>
+          <a:p>
             <a:pPr indent="0" lvl="0" marL="0" rtl="0" algn="ctr">
               <a:lnSpc>
                 <a:spcPct val="100000"/>
@@ -22784,7 +22918,7 @@
       </p:sp>
       <p:pic>
         <p:nvPicPr>
-          <p:cNvPr id="371" name="Google Shape;371;p50"/>
+          <p:cNvPr id="372" name="Google Shape;372;p50"/>
           <p:cNvPicPr preferRelativeResize="0"/>
           <p:nvPr/>
         </p:nvPicPr>
@@ -22822,7 +22956,7 @@
   <p:cSld>
     <p:spTree>
       <p:nvGrpSpPr>
-        <p:cNvPr id="375" name="Shape 375"/>
+        <p:cNvPr id="376" name="Shape 376"/>
         <p:cNvGrpSpPr/>
         <p:nvPr/>
       </p:nvGrpSpPr>
@@ -22836,7 +22970,7 @@
       </p:grpSpPr>
       <p:sp>
         <p:nvSpPr>
-          <p:cNvPr id="376" name="Google Shape;376;p51"/>
+          <p:cNvPr id="377" name="Google Shape;377;p51"/>
           <p:cNvSpPr txBox="1"/>
           <p:nvPr>
             <p:ph type="title"/>
@@ -22884,7 +23018,7 @@
       </p:sp>
       <p:sp>
         <p:nvSpPr>
-          <p:cNvPr id="377" name="Google Shape;377;p51"/>
+          <p:cNvPr id="378" name="Google Shape;378;p51"/>
           <p:cNvSpPr txBox="1"/>
           <p:nvPr>
             <p:ph type="title"/>
@@ -23337,7 +23471,7 @@
   <p:cSld>
     <p:spTree>
       <p:nvGrpSpPr>
-        <p:cNvPr id="381" name="Shape 381"/>
+        <p:cNvPr id="382" name="Shape 382"/>
         <p:cNvGrpSpPr/>
         <p:nvPr/>
       </p:nvGrpSpPr>
@@ -23351,7 +23485,7 @@
       </p:grpSpPr>
       <p:sp>
         <p:nvSpPr>
-          <p:cNvPr id="382" name="Google Shape;382;p52"/>
+          <p:cNvPr id="383" name="Google Shape;383;p52"/>
           <p:cNvSpPr txBox="1"/>
           <p:nvPr>
             <p:ph type="title"/>
@@ -23399,7 +23533,7 @@
       </p:sp>
       <p:sp>
         <p:nvSpPr>
-          <p:cNvPr id="383" name="Google Shape;383;p52"/>
+          <p:cNvPr id="384" name="Google Shape;384;p52"/>
           <p:cNvSpPr txBox="1"/>
           <p:nvPr>
             <p:ph type="title"/>
@@ -23537,7 +23671,7 @@
   <p:cSld>
     <p:spTree>
       <p:nvGrpSpPr>
-        <p:cNvPr id="387" name="Shape 387"/>
+        <p:cNvPr id="388" name="Shape 388"/>
         <p:cNvGrpSpPr/>
         <p:nvPr/>
       </p:nvGrpSpPr>
@@ -23551,7 +23685,7 @@
       </p:grpSpPr>
       <p:sp>
         <p:nvSpPr>
-          <p:cNvPr id="388" name="Google Shape;388;p53"/>
+          <p:cNvPr id="389" name="Google Shape;389;p53"/>
           <p:cNvSpPr txBox="1"/>
           <p:nvPr>
             <p:ph type="title"/>
@@ -23599,7 +23733,7 @@
       </p:sp>
       <p:sp>
         <p:nvSpPr>
-          <p:cNvPr id="389" name="Google Shape;389;p53"/>
+          <p:cNvPr id="390" name="Google Shape;390;p53"/>
           <p:cNvSpPr txBox="1"/>
           <p:nvPr>
             <p:ph type="title"/>
@@ -23757,7 +23891,7 @@
   <p:cSld>
     <p:spTree>
       <p:nvGrpSpPr>
-        <p:cNvPr id="393" name="Shape 393"/>
+        <p:cNvPr id="394" name="Shape 394"/>
         <p:cNvGrpSpPr/>
         <p:nvPr/>
       </p:nvGrpSpPr>
@@ -23771,7 +23905,7 @@
       </p:grpSpPr>
       <p:sp>
         <p:nvSpPr>
-          <p:cNvPr id="394" name="Google Shape;394;p54"/>
+          <p:cNvPr id="395" name="Google Shape;395;p54"/>
           <p:cNvSpPr txBox="1"/>
           <p:nvPr>
             <p:ph type="title"/>
@@ -23819,7 +23953,7 @@
       </p:sp>
       <p:sp>
         <p:nvSpPr>
-          <p:cNvPr id="395" name="Google Shape;395;p54"/>
+          <p:cNvPr id="396" name="Google Shape;396;p54"/>
           <p:cNvSpPr txBox="1"/>
           <p:nvPr>
             <p:ph type="title"/>
@@ -25625,6 +25759,285 @@
 </file>
 
 <file path=ppt/theme/theme1.xml><?xml version="1.0" encoding="utf-8"?>
+<a:theme xmlns:a="http://schemas.openxmlformats.org/drawingml/2006/main" xmlns:r="http://schemas.openxmlformats.org/officeDocument/2006/relationships">
+  <a:themeElements>
+    <a:clrScheme name="Default">
+      <a:dk1>
+        <a:srgbClr val="000000"/>
+      </a:dk1>
+      <a:lt1>
+        <a:srgbClr val="FFFFFF"/>
+      </a:lt1>
+      <a:dk2>
+        <a:srgbClr val="158158"/>
+      </a:dk2>
+      <a:lt2>
+        <a:srgbClr val="F3F3F3"/>
+      </a:lt2>
+      <a:accent1>
+        <a:srgbClr val="058DC7"/>
+      </a:accent1>
+      <a:accent2>
+        <a:srgbClr val="50B432"/>
+      </a:accent2>
+      <a:accent3>
+        <a:srgbClr val="ED561B"/>
+      </a:accent3>
+      <a:accent4>
+        <a:srgbClr val="EDEF00"/>
+      </a:accent4>
+      <a:accent5>
+        <a:srgbClr val="24CBE5"/>
+      </a:accent5>
+      <a:accent6>
+        <a:srgbClr val="64E572"/>
+      </a:accent6>
+      <a:hlink>
+        <a:srgbClr val="2200CC"/>
+      </a:hlink>
+      <a:folHlink>
+        <a:srgbClr val="551A8B"/>
+      </a:folHlink>
+    </a:clrScheme>
+    <a:fontScheme name="Office">
+      <a:majorFont>
+        <a:latin typeface="Arial"/>
+        <a:ea typeface=""/>
+        <a:cs typeface=""/>
+        <a:font script="Jpan" typeface="ＭＳ Ｐゴシック"/>
+        <a:font script="Hang" typeface="맑은 고딕"/>
+        <a:font script="Hans" typeface="宋体"/>
+        <a:font script="Hant" typeface="新細明體"/>
+        <a:font script="Arab" typeface="Times New Roman"/>
+        <a:font script="Hebr" typeface="Times New Roman"/>
+        <a:font script="Thai" typeface="Angsana New"/>
+        <a:font script="Ethi" typeface="Nyala"/>
+        <a:font script="Beng" typeface="Vrinda"/>
+        <a:font script="Gujr" typeface="Shruti"/>
+        <a:font script="Khmr" typeface="MoolBoran"/>
+        <a:font script="Knda" typeface="Tunga"/>
+        <a:font script="Guru" typeface="Raavi"/>
+        <a:font script="Cans" typeface="Euphemia"/>
+        <a:font script="Cher" typeface="Plantagenet Cherokee"/>
+        <a:font script="Yiii" typeface="Microsoft Yi Baiti"/>
+        <a:font script="Tibt" typeface="Microsoft Himalaya"/>
+        <a:font script="Thaa" typeface="MV Boli"/>
+        <a:font script="Deva" typeface="Mangal"/>
+        <a:font script="Telu" typeface="Gautami"/>
+        <a:font script="Taml" typeface="Latha"/>
+        <a:font script="Syrc" typeface="Estrangelo Edessa"/>
+        <a:font script="Orya" typeface="Kalinga"/>
+        <a:font script="Mlym" typeface="Kartika"/>
+        <a:font script="Laoo" typeface="DokChampa"/>
+        <a:font script="Sinh" typeface="Iskoola Pota"/>
+        <a:font script="Mong" typeface="Mongolian Baiti"/>
+        <a:font script="Viet" typeface="Times New Roman"/>
+        <a:font script="Uigh" typeface="Microsoft Uighur"/>
+        <a:font script="Geor" typeface="Sylfaen"/>
+      </a:majorFont>
+      <a:minorFont>
+        <a:latin typeface="Arial"/>
+        <a:ea typeface=""/>
+        <a:cs typeface=""/>
+        <a:font script="Jpan" typeface="ＭＳ Ｐゴシック"/>
+        <a:font script="Hang" typeface="맑은 고딕"/>
+        <a:font script="Hans" typeface="宋体"/>
+        <a:font script="Hant" typeface="新細明體"/>
+        <a:font script="Arab" typeface="Arial"/>
+        <a:font script="Hebr" typeface="Arial"/>
+        <a:font script="Thai" typeface="Cordia New"/>
+        <a:font script="Ethi" typeface="Nyala"/>
+        <a:font script="Beng" typeface="Vrinda"/>
+        <a:font script="Gujr" typeface="Shruti"/>
+        <a:font script="Khmr" typeface="DaunPenh"/>
+        <a:font script="Knda" typeface="Tunga"/>
+        <a:font script="Guru" typeface="Raavi"/>
+        <a:font script="Cans" typeface="Euphemia"/>
+        <a:font script="Cher" typeface="Plantagenet Cherokee"/>
+        <a:font script="Yiii" typeface="Microsoft Yi Baiti"/>
+        <a:font script="Tibt" typeface="Microsoft Himalaya"/>
+        <a:font script="Thaa" typeface="MV Boli"/>
+        <a:font script="Deva" typeface="Mangal"/>
+        <a:font script="Telu" typeface="Gautami"/>
+        <a:font script="Taml" typeface="Latha"/>
+        <a:font script="Syrc" typeface="Estrangelo Edessa"/>
+        <a:font script="Orya" typeface="Kalinga"/>
+        <a:font script="Mlym" typeface="Kartika"/>
+        <a:font script="Laoo" typeface="DokChampa"/>
+        <a:font script="Sinh" typeface="Iskoola Pota"/>
+        <a:font script="Mong" typeface="Mongolian Baiti"/>
+        <a:font script="Viet" typeface="Arial"/>
+        <a:font script="Uigh" typeface="Microsoft Uighur"/>
+        <a:font script="Geor" typeface="Sylfaen"/>
+      </a:minorFont>
+    </a:fontScheme>
+    <a:fmtScheme name="Office">
+      <a:fillStyleLst>
+        <a:solidFill>
+          <a:schemeClr val="phClr"/>
+        </a:solidFill>
+        <a:gradFill rotWithShape="1">
+          <a:gsLst>
+            <a:gs pos="0">
+              <a:schemeClr val="phClr">
+                <a:tint val="50000"/>
+                <a:satMod val="300000"/>
+              </a:schemeClr>
+            </a:gs>
+            <a:gs pos="35000">
+              <a:schemeClr val="phClr">
+                <a:tint val="37000"/>
+                <a:satMod val="300000"/>
+              </a:schemeClr>
+            </a:gs>
+            <a:gs pos="100000">
+              <a:schemeClr val="phClr">
+                <a:tint val="15000"/>
+                <a:satMod val="350000"/>
+              </a:schemeClr>
+            </a:gs>
+          </a:gsLst>
+          <a:lin ang="16200000" scaled="1"/>
+        </a:gradFill>
+        <a:gradFill rotWithShape="1">
+          <a:gsLst>
+            <a:gs pos="0">
+              <a:schemeClr val="phClr">
+                <a:tint val="100000"/>
+                <a:shade val="100000"/>
+                <a:satMod val="130000"/>
+              </a:schemeClr>
+            </a:gs>
+            <a:gs pos="100000">
+              <a:schemeClr val="phClr">
+                <a:tint val="50000"/>
+                <a:shade val="100000"/>
+                <a:satMod val="350000"/>
+              </a:schemeClr>
+            </a:gs>
+          </a:gsLst>
+          <a:lin ang="16200000" scaled="0"/>
+        </a:gradFill>
+      </a:fillStyleLst>
+      <a:lnStyleLst>
+        <a:ln w="9525" cap="flat" cmpd="sng" algn="ctr">
+          <a:solidFill>
+            <a:schemeClr val="phClr">
+              <a:shade val="95000"/>
+              <a:satMod val="105000"/>
+            </a:schemeClr>
+          </a:solidFill>
+          <a:prstDash val="solid"/>
+        </a:ln>
+        <a:ln w="25400" cap="flat" cmpd="sng" algn="ctr">
+          <a:solidFill>
+            <a:schemeClr val="phClr"/>
+          </a:solidFill>
+          <a:prstDash val="solid"/>
+        </a:ln>
+        <a:ln w="38100" cap="flat" cmpd="sng" algn="ctr">
+          <a:solidFill>
+            <a:schemeClr val="phClr"/>
+          </a:solidFill>
+          <a:prstDash val="solid"/>
+        </a:ln>
+      </a:lnStyleLst>
+      <a:effectStyleLst>
+        <a:effectStyle>
+          <a:effectLst>
+            <a:outerShdw blurRad="40000" dist="20000" dir="5400000" rotWithShape="0">
+              <a:srgbClr val="000000">
+                <a:alpha val="38000"/>
+              </a:srgbClr>
+            </a:outerShdw>
+          </a:effectLst>
+        </a:effectStyle>
+        <a:effectStyle>
+          <a:effectLst>
+            <a:outerShdw blurRad="40000" dist="23000" dir="5400000" rotWithShape="0">
+              <a:srgbClr val="000000">
+                <a:alpha val="35000"/>
+              </a:srgbClr>
+            </a:outerShdw>
+          </a:effectLst>
+        </a:effectStyle>
+        <a:effectStyle>
+          <a:effectLst>
+            <a:outerShdw blurRad="40000" dist="23000" dir="5400000" rotWithShape="0">
+              <a:srgbClr val="000000">
+                <a:alpha val="35000"/>
+              </a:srgbClr>
+            </a:outerShdw>
+          </a:effectLst>
+          <a:scene3d>
+            <a:camera prst="orthographicFront">
+              <a:rot lat="0" lon="0" rev="0"/>
+            </a:camera>
+            <a:lightRig rig="threePt" dir="t">
+              <a:rot lat="0" lon="0" rev="1200000"/>
+            </a:lightRig>
+          </a:scene3d>
+          <a:sp3d>
+            <a:bevelT w="63500" h="25400"/>
+          </a:sp3d>
+        </a:effectStyle>
+      </a:effectStyleLst>
+      <a:bgFillStyleLst>
+        <a:solidFill>
+          <a:schemeClr val="phClr"/>
+        </a:solidFill>
+        <a:gradFill rotWithShape="1">
+          <a:gsLst>
+            <a:gs pos="0">
+              <a:schemeClr val="phClr">
+                <a:tint val="40000"/>
+                <a:satMod val="350000"/>
+              </a:schemeClr>
+            </a:gs>
+            <a:gs pos="40000">
+              <a:schemeClr val="phClr">
+                <a:tint val="45000"/>
+                <a:shade val="99000"/>
+                <a:satMod val="350000"/>
+              </a:schemeClr>
+            </a:gs>
+            <a:gs pos="100000">
+              <a:schemeClr val="phClr">
+                <a:shade val="20000"/>
+                <a:satMod val="255000"/>
+              </a:schemeClr>
+            </a:gs>
+          </a:gsLst>
+          <a:path path="circle">
+            <a:fillToRect l="50000" t="-80000" r="50000" b="180000"/>
+          </a:path>
+        </a:gradFill>
+        <a:gradFill rotWithShape="1">
+          <a:gsLst>
+            <a:gs pos="0">
+              <a:schemeClr val="phClr">
+                <a:tint val="80000"/>
+                <a:satMod val="300000"/>
+              </a:schemeClr>
+            </a:gs>
+            <a:gs pos="100000">
+              <a:schemeClr val="phClr">
+                <a:shade val="30000"/>
+                <a:satMod val="200000"/>
+              </a:schemeClr>
+            </a:gs>
+          </a:gsLst>
+          <a:path path="circle">
+            <a:fillToRect l="50000" t="50000" r="50000" b="50000"/>
+          </a:path>
+        </a:gradFill>
+      </a:bgFillStyleLst>
+    </a:fmtScheme>
+  </a:themeElements>
+</a:theme>
+</file>
+
+<file path=ppt/theme/theme2.xml><?xml version="1.0" encoding="utf-8"?>
 <a:theme xmlns:a="http://schemas.openxmlformats.org/drawingml/2006/main" xmlns:r="http://schemas.openxmlformats.org/officeDocument/2006/relationships" name="Simple Light">
   <a:themeElements>
     <a:clrScheme name="Simple Light">
@@ -25901,283 +26314,4 @@
     </a:fmtScheme>
   </a:themeElements>
 </a:theme>
-</file>
-
-<file path=ppt/theme/theme2.xml><?xml version="1.0" encoding="utf-8"?>
-<a:theme xmlns:a="http://schemas.openxmlformats.org/drawingml/2006/main" xmlns:r="http://schemas.openxmlformats.org/officeDocument/2006/relationships">
-  <a:themeElements>
-    <a:clrScheme name="Default">
-      <a:dk1>
-        <a:srgbClr val="000000"/>
-      </a:dk1>
-      <a:lt1>
-        <a:srgbClr val="FFFFFF"/>
-      </a:lt1>
-      <a:dk2>
-        <a:srgbClr val="158158"/>
-      </a:dk2>
-      <a:lt2>
-        <a:srgbClr val="F3F3F3"/>
-      </a:lt2>
-      <a:accent1>
-        <a:srgbClr val="058DC7"/>
-      </a:accent1>
-      <a:accent2>
-        <a:srgbClr val="50B432"/>
-      </a:accent2>
-      <a:accent3>
-        <a:srgbClr val="ED561B"/>
-      </a:accent3>
-      <a:accent4>
-        <a:srgbClr val="EDEF00"/>
-      </a:accent4>
-      <a:accent5>
-        <a:srgbClr val="24CBE5"/>
-      </a:accent5>
-      <a:accent6>
-        <a:srgbClr val="64E572"/>
-      </a:accent6>
-      <a:hlink>
-        <a:srgbClr val="2200CC"/>
-      </a:hlink>
-      <a:folHlink>
-        <a:srgbClr val="551A8B"/>
-      </a:folHlink>
-    </a:clrScheme>
-    <a:fontScheme name="Office">
-      <a:majorFont>
-        <a:latin typeface="Arial"/>
-        <a:ea typeface=""/>
-        <a:cs typeface=""/>
-        <a:font script="Jpan" typeface="ＭＳ Ｐゴシック"/>
-        <a:font script="Hang" typeface="맑은 고딕"/>
-        <a:font script="Hans" typeface="宋体"/>
-        <a:font script="Hant" typeface="新細明體"/>
-        <a:font script="Arab" typeface="Times New Roman"/>
-        <a:font script="Hebr" typeface="Times New Roman"/>
-        <a:font script="Thai" typeface="Angsana New"/>
-        <a:font script="Ethi" typeface="Nyala"/>
-        <a:font script="Beng" typeface="Vrinda"/>
-        <a:font script="Gujr" typeface="Shruti"/>
-        <a:font script="Khmr" typeface="MoolBoran"/>
-        <a:font script="Knda" typeface="Tunga"/>
-        <a:font script="Guru" typeface="Raavi"/>
-        <a:font script="Cans" typeface="Euphemia"/>
-        <a:font script="Cher" typeface="Plantagenet Cherokee"/>
-        <a:font script="Yiii" typeface="Microsoft Yi Baiti"/>
-        <a:font script="Tibt" typeface="Microsoft Himalaya"/>
-        <a:font script="Thaa" typeface="MV Boli"/>
-        <a:font script="Deva" typeface="Mangal"/>
-        <a:font script="Telu" typeface="Gautami"/>
-        <a:font script="Taml" typeface="Latha"/>
-        <a:font script="Syrc" typeface="Estrangelo Edessa"/>
-        <a:font script="Orya" typeface="Kalinga"/>
-        <a:font script="Mlym" typeface="Kartika"/>
-        <a:font script="Laoo" typeface="DokChampa"/>
-        <a:font script="Sinh" typeface="Iskoola Pota"/>
-        <a:font script="Mong" typeface="Mongolian Baiti"/>
-        <a:font script="Viet" typeface="Times New Roman"/>
-        <a:font script="Uigh" typeface="Microsoft Uighur"/>
-        <a:font script="Geor" typeface="Sylfaen"/>
-      </a:majorFont>
-      <a:minorFont>
-        <a:latin typeface="Arial"/>
-        <a:ea typeface=""/>
-        <a:cs typeface=""/>
-        <a:font script="Jpan" typeface="ＭＳ Ｐゴシック"/>
-        <a:font script="Hang" typeface="맑은 고딕"/>
-        <a:font script="Hans" typeface="宋体"/>
-        <a:font script="Hant" typeface="新細明體"/>
-        <a:font script="Arab" typeface="Arial"/>
-        <a:font script="Hebr" typeface="Arial"/>
-        <a:font script="Thai" typeface="Cordia New"/>
-        <a:font script="Ethi" typeface="Nyala"/>
-        <a:font script="Beng" typeface="Vrinda"/>
-        <a:font script="Gujr" typeface="Shruti"/>
-        <a:font script="Khmr" typeface="DaunPenh"/>
-        <a:font script="Knda" typeface="Tunga"/>
-        <a:font script="Guru" typeface="Raavi"/>
-        <a:font script="Cans" typeface="Euphemia"/>
-        <a:font script="Cher" typeface="Plantagenet Cherokee"/>
-        <a:font script="Yiii" typeface="Microsoft Yi Baiti"/>
-        <a:font script="Tibt" typeface="Microsoft Himalaya"/>
-        <a:font script="Thaa" typeface="MV Boli"/>
-        <a:font script="Deva" typeface="Mangal"/>
-        <a:font script="Telu" typeface="Gautami"/>
-        <a:font script="Taml" typeface="Latha"/>
-        <a:font script="Syrc" typeface="Estrangelo Edessa"/>
-        <a:font script="Orya" typeface="Kalinga"/>
-        <a:font script="Mlym" typeface="Kartika"/>
-        <a:font script="Laoo" typeface="DokChampa"/>
-        <a:font script="Sinh" typeface="Iskoola Pota"/>
-        <a:font script="Mong" typeface="Mongolian Baiti"/>
-        <a:font script="Viet" typeface="Arial"/>
-        <a:font script="Uigh" typeface="Microsoft Uighur"/>
-        <a:font script="Geor" typeface="Sylfaen"/>
-      </a:minorFont>
-    </a:fontScheme>
-    <a:fmtScheme name="Office">
-      <a:fillStyleLst>
-        <a:solidFill>
-          <a:schemeClr val="phClr"/>
-        </a:solidFill>
-        <a:gradFill rotWithShape="1">
-          <a:gsLst>
-            <a:gs pos="0">
-              <a:schemeClr val="phClr">
-                <a:tint val="50000"/>
-                <a:satMod val="300000"/>
-              </a:schemeClr>
-            </a:gs>
-            <a:gs pos="35000">
-              <a:schemeClr val="phClr">
-                <a:tint val="37000"/>
-                <a:satMod val="300000"/>
-              </a:schemeClr>
-            </a:gs>
-            <a:gs pos="100000">
-              <a:schemeClr val="phClr">
-                <a:tint val="15000"/>
-                <a:satMod val="350000"/>
-              </a:schemeClr>
-            </a:gs>
-          </a:gsLst>
-          <a:lin ang="16200000" scaled="1"/>
-        </a:gradFill>
-        <a:gradFill rotWithShape="1">
-          <a:gsLst>
-            <a:gs pos="0">
-              <a:schemeClr val="phClr">
-                <a:tint val="100000"/>
-                <a:shade val="100000"/>
-                <a:satMod val="130000"/>
-              </a:schemeClr>
-            </a:gs>
-            <a:gs pos="100000">
-              <a:schemeClr val="phClr">
-                <a:tint val="50000"/>
-                <a:shade val="100000"/>
-                <a:satMod val="350000"/>
-              </a:schemeClr>
-            </a:gs>
-          </a:gsLst>
-          <a:lin ang="16200000" scaled="0"/>
-        </a:gradFill>
-      </a:fillStyleLst>
-      <a:lnStyleLst>
-        <a:ln w="9525" cap="flat" cmpd="sng" algn="ctr">
-          <a:solidFill>
-            <a:schemeClr val="phClr">
-              <a:shade val="95000"/>
-              <a:satMod val="105000"/>
-            </a:schemeClr>
-          </a:solidFill>
-          <a:prstDash val="solid"/>
-        </a:ln>
-        <a:ln w="25400" cap="flat" cmpd="sng" algn="ctr">
-          <a:solidFill>
-            <a:schemeClr val="phClr"/>
-          </a:solidFill>
-          <a:prstDash val="solid"/>
-        </a:ln>
-        <a:ln w="38100" cap="flat" cmpd="sng" algn="ctr">
-          <a:solidFill>
-            <a:schemeClr val="phClr"/>
-          </a:solidFill>
-          <a:prstDash val="solid"/>
-        </a:ln>
-      </a:lnStyleLst>
-      <a:effectStyleLst>
-        <a:effectStyle>
-          <a:effectLst>
-            <a:outerShdw blurRad="40000" dist="20000" dir="5400000" rotWithShape="0">
-              <a:srgbClr val="000000">
-                <a:alpha val="38000"/>
-              </a:srgbClr>
-            </a:outerShdw>
-          </a:effectLst>
-        </a:effectStyle>
-        <a:effectStyle>
-          <a:effectLst>
-            <a:outerShdw blurRad="40000" dist="23000" dir="5400000" rotWithShape="0">
-              <a:srgbClr val="000000">
-                <a:alpha val="35000"/>
-              </a:srgbClr>
-            </a:outerShdw>
-          </a:effectLst>
-        </a:effectStyle>
-        <a:effectStyle>
-          <a:effectLst>
-            <a:outerShdw blurRad="40000" dist="23000" dir="5400000" rotWithShape="0">
-              <a:srgbClr val="000000">
-                <a:alpha val="35000"/>
-              </a:srgbClr>
-            </a:outerShdw>
-          </a:effectLst>
-          <a:scene3d>
-            <a:camera prst="orthographicFront">
-              <a:rot lat="0" lon="0" rev="0"/>
-            </a:camera>
-            <a:lightRig rig="threePt" dir="t">
-              <a:rot lat="0" lon="0" rev="1200000"/>
-            </a:lightRig>
-          </a:scene3d>
-          <a:sp3d>
-            <a:bevelT w="63500" h="25400"/>
-          </a:sp3d>
-        </a:effectStyle>
-      </a:effectStyleLst>
-      <a:bgFillStyleLst>
-        <a:solidFill>
-          <a:schemeClr val="phClr"/>
-        </a:solidFill>
-        <a:gradFill rotWithShape="1">
-          <a:gsLst>
-            <a:gs pos="0">
-              <a:schemeClr val="phClr">
-                <a:tint val="40000"/>
-                <a:satMod val="350000"/>
-              </a:schemeClr>
-            </a:gs>
-            <a:gs pos="40000">
-              <a:schemeClr val="phClr">
-                <a:tint val="45000"/>
-                <a:shade val="99000"/>
-                <a:satMod val="350000"/>
-              </a:schemeClr>
-            </a:gs>
-            <a:gs pos="100000">
-              <a:schemeClr val="phClr">
-                <a:shade val="20000"/>
-                <a:satMod val="255000"/>
-              </a:schemeClr>
-            </a:gs>
-          </a:gsLst>
-          <a:path path="circle">
-            <a:fillToRect l="50000" t="-80000" r="50000" b="180000"/>
-          </a:path>
-        </a:gradFill>
-        <a:gradFill rotWithShape="1">
-          <a:gsLst>
-            <a:gs pos="0">
-              <a:schemeClr val="phClr">
-                <a:tint val="80000"/>
-                <a:satMod val="300000"/>
-              </a:schemeClr>
-            </a:gs>
-            <a:gs pos="100000">
-              <a:schemeClr val="phClr">
-                <a:shade val="30000"/>
-                <a:satMod val="200000"/>
-              </a:schemeClr>
-            </a:gs>
-          </a:gsLst>
-          <a:path path="circle">
-            <a:fillToRect l="50000" t="50000" r="50000" b="50000"/>
-          </a:path>
-        </a:gradFill>
-      </a:bgFillStyleLst>
-    </a:fmtScheme>
-  </a:themeElements>
-</a:theme>
 </file>
--- a/Apresentação TCC - METODOLOGIA SCRUM COMPLETO.pptx
+++ b/Apresentação TCC - METODOLOGIA SCRUM COMPLETO.pptx
@@ -50,6 +50,7 @@
     <p:sldId id="295" r:id="rId45"/>
     <p:sldId id="296" r:id="rId46"/>
     <p:sldId id="297" r:id="rId47"/>
+    <p:sldId id="298" r:id="rId48"/>
   </p:sldIdLst>
   <p:sldSz cy="5143500" cx="9144000"/>
   <p:notesSz cx="6858000" cy="9144000"/>
@@ -3336,7 +3337,7 @@
       </p:grpSpPr>
       <p:sp>
         <p:nvSpPr>
-          <p:cNvPr id="284" name="Google Shape;284;p27:notes"/>
+          <p:cNvPr id="284" name="Google Shape;284;p32:notes"/>
           <p:cNvSpPr/>
           <p:nvPr>
             <p:ph idx="2" type="sldImg"/>
@@ -3381,7 +3382,7 @@
       </p:sp>
       <p:sp>
         <p:nvSpPr>
-          <p:cNvPr id="285" name="Google Shape;285;p27:notes"/>
+          <p:cNvPr id="285" name="Google Shape;285;p32:notes"/>
           <p:cNvSpPr txBox="1"/>
           <p:nvPr>
             <p:ph idx="1" type="body"/>
@@ -3556,7 +3557,7 @@
   <p:cSld>
     <p:spTree>
       <p:nvGrpSpPr>
-        <p:cNvPr id="292" name="Shape 292"/>
+        <p:cNvPr id="293" name="Shape 293"/>
         <p:cNvGrpSpPr/>
         <p:nvPr/>
       </p:nvGrpSpPr>
@@ -3570,7 +3571,7 @@
       </p:grpSpPr>
       <p:sp>
         <p:nvSpPr>
-          <p:cNvPr id="293" name="Google Shape;293;p28:notes"/>
+          <p:cNvPr id="294" name="Google Shape;294;p31:notes"/>
           <p:cNvSpPr/>
           <p:nvPr>
             <p:ph idx="2" type="sldImg"/>
@@ -3615,7 +3616,7 @@
       </p:sp>
       <p:sp>
         <p:nvSpPr>
-          <p:cNvPr id="294" name="Google Shape;294;p28:notes"/>
+          <p:cNvPr id="295" name="Google Shape;295;p31:notes"/>
           <p:cNvSpPr txBox="1"/>
           <p:nvPr>
             <p:ph idx="1" type="body"/>
@@ -3673,7 +3674,7 @@
   <p:cSld>
     <p:spTree>
       <p:nvGrpSpPr>
-        <p:cNvPr id="301" name="Shape 301"/>
+        <p:cNvPr id="302" name="Shape 302"/>
         <p:cNvGrpSpPr/>
         <p:nvPr/>
       </p:nvGrpSpPr>
@@ -3687,7 +3688,7 @@
       </p:grpSpPr>
       <p:sp>
         <p:nvSpPr>
-          <p:cNvPr id="302" name="Google Shape;302;p29:notes"/>
+          <p:cNvPr id="303" name="Google Shape;303;p33:notes"/>
           <p:cNvSpPr/>
           <p:nvPr>
             <p:ph idx="2" type="sldImg"/>
@@ -3732,7 +3733,7 @@
       </p:sp>
       <p:sp>
         <p:nvSpPr>
-          <p:cNvPr id="303" name="Google Shape;303;p29:notes"/>
+          <p:cNvPr id="304" name="Google Shape;304;p33:notes"/>
           <p:cNvSpPr txBox="1"/>
           <p:nvPr>
             <p:ph idx="1" type="body"/>
@@ -3790,7 +3791,7 @@
   <p:cSld>
     <p:spTree>
       <p:nvGrpSpPr>
-        <p:cNvPr id="310" name="Shape 310"/>
+        <p:cNvPr id="311" name="Shape 311"/>
         <p:cNvGrpSpPr/>
         <p:nvPr/>
       </p:nvGrpSpPr>
@@ -3804,7 +3805,7 @@
       </p:grpSpPr>
       <p:sp>
         <p:nvSpPr>
-          <p:cNvPr id="311" name="Google Shape;311;p30:notes"/>
+          <p:cNvPr id="312" name="Google Shape;312;p34:notes"/>
           <p:cNvSpPr/>
           <p:nvPr>
             <p:ph idx="2" type="sldImg"/>
@@ -3849,7 +3850,7 @@
       </p:sp>
       <p:sp>
         <p:nvSpPr>
-          <p:cNvPr id="312" name="Google Shape;312;p30:notes"/>
+          <p:cNvPr id="313" name="Google Shape;313;p34:notes"/>
           <p:cNvSpPr txBox="1"/>
           <p:nvPr>
             <p:ph idx="1" type="body"/>
@@ -3907,7 +3908,7 @@
   <p:cSld>
     <p:spTree>
       <p:nvGrpSpPr>
-        <p:cNvPr id="319" name="Shape 319"/>
+        <p:cNvPr id="320" name="Shape 320"/>
         <p:cNvGrpSpPr/>
         <p:nvPr/>
       </p:nvGrpSpPr>
@@ -3921,7 +3922,7 @@
       </p:grpSpPr>
       <p:sp>
         <p:nvSpPr>
-          <p:cNvPr id="320" name="Google Shape;320;p31:notes"/>
+          <p:cNvPr id="321" name="Google Shape;321;p27:notes"/>
           <p:cNvSpPr/>
           <p:nvPr>
             <p:ph idx="2" type="sldImg"/>
@@ -3966,7 +3967,7 @@
       </p:sp>
       <p:sp>
         <p:nvSpPr>
-          <p:cNvPr id="321" name="Google Shape;321;p31:notes"/>
+          <p:cNvPr id="322" name="Google Shape;322;p27:notes"/>
           <p:cNvSpPr txBox="1"/>
           <p:nvPr>
             <p:ph idx="1" type="body"/>
@@ -4024,7 +4025,7 @@
   <p:cSld>
     <p:spTree>
       <p:nvGrpSpPr>
-        <p:cNvPr id="328" name="Shape 328"/>
+        <p:cNvPr id="329" name="Shape 329"/>
         <p:cNvGrpSpPr/>
         <p:nvPr/>
       </p:nvGrpSpPr>
@@ -4038,7 +4039,7 @@
       </p:grpSpPr>
       <p:sp>
         <p:nvSpPr>
-          <p:cNvPr id="329" name="Google Shape;329;p32:notes"/>
+          <p:cNvPr id="330" name="Google Shape;330;p28:notes"/>
           <p:cNvSpPr/>
           <p:nvPr>
             <p:ph idx="2" type="sldImg"/>
@@ -4083,7 +4084,7 @@
       </p:sp>
       <p:sp>
         <p:nvSpPr>
-          <p:cNvPr id="330" name="Google Shape;330;p32:notes"/>
+          <p:cNvPr id="331" name="Google Shape;331;p28:notes"/>
           <p:cNvSpPr txBox="1"/>
           <p:nvPr>
             <p:ph idx="1" type="body"/>
@@ -4155,7 +4156,7 @@
       </p:grpSpPr>
       <p:sp>
         <p:nvSpPr>
-          <p:cNvPr id="339" name="Google Shape;339;p33:notes"/>
+          <p:cNvPr id="339" name="Google Shape;339;p29:notes"/>
           <p:cNvSpPr/>
           <p:nvPr>
             <p:ph idx="2" type="sldImg"/>
@@ -4200,7 +4201,7 @@
       </p:sp>
       <p:sp>
         <p:nvSpPr>
-          <p:cNvPr id="340" name="Google Shape;340;p33:notes"/>
+          <p:cNvPr id="340" name="Google Shape;340;p29:notes"/>
           <p:cNvSpPr txBox="1"/>
           <p:nvPr>
             <p:ph idx="1" type="body"/>
@@ -4272,7 +4273,7 @@
       </p:grpSpPr>
       <p:sp>
         <p:nvSpPr>
-          <p:cNvPr id="348" name="Google Shape;348;p34:notes"/>
+          <p:cNvPr id="348" name="Google Shape;348;p30:notes"/>
           <p:cNvSpPr/>
           <p:nvPr>
             <p:ph idx="2" type="sldImg"/>
@@ -4317,7 +4318,7 @@
       </p:sp>
       <p:sp>
         <p:nvSpPr>
-          <p:cNvPr id="349" name="Google Shape;349;p34:notes"/>
+          <p:cNvPr id="349" name="Google Shape;349;p30:notes"/>
           <p:cNvSpPr txBox="1"/>
           <p:nvPr>
             <p:ph idx="1" type="body"/>
@@ -4492,7 +4493,7 @@
   <p:cSld>
     <p:spTree>
       <p:nvGrpSpPr>
-        <p:cNvPr id="365" name="Shape 365"/>
+        <p:cNvPr id="374" name="Shape 374"/>
         <p:cNvGrpSpPr/>
         <p:nvPr/>
       </p:nvGrpSpPr>
@@ -4506,7 +4507,7 @@
       </p:grpSpPr>
       <p:sp>
         <p:nvSpPr>
-          <p:cNvPr id="366" name="Google Shape;366;p36:notes"/>
+          <p:cNvPr id="375" name="Google Shape;375;g49e0ccfa2a_1_0:notes"/>
           <p:cNvSpPr/>
           <p:nvPr>
             <p:ph idx="2" type="sldImg"/>
@@ -4551,7 +4552,7 @@
       </p:sp>
       <p:sp>
         <p:nvSpPr>
-          <p:cNvPr id="367" name="Google Shape;367;p36:notes"/>
+          <p:cNvPr id="376" name="Google Shape;376;g49e0ccfa2a_1_0:notes"/>
           <p:cNvSpPr txBox="1"/>
           <p:nvPr>
             <p:ph idx="1" type="body"/>
@@ -4609,7 +4610,7 @@
   <p:cSld>
     <p:spTree>
       <p:nvGrpSpPr>
-        <p:cNvPr id="373" name="Shape 373"/>
+        <p:cNvPr id="383" name="Shape 383"/>
         <p:cNvGrpSpPr/>
         <p:nvPr/>
       </p:nvGrpSpPr>
@@ -4623,7 +4624,7 @@
       </p:grpSpPr>
       <p:sp>
         <p:nvSpPr>
-          <p:cNvPr id="374" name="Google Shape;374;p37:notes"/>
+          <p:cNvPr id="384" name="Google Shape;384;p36:notes"/>
           <p:cNvSpPr/>
           <p:nvPr>
             <p:ph idx="2" type="sldImg"/>
@@ -4668,7 +4669,7 @@
       </p:sp>
       <p:sp>
         <p:nvSpPr>
-          <p:cNvPr id="375" name="Google Shape;375;p37:notes"/>
+          <p:cNvPr id="385" name="Google Shape;385;p36:notes"/>
           <p:cNvSpPr txBox="1"/>
           <p:nvPr>
             <p:ph idx="1" type="body"/>
@@ -4843,7 +4844,7 @@
   <p:cSld>
     <p:spTree>
       <p:nvGrpSpPr>
-        <p:cNvPr id="379" name="Shape 379"/>
+        <p:cNvPr id="391" name="Shape 391"/>
         <p:cNvGrpSpPr/>
         <p:nvPr/>
       </p:nvGrpSpPr>
@@ -4857,7 +4858,7 @@
       </p:grpSpPr>
       <p:sp>
         <p:nvSpPr>
-          <p:cNvPr id="380" name="Google Shape;380;p38:notes"/>
+          <p:cNvPr id="392" name="Google Shape;392;p37:notes"/>
           <p:cNvSpPr/>
           <p:nvPr>
             <p:ph idx="2" type="sldImg"/>
@@ -4902,7 +4903,7 @@
       </p:sp>
       <p:sp>
         <p:nvSpPr>
-          <p:cNvPr id="381" name="Google Shape;381;p38:notes"/>
+          <p:cNvPr id="393" name="Google Shape;393;p37:notes"/>
           <p:cNvSpPr txBox="1"/>
           <p:nvPr>
             <p:ph idx="1" type="body"/>
@@ -4960,7 +4961,7 @@
   <p:cSld>
     <p:spTree>
       <p:nvGrpSpPr>
-        <p:cNvPr id="385" name="Shape 385"/>
+        <p:cNvPr id="397" name="Shape 397"/>
         <p:cNvGrpSpPr/>
         <p:nvPr/>
       </p:nvGrpSpPr>
@@ -4974,7 +4975,7 @@
       </p:grpSpPr>
       <p:sp>
         <p:nvSpPr>
-          <p:cNvPr id="386" name="Google Shape;386;p39:notes"/>
+          <p:cNvPr id="398" name="Google Shape;398;p38:notes"/>
           <p:cNvSpPr/>
           <p:nvPr>
             <p:ph idx="2" type="sldImg"/>
@@ -5019,7 +5020,7 @@
       </p:sp>
       <p:sp>
         <p:nvSpPr>
-          <p:cNvPr id="387" name="Google Shape;387;p39:notes"/>
+          <p:cNvPr id="399" name="Google Shape;399;p38:notes"/>
           <p:cNvSpPr txBox="1"/>
           <p:nvPr>
             <p:ph idx="1" type="body"/>
@@ -5077,7 +5078,7 @@
   <p:cSld>
     <p:spTree>
       <p:nvGrpSpPr>
-        <p:cNvPr id="391" name="Shape 391"/>
+        <p:cNvPr id="403" name="Shape 403"/>
         <p:cNvGrpSpPr/>
         <p:nvPr/>
       </p:nvGrpSpPr>
@@ -5091,7 +5092,7 @@
       </p:grpSpPr>
       <p:sp>
         <p:nvSpPr>
-          <p:cNvPr id="392" name="Google Shape;392;p40:notes"/>
+          <p:cNvPr id="404" name="Google Shape;404;p39:notes"/>
           <p:cNvSpPr/>
           <p:nvPr>
             <p:ph idx="2" type="sldImg"/>
@@ -5136,7 +5137,124 @@
       </p:sp>
       <p:sp>
         <p:nvSpPr>
-          <p:cNvPr id="393" name="Google Shape;393;p40:notes"/>
+          <p:cNvPr id="405" name="Google Shape;405;p39:notes"/>
+          <p:cNvSpPr txBox="1"/>
+          <p:nvPr>
+            <p:ph idx="1" type="body"/>
+          </p:nvPr>
+        </p:nvSpPr>
+        <p:spPr>
+          <a:xfrm>
+            <a:off x="685800" y="4343400"/>
+            <a:ext cx="5486400" cy="4114800"/>
+          </a:xfrm>
+          <a:prstGeom prst="rect">
+            <a:avLst/>
+          </a:prstGeom>
+          <a:noFill/>
+          <a:ln>
+            <a:noFill/>
+          </a:ln>
+        </p:spPr>
+        <p:txBody>
+          <a:bodyPr anchorCtr="0" anchor="t" bIns="91425" lIns="91425" spcFirstLastPara="1" rIns="91425" wrap="square" tIns="91425">
+            <a:noAutofit/>
+          </a:bodyPr>
+          <a:lstStyle/>
+          <a:p>
+            <a:pPr indent="0" lvl="0" marL="0" rtl="0" algn="l">
+              <a:lnSpc>
+                <a:spcPct val="100000"/>
+              </a:lnSpc>
+              <a:spcBef>
+                <a:spcPts val="0"/>
+              </a:spcBef>
+              <a:spcAft>
+                <a:spcPts val="0"/>
+              </a:spcAft>
+              <a:buSzPts val="1400"/>
+              <a:buNone/>
+            </a:pPr>
+            <a:r>
+              <a:t/>
+            </a:r>
+            <a:endParaRPr/>
+          </a:p>
+        </p:txBody>
+      </p:sp>
+    </p:spTree>
+  </p:cSld>
+  <p:clrMapOvr>
+    <a:masterClrMapping/>
+  </p:clrMapOvr>
+</p:notes>
+</file>
+
+<file path=ppt/notesSlides/notesSlide43.xml><?xml version="1.0" encoding="utf-8"?>
+<p:notes xmlns:a="http://schemas.openxmlformats.org/drawingml/2006/main" xmlns:r="http://schemas.openxmlformats.org/officeDocument/2006/relationships" xmlns:mc="http://schemas.openxmlformats.org/markup-compatibility/2006" xmlns:mv="urn:schemas-microsoft-com:mac:vml" xmlns:p="http://schemas.openxmlformats.org/presentationml/2006/main" xmlns:c="http://schemas.openxmlformats.org/drawingml/2006/chart" xmlns:dgm="http://schemas.openxmlformats.org/drawingml/2006/diagram" xmlns:o="urn:schemas-microsoft-com:office:office" xmlns:v="urn:schemas-microsoft-com:vml" xmlns:pvml="urn:schemas-microsoft-com:office:powerpoint" xmlns:com="http://schemas.openxmlformats.org/drawingml/2006/compatibility" xmlns:p14="http://schemas.microsoft.com/office/powerpoint/2010/main" xmlns:p15="http://schemas.microsoft.com/office/powerpoint/2012/main" showMasterPhAnim="0" showMasterSp="0">
+  <p:cSld>
+    <p:spTree>
+      <p:nvGrpSpPr>
+        <p:cNvPr id="409" name="Shape 409"/>
+        <p:cNvGrpSpPr/>
+        <p:nvPr/>
+      </p:nvGrpSpPr>
+      <p:grpSpPr>
+        <a:xfrm>
+          <a:off x="0" y="0"/>
+          <a:ext cx="0" cy="0"/>
+          <a:chOff x="0" y="0"/>
+          <a:chExt cx="0" cy="0"/>
+        </a:xfrm>
+      </p:grpSpPr>
+      <p:sp>
+        <p:nvSpPr>
+          <p:cNvPr id="410" name="Google Shape;410;p40:notes"/>
+          <p:cNvSpPr/>
+          <p:nvPr>
+            <p:ph idx="2" type="sldImg"/>
+          </p:nvPr>
+        </p:nvSpPr>
+        <p:spPr>
+          <a:xfrm>
+            <a:off x="381188" y="685800"/>
+            <a:ext cx="6096300" cy="3429000"/>
+          </a:xfrm>
+          <a:custGeom>
+            <a:rect b="b" l="l" r="r" t="t"/>
+            <a:pathLst>
+              <a:path extrusionOk="0" h="120000" w="120000">
+                <a:moveTo>
+                  <a:pt x="0" y="0"/>
+                </a:moveTo>
+                <a:lnTo>
+                  <a:pt x="120000" y="0"/>
+                </a:lnTo>
+                <a:lnTo>
+                  <a:pt x="120000" y="120000"/>
+                </a:lnTo>
+                <a:lnTo>
+                  <a:pt x="0" y="120000"/>
+                </a:lnTo>
+                <a:close/>
+              </a:path>
+            </a:pathLst>
+          </a:custGeom>
+          <a:noFill/>
+          <a:ln cap="flat" cmpd="sng" w="9525">
+            <a:solidFill>
+              <a:srgbClr val="000000"/>
+            </a:solidFill>
+            <a:prstDash val="solid"/>
+            <a:round/>
+            <a:headEnd len="sm" w="sm" type="none"/>
+            <a:tailEnd len="sm" w="sm" type="none"/>
+          </a:ln>
+        </p:spPr>
+      </p:sp>
+      <p:sp>
+        <p:nvSpPr>
+          <p:cNvPr id="411" name="Google Shape;411;p40:notes"/>
           <p:cNvSpPr txBox="1"/>
           <p:nvPr>
             <p:ph idx="1" type="body"/>
@@ -13535,6 +13653,10 @@
               <a:buNone/>
             </a:pPr>
             <a:r>
+              <a:rPr lang="pt-BR" sz="1200"/>
+              <a:t>Orientador: </a:t>
+            </a:r>
+            <a:r>
               <a:rPr lang="pt-BR" sz="1900"/>
               <a:t>Especialista Felipe Douglas Machado da Cunha</a:t>
             </a:r>
@@ -13598,7 +13720,7 @@
 </file>
 
 <file path=ppt/slides/slide10.xml><?xml version="1.0" encoding="utf-8"?>
-<p:sld xmlns:a="http://schemas.openxmlformats.org/drawingml/2006/main" xmlns:r="http://schemas.openxmlformats.org/officeDocument/2006/relationships" xmlns:mc="http://schemas.openxmlformats.org/markup-compatibility/2006" xmlns:mv="urn:schemas-microsoft-com:mac:vml" xmlns:p="http://schemas.openxmlformats.org/presentationml/2006/main" xmlns:c="http://schemas.openxmlformats.org/drawingml/2006/chart" xmlns:dgm="http://schemas.openxmlformats.org/drawingml/2006/diagram" xmlns:o="urn:schemas-microsoft-com:office:office" xmlns:v="urn:schemas-microsoft-com:vml" xmlns:pvml="urn:schemas-microsoft-com:office:powerpoint" xmlns:com="http://schemas.openxmlformats.org/drawingml/2006/compatibility" xmlns:p14="http://schemas.microsoft.com/office/powerpoint/2010/main" xmlns:p15="http://schemas.microsoft.com/office/powerpoint/2012/main">
+<p:sld xmlns:a="http://schemas.openxmlformats.org/drawingml/2006/main" xmlns:r="http://schemas.openxmlformats.org/officeDocument/2006/relationships" xmlns:mc="http://schemas.openxmlformats.org/markup-compatibility/2006" xmlns:mv="urn:schemas-microsoft-com:mac:vml" xmlns:p="http://schemas.openxmlformats.org/presentationml/2006/main" xmlns:c="http://schemas.openxmlformats.org/drawingml/2006/chart" xmlns:dgm="http://schemas.openxmlformats.org/drawingml/2006/diagram" xmlns:o="urn:schemas-microsoft-com:office:office" xmlns:v="urn:schemas-microsoft-com:vml" xmlns:pvml="urn:schemas-microsoft-com:office:powerpoint" xmlns:com="http://schemas.openxmlformats.org/drawingml/2006/compatibility" xmlns:p14="http://schemas.microsoft.com/office/powerpoint/2010/main" xmlns:p15="http://schemas.microsoft.com/office/powerpoint/2012/main" show="0">
   <p:cSld>
     <p:spTree>
       <p:nvGrpSpPr>
@@ -14000,7 +14122,7 @@
 </file>
 
 <file path=ppt/slides/slide11.xml><?xml version="1.0" encoding="utf-8"?>
-<p:sld xmlns:a="http://schemas.openxmlformats.org/drawingml/2006/main" xmlns:r="http://schemas.openxmlformats.org/officeDocument/2006/relationships" xmlns:mc="http://schemas.openxmlformats.org/markup-compatibility/2006" xmlns:mv="urn:schemas-microsoft-com:mac:vml" xmlns:p="http://schemas.openxmlformats.org/presentationml/2006/main" xmlns:c="http://schemas.openxmlformats.org/drawingml/2006/chart" xmlns:dgm="http://schemas.openxmlformats.org/drawingml/2006/diagram" xmlns:o="urn:schemas-microsoft-com:office:office" xmlns:v="urn:schemas-microsoft-com:vml" xmlns:pvml="urn:schemas-microsoft-com:office:powerpoint" xmlns:com="http://schemas.openxmlformats.org/drawingml/2006/compatibility" xmlns:p14="http://schemas.microsoft.com/office/powerpoint/2010/main" xmlns:p15="http://schemas.microsoft.com/office/powerpoint/2012/main">
+<p:sld xmlns:a="http://schemas.openxmlformats.org/drawingml/2006/main" xmlns:r="http://schemas.openxmlformats.org/officeDocument/2006/relationships" xmlns:mc="http://schemas.openxmlformats.org/markup-compatibility/2006" xmlns:mv="urn:schemas-microsoft-com:mac:vml" xmlns:p="http://schemas.openxmlformats.org/presentationml/2006/main" xmlns:c="http://schemas.openxmlformats.org/drawingml/2006/chart" xmlns:dgm="http://schemas.openxmlformats.org/drawingml/2006/diagram" xmlns:o="urn:schemas-microsoft-com:office:office" xmlns:v="urn:schemas-microsoft-com:vml" xmlns:pvml="urn:schemas-microsoft-com:office:powerpoint" xmlns:com="http://schemas.openxmlformats.org/drawingml/2006/compatibility" xmlns:p14="http://schemas.microsoft.com/office/powerpoint/2010/main" xmlns:p15="http://schemas.microsoft.com/office/powerpoint/2012/main" show="0">
   <p:cSld>
     <p:spTree>
       <p:nvGrpSpPr>
@@ -14708,7 +14830,7 @@
         </p:nvSpPr>
         <p:spPr>
           <a:xfrm>
-            <a:off x="2411100" y="832850"/>
+            <a:off x="2868300" y="832850"/>
             <a:ext cx="6502500" cy="4169400"/>
           </a:xfrm>
           <a:prstGeom prst="rect">
@@ -14725,10 +14847,7 @@
           </a:bodyPr>
           <a:lstStyle/>
           <a:p>
-            <a:pPr indent="-406400" lvl="0" marL="457200" rtl="0" algn="l">
-              <a:lnSpc>
-                <a:spcPct val="100000"/>
-              </a:lnSpc>
+            <a:pPr indent="-177800" lvl="0" marL="0" rtl="0" algn="l">
               <a:spcBef>
                 <a:spcPts val="0"/>
               </a:spcBef>
@@ -14745,10 +14864,7 @@
             <a:endParaRPr sz="2800"/>
           </a:p>
           <a:p>
-            <a:pPr indent="-406400" lvl="0" marL="457200" rtl="0" algn="l">
-              <a:lnSpc>
-                <a:spcPct val="100000"/>
-              </a:lnSpc>
+            <a:pPr indent="-177800" lvl="0" marL="0" rtl="0" algn="l">
               <a:spcBef>
                 <a:spcPts val="0"/>
               </a:spcBef>
@@ -14765,10 +14881,7 @@
             <a:endParaRPr sz="2800"/>
           </a:p>
           <a:p>
-            <a:pPr indent="-406400" lvl="0" marL="457200" rtl="0" algn="l">
-              <a:lnSpc>
-                <a:spcPct val="100000"/>
-              </a:lnSpc>
+            <a:pPr indent="-177800" lvl="0" marL="0" rtl="0" algn="l">
               <a:spcBef>
                 <a:spcPts val="0"/>
               </a:spcBef>
@@ -14785,10 +14898,7 @@
             <a:endParaRPr sz="2800"/>
           </a:p>
           <a:p>
-            <a:pPr indent="-406400" lvl="0" marL="457200" rtl="0" algn="l">
-              <a:lnSpc>
-                <a:spcPct val="100000"/>
-              </a:lnSpc>
+            <a:pPr indent="-177800" lvl="0" marL="0" rtl="0" algn="l">
               <a:spcBef>
                 <a:spcPts val="0"/>
               </a:spcBef>
@@ -14805,10 +14915,7 @@
             <a:endParaRPr sz="2800"/>
           </a:p>
           <a:p>
-            <a:pPr indent="-406400" lvl="0" marL="457200" rtl="0" algn="l">
-              <a:lnSpc>
-                <a:spcPct val="100000"/>
-              </a:lnSpc>
+            <a:pPr indent="-177800" lvl="0" marL="0" rtl="0" algn="l">
               <a:spcBef>
                 <a:spcPts val="0"/>
               </a:spcBef>
@@ -14825,10 +14932,7 @@
             <a:endParaRPr sz="2800"/>
           </a:p>
           <a:p>
-            <a:pPr indent="-406400" lvl="0" marL="457200" rtl="0" algn="l">
-              <a:lnSpc>
-                <a:spcPct val="100000"/>
-              </a:lnSpc>
+            <a:pPr indent="-177800" lvl="0" marL="0" rtl="0" algn="l">
               <a:spcBef>
                 <a:spcPts val="0"/>
               </a:spcBef>
@@ -14840,15 +14944,53 @@
             </a:pPr>
             <a:r>
               <a:rPr lang="pt-BR" sz="2800"/>
+              <a:t>Empírico.</a:t>
+            </a:r>
+            <a:endParaRPr sz="2800"/>
+          </a:p>
+          <a:p>
+            <a:pPr indent="-177800" lvl="0" marL="0" rtl="0" algn="l">
+              <a:spcBef>
+                <a:spcPts val="0"/>
+              </a:spcBef>
+              <a:spcAft>
+                <a:spcPts val="0"/>
+              </a:spcAft>
+              <a:buSzPts val="2800"/>
+              <a:buChar char="➔"/>
+            </a:pPr>
+            <a:r>
+              <a:rPr lang="pt-BR" sz="2800">
+                <a:solidFill>
+                  <a:srgbClr val="222222"/>
+                </a:solidFill>
+                <a:highlight>
+                  <a:srgbClr val="FFFFFF"/>
+                </a:highlight>
+              </a:rPr>
+              <a:t>Iterativo.</a:t>
+            </a:r>
+            <a:endParaRPr sz="2800"/>
+          </a:p>
+          <a:p>
+            <a:pPr indent="-177800" lvl="0" marL="0" rtl="0" algn="l">
+              <a:spcBef>
+                <a:spcPts val="0"/>
+              </a:spcBef>
+              <a:spcAft>
+                <a:spcPts val="0"/>
+              </a:spcAft>
+              <a:buSzPts val="2800"/>
+              <a:buChar char="➔"/>
+            </a:pPr>
+            <a:r>
+              <a:rPr lang="pt-BR" sz="2800"/>
               <a:t>Integrar e tornar time responsável.</a:t>
             </a:r>
             <a:endParaRPr sz="2800"/>
           </a:p>
           <a:p>
-            <a:pPr indent="-406400" lvl="0" marL="457200" rtl="0" algn="l">
-              <a:lnSpc>
-                <a:spcPct val="100000"/>
-              </a:lnSpc>
+            <a:pPr indent="-177800" lvl="0" marL="0" rtl="0" algn="l">
               <a:spcBef>
                 <a:spcPts val="0"/>
               </a:spcBef>
@@ -15014,7 +15156,7 @@
 </file>
 
 <file path=ppt/slides/slide14.xml><?xml version="1.0" encoding="utf-8"?>
-<p:sld xmlns:a="http://schemas.openxmlformats.org/drawingml/2006/main" xmlns:r="http://schemas.openxmlformats.org/officeDocument/2006/relationships" xmlns:mc="http://schemas.openxmlformats.org/markup-compatibility/2006" xmlns:mv="urn:schemas-microsoft-com:mac:vml" xmlns:p="http://schemas.openxmlformats.org/presentationml/2006/main" xmlns:c="http://schemas.openxmlformats.org/drawingml/2006/chart" xmlns:dgm="http://schemas.openxmlformats.org/drawingml/2006/diagram" xmlns:o="urn:schemas-microsoft-com:office:office" xmlns:v="urn:schemas-microsoft-com:vml" xmlns:pvml="urn:schemas-microsoft-com:office:powerpoint" xmlns:com="http://schemas.openxmlformats.org/drawingml/2006/compatibility" xmlns:p14="http://schemas.microsoft.com/office/powerpoint/2010/main" xmlns:p15="http://schemas.microsoft.com/office/powerpoint/2012/main">
+<p:sld xmlns:a="http://schemas.openxmlformats.org/drawingml/2006/main" xmlns:r="http://schemas.openxmlformats.org/officeDocument/2006/relationships" xmlns:mc="http://schemas.openxmlformats.org/markup-compatibility/2006" xmlns:mv="urn:schemas-microsoft-com:mac:vml" xmlns:p="http://schemas.openxmlformats.org/presentationml/2006/main" xmlns:c="http://schemas.openxmlformats.org/drawingml/2006/chart" xmlns:dgm="http://schemas.openxmlformats.org/drawingml/2006/diagram" xmlns:o="urn:schemas-microsoft-com:office:office" xmlns:v="urn:schemas-microsoft-com:vml" xmlns:pvml="urn:schemas-microsoft-com:office:powerpoint" xmlns:com="http://schemas.openxmlformats.org/drawingml/2006/compatibility" xmlns:p14="http://schemas.microsoft.com/office/powerpoint/2010/main" xmlns:p15="http://schemas.microsoft.com/office/powerpoint/2012/main" show="0">
   <p:cSld>
     <p:spTree>
       <p:nvGrpSpPr>
@@ -15494,7 +15636,7 @@
 </file>
 
 <file path=ppt/slides/slide16.xml><?xml version="1.0" encoding="utf-8"?>
-<p:sld xmlns:a="http://schemas.openxmlformats.org/drawingml/2006/main" xmlns:r="http://schemas.openxmlformats.org/officeDocument/2006/relationships" xmlns:mc="http://schemas.openxmlformats.org/markup-compatibility/2006" xmlns:mv="urn:schemas-microsoft-com:mac:vml" xmlns:p="http://schemas.openxmlformats.org/presentationml/2006/main" xmlns:c="http://schemas.openxmlformats.org/drawingml/2006/chart" xmlns:dgm="http://schemas.openxmlformats.org/drawingml/2006/diagram" xmlns:o="urn:schemas-microsoft-com:office:office" xmlns:v="urn:schemas-microsoft-com:vml" xmlns:pvml="urn:schemas-microsoft-com:office:powerpoint" xmlns:com="http://schemas.openxmlformats.org/drawingml/2006/compatibility" xmlns:p14="http://schemas.microsoft.com/office/powerpoint/2010/main" xmlns:p15="http://schemas.microsoft.com/office/powerpoint/2012/main">
+<p:sld xmlns:a="http://schemas.openxmlformats.org/drawingml/2006/main" xmlns:r="http://schemas.openxmlformats.org/officeDocument/2006/relationships" xmlns:mc="http://schemas.openxmlformats.org/markup-compatibility/2006" xmlns:mv="urn:schemas-microsoft-com:mac:vml" xmlns:p="http://schemas.openxmlformats.org/presentationml/2006/main" xmlns:c="http://schemas.openxmlformats.org/drawingml/2006/chart" xmlns:dgm="http://schemas.openxmlformats.org/drawingml/2006/diagram" xmlns:o="urn:schemas-microsoft-com:office:office" xmlns:v="urn:schemas-microsoft-com:vml" xmlns:pvml="urn:schemas-microsoft-com:office:powerpoint" xmlns:com="http://schemas.openxmlformats.org/drawingml/2006/compatibility" xmlns:p14="http://schemas.microsoft.com/office/powerpoint/2010/main" xmlns:p15="http://schemas.microsoft.com/office/powerpoint/2012/main" show="0">
   <p:cSld>
     <p:spTree>
       <p:nvGrpSpPr>
@@ -16339,7 +16481,7 @@
 </file>
 
 <file path=ppt/slides/slide2.xml><?xml version="1.0" encoding="utf-8"?>
-<p:sld xmlns:a="http://schemas.openxmlformats.org/drawingml/2006/main" xmlns:r="http://schemas.openxmlformats.org/officeDocument/2006/relationships" xmlns:mc="http://schemas.openxmlformats.org/markup-compatibility/2006" xmlns:mv="urn:schemas-microsoft-com:mac:vml" xmlns:p="http://schemas.openxmlformats.org/presentationml/2006/main" xmlns:c="http://schemas.openxmlformats.org/drawingml/2006/chart" xmlns:dgm="http://schemas.openxmlformats.org/drawingml/2006/diagram" xmlns:o="urn:schemas-microsoft-com:office:office" xmlns:v="urn:schemas-microsoft-com:vml" xmlns:pvml="urn:schemas-microsoft-com:office:powerpoint" xmlns:com="http://schemas.openxmlformats.org/drawingml/2006/compatibility" xmlns:p14="http://schemas.microsoft.com/office/powerpoint/2010/main" xmlns:p15="http://schemas.microsoft.com/office/powerpoint/2012/main">
+<p:sld xmlns:a="http://schemas.openxmlformats.org/drawingml/2006/main" xmlns:r="http://schemas.openxmlformats.org/officeDocument/2006/relationships" xmlns:mc="http://schemas.openxmlformats.org/markup-compatibility/2006" xmlns:mv="urn:schemas-microsoft-com:mac:vml" xmlns:p="http://schemas.openxmlformats.org/presentationml/2006/main" xmlns:c="http://schemas.openxmlformats.org/drawingml/2006/chart" xmlns:dgm="http://schemas.openxmlformats.org/drawingml/2006/diagram" xmlns:o="urn:schemas-microsoft-com:office:office" xmlns:v="urn:schemas-microsoft-com:vml" xmlns:pvml="urn:schemas-microsoft-com:office:powerpoint" xmlns:com="http://schemas.openxmlformats.org/drawingml/2006/compatibility" xmlns:p14="http://schemas.microsoft.com/office/powerpoint/2010/main" xmlns:p15="http://schemas.microsoft.com/office/powerpoint/2012/main" show="0">
   <p:cSld>
     <p:spTree>
       <p:nvGrpSpPr>
@@ -19010,7 +19152,7 @@
             </a:pPr>
             <a:r>
               <a:rPr lang="pt-BR" sz="3400" u="sng"/>
-              <a:t>Vantagens do Scrum </a:t>
+              <a:t>Conceito de Pronto (Definition of Done)</a:t>
             </a:r>
             <a:endParaRPr sz="3400" u="sng"/>
           </a:p>
@@ -19058,7 +19200,7 @@
             </a:pPr>
             <a:r>
               <a:rPr lang="pt-BR" sz="600"/>
-              <a:t> Disponível em: http://www.sinhoresosasco.com.br/vantagens-associativas/</a:t>
+              <a:t> Disponível em:https://www.scrum.org/resources/blog/how-ambitious-your-done</a:t>
             </a:r>
             <a:endParaRPr sz="600"/>
           </a:p>
@@ -19074,8 +19216,8 @@
         </p:nvSpPr>
         <p:spPr>
           <a:xfrm>
-            <a:off x="7312750" y="2207200"/>
-            <a:ext cx="1771200" cy="217500"/>
+            <a:off x="280550" y="1290550"/>
+            <a:ext cx="5517600" cy="1614900"/>
           </a:xfrm>
           <a:prstGeom prst="rect">
             <a:avLst/>
@@ -19091,6 +19233,111 @@
           </a:bodyPr>
           <a:lstStyle/>
           <a:p>
+            <a:pPr indent="0" lvl="0" marL="0" rtl="0" algn="l">
+              <a:lnSpc>
+                <a:spcPct val="100000"/>
+              </a:lnSpc>
+              <a:spcBef>
+                <a:spcPts val="0"/>
+              </a:spcBef>
+              <a:spcAft>
+                <a:spcPts val="0"/>
+              </a:spcAft>
+              <a:buSzPts val="3600"/>
+              <a:buNone/>
+            </a:pPr>
+            <a:r>
+              <a:t/>
+            </a:r>
+            <a:endParaRPr sz="2800"/>
+          </a:p>
+          <a:p>
+            <a:pPr indent="-406400" lvl="0" marL="457200" rtl="0" algn="l">
+              <a:lnSpc>
+                <a:spcPct val="115000"/>
+              </a:lnSpc>
+              <a:spcBef>
+                <a:spcPts val="0"/>
+              </a:spcBef>
+              <a:spcAft>
+                <a:spcPts val="0"/>
+              </a:spcAft>
+              <a:buSzPts val="2800"/>
+              <a:buChar char="➔"/>
+            </a:pPr>
+            <a:r>
+              <a:rPr lang="pt-BR" sz="2800"/>
+              <a:t>Inúmeras checagens que um time deve realizar.</a:t>
+            </a:r>
+            <a:endParaRPr sz="2800"/>
+          </a:p>
+          <a:p>
+            <a:pPr indent="0" lvl="0" marL="457200" rtl="0" algn="l">
+              <a:lnSpc>
+                <a:spcPct val="115000"/>
+              </a:lnSpc>
+              <a:spcBef>
+                <a:spcPts val="0"/>
+              </a:spcBef>
+              <a:spcAft>
+                <a:spcPts val="0"/>
+              </a:spcAft>
+              <a:buSzPts val="3600"/>
+              <a:buNone/>
+            </a:pPr>
+            <a:r>
+              <a:t/>
+            </a:r>
+            <a:endParaRPr sz="2800"/>
+          </a:p>
+          <a:p>
+            <a:pPr indent="0" lvl="0" marL="457200" rtl="0" algn="l">
+              <a:lnSpc>
+                <a:spcPct val="100000"/>
+              </a:lnSpc>
+              <a:spcBef>
+                <a:spcPts val="0"/>
+              </a:spcBef>
+              <a:spcAft>
+                <a:spcPts val="0"/>
+              </a:spcAft>
+              <a:buSzPts val="3600"/>
+              <a:buNone/>
+            </a:pPr>
+            <a:r>
+              <a:t/>
+            </a:r>
+            <a:endParaRPr sz="2800"/>
+          </a:p>
+        </p:txBody>
+      </p:sp>
+      <p:sp>
+        <p:nvSpPr>
+          <p:cNvPr id="290" name="Google Shape;290;p41"/>
+          <p:cNvSpPr txBox="1"/>
+          <p:nvPr>
+            <p:ph type="title"/>
+          </p:nvPr>
+        </p:nvSpPr>
+        <p:spPr>
+          <a:xfrm>
+            <a:off x="6461975" y="2779950"/>
+            <a:ext cx="1554300" cy="217500"/>
+          </a:xfrm>
+          <a:prstGeom prst="rect">
+            <a:avLst/>
+          </a:prstGeom>
+          <a:noFill/>
+          <a:ln>
+            <a:noFill/>
+          </a:ln>
+        </p:spPr>
+        <p:txBody>
+          <a:bodyPr anchorCtr="0" anchor="ctr" bIns="91425" lIns="91425" spcFirstLastPara="1" rIns="91425" wrap="square" tIns="91425">
+            <a:noAutofit/>
+          </a:bodyPr>
+          <a:lstStyle/>
+          <a:p>
             <a:pPr indent="0" lvl="0" marL="0" rtl="0" algn="ctr">
               <a:lnSpc>
                 <a:spcPct val="100000"/>
@@ -19106,7 +19353,7 @@
             </a:pPr>
             <a:r>
               <a:rPr lang="pt-BR" sz="600"/>
-              <a:t>Fonte: Página Sinhores Osasco</a:t>
+              <a:t>Fonte: Página Scrum Org </a:t>
             </a:r>
             <a:endParaRPr sz="600"/>
           </a:p>
@@ -19114,7 +19361,7 @@
       </p:sp>
       <p:pic>
         <p:nvPicPr>
-          <p:cNvPr id="290" name="Google Shape;290;p41"/>
+          <p:cNvPr id="291" name="Google Shape;291;p41"/>
           <p:cNvPicPr preferRelativeResize="0"/>
           <p:nvPr/>
         </p:nvPicPr>
@@ -19127,8 +19374,8 @@
         </p:blipFill>
         <p:spPr>
           <a:xfrm>
-            <a:off x="7347225" y="654300"/>
-            <a:ext cx="1736725" cy="1506500"/>
+            <a:off x="5334288" y="501900"/>
+            <a:ext cx="3809660" cy="2278049"/>
           </a:xfrm>
           <a:prstGeom prst="rect">
             <a:avLst/>
@@ -19141,7 +19388,7 @@
       </p:pic>
       <p:sp>
         <p:nvSpPr>
-          <p:cNvPr id="291" name="Google Shape;291;p41"/>
+          <p:cNvPr id="292" name="Google Shape;292;p41"/>
           <p:cNvSpPr txBox="1"/>
           <p:nvPr>
             <p:ph type="title"/>
@@ -19149,8 +19396,8 @@
         </p:nvSpPr>
         <p:spPr>
           <a:xfrm>
-            <a:off x="276850" y="654300"/>
-            <a:ext cx="6654900" cy="4347900"/>
+            <a:off x="330425" y="2518075"/>
+            <a:ext cx="8813400" cy="2320800"/>
           </a:xfrm>
           <a:prstGeom prst="rect">
             <a:avLst/>
@@ -19181,7 +19428,7 @@
             </a:pPr>
             <a:r>
               <a:rPr lang="pt-BR" sz="2800"/>
-              <a:t>Valorizar os indivíduo envolvidos.</a:t>
+              <a:t>Scrum Team define esta checagens.</a:t>
             </a:r>
             <a:endParaRPr sz="2800"/>
           </a:p>
@@ -19220,65 +19467,7 @@
             </a:pPr>
             <a:r>
               <a:rPr lang="pt-BR" sz="2800"/>
-              <a:t>Maior comprometimento do time.</a:t>
-            </a:r>
-            <a:endParaRPr sz="2800"/>
-          </a:p>
-          <a:p>
-            <a:pPr indent="0" lvl="0" marL="457200" rtl="0" algn="l">
-              <a:lnSpc>
-                <a:spcPct val="100000"/>
-              </a:lnSpc>
-              <a:spcBef>
-                <a:spcPts val="0"/>
-              </a:spcBef>
-              <a:spcAft>
-                <a:spcPts val="0"/>
-              </a:spcAft>
-              <a:buSzPts val="3600"/>
-              <a:buNone/>
-            </a:pPr>
-            <a:r>
-              <a:t/>
-            </a:r>
-            <a:endParaRPr sz="2800"/>
-          </a:p>
-          <a:p>
-            <a:pPr indent="-406400" lvl="0" marL="457200" rtl="0" algn="l">
-              <a:lnSpc>
-                <a:spcPct val="100000"/>
-              </a:lnSpc>
-              <a:spcBef>
-                <a:spcPts val="0"/>
-              </a:spcBef>
-              <a:spcAft>
-                <a:spcPts val="0"/>
-              </a:spcAft>
-              <a:buSzPts val="2800"/>
-              <a:buChar char="➔"/>
-            </a:pPr>
-            <a:r>
-              <a:rPr lang="pt-BR" sz="2800"/>
-              <a:t>Flexibilidade em relação prioridades</a:t>
-            </a:r>
-            <a:endParaRPr sz="2800"/>
-          </a:p>
-          <a:p>
-            <a:pPr indent="0" lvl="0" marL="0" rtl="0" algn="l">
-              <a:lnSpc>
-                <a:spcPct val="100000"/>
-              </a:lnSpc>
-              <a:spcBef>
-                <a:spcPts val="0"/>
-              </a:spcBef>
-              <a:spcAft>
-                <a:spcPts val="0"/>
-              </a:spcAft>
-              <a:buSzPts val="3600"/>
-              <a:buNone/>
-            </a:pPr>
-            <a:r>
-              <a:t/>
+              <a:t>Todos o time, deve ter o conhecimento claro quando algo “Está Pronto”.</a:t>
             </a:r>
             <a:endParaRPr sz="2800"/>
           </a:p>
@@ -19367,8 +19556,8 @@
         </p:nvSpPr>
         <p:spPr>
           <a:xfrm>
-            <a:off x="311700" y="1152475"/>
-            <a:ext cx="8520600" cy="3416400"/>
+            <a:off x="311700" y="766875"/>
+            <a:ext cx="8520600" cy="3873000"/>
           </a:xfrm>
           <a:prstGeom prst="rect">
             <a:avLst/>
@@ -19428,7 +19617,7 @@
                   <a:srgbClr val="000000"/>
                 </a:solidFill>
               </a:rPr>
-              <a:t>Objeto de estudo? Metodologia Ágil e metodologia Scrum.</a:t>
+              <a:t>Objeto de estudo? Metodologia Ágil e Metodologia Scrum.</a:t>
             </a:r>
             <a:endParaRPr sz="2200">
               <a:solidFill>
@@ -19587,7 +19776,92 @@
                   <a:srgbClr val="000000"/>
                 </a:solidFill>
               </a:rPr>
-              <a:t>Como os dados foram analisados? Revisão bibliográfica;</a:t>
+              <a:t>Como os dados foram analisados? Revisão bibliográfica.</a:t>
+            </a:r>
+            <a:endParaRPr sz="2200">
+              <a:solidFill>
+                <a:srgbClr val="000000"/>
+              </a:solidFill>
+            </a:endParaRPr>
+          </a:p>
+          <a:p>
+            <a:pPr indent="0" lvl="0" marL="457200" rtl="0" algn="l">
+              <a:lnSpc>
+                <a:spcPct val="100000"/>
+              </a:lnSpc>
+              <a:spcBef>
+                <a:spcPts val="0"/>
+              </a:spcBef>
+              <a:spcAft>
+                <a:spcPts val="0"/>
+              </a:spcAft>
+              <a:buNone/>
+            </a:pPr>
+            <a:r>
+              <a:t/>
+            </a:r>
+            <a:endParaRPr sz="2200">
+              <a:solidFill>
+                <a:srgbClr val="000000"/>
+              </a:solidFill>
+            </a:endParaRPr>
+          </a:p>
+          <a:p>
+            <a:pPr indent="-368300" lvl="0" marL="457200" rtl="0" algn="l">
+              <a:lnSpc>
+                <a:spcPct val="100000"/>
+              </a:lnSpc>
+              <a:spcBef>
+                <a:spcPts val="0"/>
+              </a:spcBef>
+              <a:spcAft>
+                <a:spcPts val="0"/>
+              </a:spcAft>
+              <a:buClr>
+                <a:srgbClr val="000000"/>
+              </a:buClr>
+              <a:buSzPts val="2200"/>
+              <a:buChar char="●"/>
+            </a:pPr>
+            <a:r>
+              <a:rPr lang="pt-BR" sz="2200">
+                <a:solidFill>
+                  <a:srgbClr val="000000"/>
+                </a:solidFill>
+              </a:rPr>
+              <a:t>Porque? Entender </a:t>
+            </a:r>
+            <a:r>
+              <a:rPr lang="pt-BR" sz="2200">
+                <a:solidFill>
+                  <a:srgbClr val="000000"/>
+                </a:solidFill>
+              </a:rPr>
+              <a:t>características,</a:t>
+            </a:r>
+            <a:r>
+              <a:rPr lang="pt-BR" sz="2200">
+                <a:solidFill>
+                  <a:srgbClr val="000000"/>
+                </a:solidFill>
+              </a:rPr>
+              <a:t> </a:t>
+            </a:r>
+            <a:r>
+              <a:rPr lang="pt-BR" sz="2200">
+                <a:solidFill>
+                  <a:srgbClr val="000000"/>
+                </a:solidFill>
+              </a:rPr>
+              <a:t>benefícios, desvantagens e</a:t>
+            </a:r>
+            <a:r>
+              <a:rPr lang="pt-BR" sz="2200">
+                <a:solidFill>
+                  <a:srgbClr val="000000"/>
+                </a:solidFill>
+              </a:rPr>
+              <a:t> desafios.</a:t>
             </a:r>
             <a:endParaRPr sz="2200">
               <a:solidFill>
@@ -19650,11 +19924,11 @@
 </file>
 
 <file path=ppt/slides/slide30.xml><?xml version="1.0" encoding="utf-8"?>
-<p:sld xmlns:a="http://schemas.openxmlformats.org/drawingml/2006/main" xmlns:r="http://schemas.openxmlformats.org/officeDocument/2006/relationships" xmlns:mc="http://schemas.openxmlformats.org/markup-compatibility/2006" xmlns:mv="urn:schemas-microsoft-com:mac:vml" xmlns:p="http://schemas.openxmlformats.org/presentationml/2006/main" xmlns:c="http://schemas.openxmlformats.org/drawingml/2006/chart" xmlns:dgm="http://schemas.openxmlformats.org/drawingml/2006/diagram" xmlns:o="urn:schemas-microsoft-com:office:office" xmlns:v="urn:schemas-microsoft-com:vml" xmlns:pvml="urn:schemas-microsoft-com:office:powerpoint" xmlns:com="http://schemas.openxmlformats.org/drawingml/2006/compatibility" xmlns:p14="http://schemas.microsoft.com/office/powerpoint/2010/main" xmlns:p15="http://schemas.microsoft.com/office/powerpoint/2012/main">
+<p:sld xmlns:a="http://schemas.openxmlformats.org/drawingml/2006/main" xmlns:r="http://schemas.openxmlformats.org/officeDocument/2006/relationships" xmlns:mc="http://schemas.openxmlformats.org/markup-compatibility/2006" xmlns:mv="urn:schemas-microsoft-com:mac:vml" xmlns:p="http://schemas.openxmlformats.org/presentationml/2006/main" xmlns:c="http://schemas.openxmlformats.org/drawingml/2006/chart" xmlns:dgm="http://schemas.openxmlformats.org/drawingml/2006/diagram" xmlns:o="urn:schemas-microsoft-com:office:office" xmlns:v="urn:schemas-microsoft-com:vml" xmlns:pvml="urn:schemas-microsoft-com:office:powerpoint" xmlns:com="http://schemas.openxmlformats.org/drawingml/2006/compatibility" xmlns:p14="http://schemas.microsoft.com/office/powerpoint/2010/main" xmlns:p15="http://schemas.microsoft.com/office/powerpoint/2012/main" show="0">
   <p:cSld>
     <p:spTree>
       <p:nvGrpSpPr>
-        <p:cNvPr id="295" name="Shape 295"/>
+        <p:cNvPr id="296" name="Shape 296"/>
         <p:cNvGrpSpPr/>
         <p:nvPr/>
       </p:nvGrpSpPr>
@@ -19668,54 +19942,6 @@
       </p:grpSpPr>
       <p:sp>
         <p:nvSpPr>
-          <p:cNvPr id="296" name="Google Shape;296;p42"/>
-          <p:cNvSpPr txBox="1"/>
-          <p:nvPr>
-            <p:ph type="title"/>
-          </p:nvPr>
-        </p:nvSpPr>
-        <p:spPr>
-          <a:xfrm>
-            <a:off x="0" y="76200"/>
-            <a:ext cx="9144000" cy="425700"/>
-          </a:xfrm>
-          <a:prstGeom prst="rect">
-            <a:avLst/>
-          </a:prstGeom>
-          <a:noFill/>
-          <a:ln>
-            <a:noFill/>
-          </a:ln>
-        </p:spPr>
-        <p:txBody>
-          <a:bodyPr anchorCtr="0" anchor="ctr" bIns="91425" lIns="91425" spcFirstLastPara="1" rIns="91425" wrap="square" tIns="91425">
-            <a:noAutofit/>
-          </a:bodyPr>
-          <a:lstStyle/>
-          <a:p>
-            <a:pPr indent="0" lvl="0" marL="0" rtl="0" algn="ctr">
-              <a:lnSpc>
-                <a:spcPct val="100000"/>
-              </a:lnSpc>
-              <a:spcBef>
-                <a:spcPts val="0"/>
-              </a:spcBef>
-              <a:spcAft>
-                <a:spcPts val="0"/>
-              </a:spcAft>
-              <a:buSzPts val="3600"/>
-              <a:buNone/>
-            </a:pPr>
-            <a:r>
-              <a:rPr lang="pt-BR" sz="3400" u="sng"/>
-              <a:t>Vantagens do Scrum </a:t>
-            </a:r>
-            <a:endParaRPr sz="3400" u="sng"/>
-          </a:p>
-        </p:txBody>
-      </p:sp>
-      <p:sp>
-        <p:nvSpPr>
           <p:cNvPr id="297" name="Google Shape;297;p42"/>
           <p:cNvSpPr txBox="1"/>
           <p:nvPr>
@@ -19724,8 +19950,8 @@
         </p:nvSpPr>
         <p:spPr>
           <a:xfrm>
-            <a:off x="0" y="5002200"/>
-            <a:ext cx="9144000" cy="217500"/>
+            <a:off x="0" y="76200"/>
+            <a:ext cx="9144000" cy="425700"/>
           </a:xfrm>
           <a:prstGeom prst="rect">
             <a:avLst/>
@@ -19741,7 +19967,7 @@
           </a:bodyPr>
           <a:lstStyle/>
           <a:p>
-            <a:pPr indent="0" lvl="0" marL="0" rtl="0" algn="l">
+            <a:pPr indent="0" lvl="0" marL="0" rtl="0" algn="ctr">
               <a:lnSpc>
                 <a:spcPct val="100000"/>
               </a:lnSpc>
@@ -19755,10 +19981,10 @@
               <a:buNone/>
             </a:pPr>
             <a:r>
-              <a:rPr lang="pt-BR" sz="600"/>
-              <a:t> Disponível em: http://www.sinhoresosasco.com.br/vantagens-associativas/</a:t>
-            </a:r>
-            <a:endParaRPr sz="600"/>
+              <a:rPr lang="pt-BR" sz="3400" u="sng"/>
+              <a:t>Aspectos da Transparência no Scrum</a:t>
+            </a:r>
+            <a:endParaRPr sz="3400" u="sng"/>
           </a:p>
         </p:txBody>
       </p:sp>
@@ -19772,8 +19998,8 @@
         </p:nvSpPr>
         <p:spPr>
           <a:xfrm>
-            <a:off x="7312750" y="2207200"/>
-            <a:ext cx="1771200" cy="217500"/>
+            <a:off x="0" y="5002200"/>
+            <a:ext cx="9144000" cy="217500"/>
           </a:xfrm>
           <a:prstGeom prst="rect">
             <a:avLst/>
@@ -19789,7 +20015,7 @@
           </a:bodyPr>
           <a:lstStyle/>
           <a:p>
-            <a:pPr indent="0" lvl="0" marL="0" rtl="0" algn="ctr">
+            <a:pPr indent="0" lvl="0" marL="0" rtl="0" algn="l">
               <a:lnSpc>
                 <a:spcPct val="100000"/>
               </a:lnSpc>
@@ -19804,7 +20030,7 @@
             </a:pPr>
             <a:r>
               <a:rPr lang="pt-BR" sz="600"/>
-              <a:t>Fonte: Página Sinhores Osasco</a:t>
+              <a:t> Disponível em:http://www.tse.jus.br/imagens/imagens/tre-rn-boneco-lupa-sti</a:t>
             </a:r>
             <a:endParaRPr sz="600"/>
           </a:p>
@@ -19825,8 +20051,8 @@
         </p:blipFill>
         <p:spPr>
           <a:xfrm>
-            <a:off x="7347225" y="654300"/>
-            <a:ext cx="1736725" cy="1506500"/>
+            <a:off x="5048250" y="881875"/>
+            <a:ext cx="4095750" cy="2095500"/>
           </a:xfrm>
           <a:prstGeom prst="rect">
             <a:avLst/>
@@ -19847,8 +20073,8 @@
         </p:nvSpPr>
         <p:spPr>
           <a:xfrm>
-            <a:off x="276850" y="654300"/>
-            <a:ext cx="8867100" cy="4347900"/>
+            <a:off x="276850" y="802025"/>
+            <a:ext cx="8867100" cy="4200300"/>
           </a:xfrm>
           <a:prstGeom prst="rect">
             <a:avLst/>
@@ -19864,7 +20090,7 @@
           </a:bodyPr>
           <a:lstStyle/>
           <a:p>
-            <a:pPr indent="0" lvl="0" marL="457200" rtl="0" algn="l">
+            <a:pPr indent="0" lvl="0" marL="0" rtl="0" algn="l">
               <a:lnSpc>
                 <a:spcPct val="100000"/>
               </a:lnSpc>
@@ -19885,7 +20111,7 @@
           <a:p>
             <a:pPr indent="-406400" lvl="0" marL="457200" rtl="0" algn="l">
               <a:lnSpc>
-                <a:spcPct val="100000"/>
+                <a:spcPct val="115000"/>
               </a:lnSpc>
               <a:spcBef>
                 <a:spcPts val="0"/>
@@ -19898,14 +20124,14 @@
             </a:pPr>
             <a:r>
               <a:rPr lang="pt-BR" sz="2800"/>
-              <a:t>Redução de bugs gerados.</a:t>
+              <a:t>Não ocorre de maneira fácil.</a:t>
             </a:r>
             <a:endParaRPr sz="2800"/>
           </a:p>
           <a:p>
             <a:pPr indent="0" lvl="0" marL="457200" rtl="0" algn="l">
               <a:lnSpc>
-                <a:spcPct val="100000"/>
+                <a:spcPct val="115000"/>
               </a:lnSpc>
               <a:spcBef>
                 <a:spcPts val="0"/>
@@ -19937,7 +20163,7 @@
             </a:pPr>
             <a:r>
               <a:rPr lang="pt-BR" sz="2800"/>
-              <a:t>Envolvidos podem ver o projeto como um todo.</a:t>
+              <a:t>Quebra de limites hierárquicos.</a:t>
             </a:r>
             <a:endParaRPr sz="2800"/>
           </a:p>
@@ -19976,7 +20202,7 @@
             </a:pPr>
             <a:r>
               <a:rPr lang="pt-BR" sz="2800"/>
-              <a:t>Acompanhamento próximo pelo cliente do produto.</a:t>
+              <a:t>Sinceridade e um canal comunicação permanente.</a:t>
             </a:r>
             <a:endParaRPr sz="2800"/>
           </a:p>
@@ -19995,15 +20221,14 @@
               <a:buNone/>
             </a:pPr>
             <a:r>
-              <a:rPr lang="pt-BR" sz="2800"/>
-              <a:t> </a:t>
+              <a:t/>
             </a:r>
             <a:endParaRPr sz="2800"/>
           </a:p>
           <a:p>
             <a:pPr indent="-406400" lvl="0" marL="457200" rtl="0" algn="l">
               <a:lnSpc>
-                <a:spcPct val="100000"/>
+                <a:spcPct val="115000"/>
               </a:lnSpc>
               <a:spcBef>
                 <a:spcPts val="0"/>
@@ -20016,9 +20241,57 @@
             </a:pPr>
             <a:r>
               <a:rPr lang="pt-BR" sz="2800"/>
-              <a:t>Possibilidade de uso de metodologias em paralelo.</a:t>
+              <a:t>Acesso aos artefatos.</a:t>
             </a:r>
             <a:endParaRPr sz="2800"/>
+          </a:p>
+        </p:txBody>
+      </p:sp>
+      <p:sp>
+        <p:nvSpPr>
+          <p:cNvPr id="301" name="Google Shape;301;p42"/>
+          <p:cNvSpPr txBox="1"/>
+          <p:nvPr>
+            <p:ph type="title"/>
+          </p:nvPr>
+        </p:nvSpPr>
+        <p:spPr>
+          <a:xfrm>
+            <a:off x="6318975" y="2793425"/>
+            <a:ext cx="1554300" cy="217500"/>
+          </a:xfrm>
+          <a:prstGeom prst="rect">
+            <a:avLst/>
+          </a:prstGeom>
+          <a:noFill/>
+          <a:ln>
+            <a:noFill/>
+          </a:ln>
+        </p:spPr>
+        <p:txBody>
+          <a:bodyPr anchorCtr="0" anchor="ctr" bIns="91425" lIns="91425" spcFirstLastPara="1" rIns="91425" wrap="square" tIns="91425">
+            <a:noAutofit/>
+          </a:bodyPr>
+          <a:lstStyle/>
+          <a:p>
+            <a:pPr indent="0" lvl="0" marL="0" rtl="0" algn="ctr">
+              <a:lnSpc>
+                <a:spcPct val="100000"/>
+              </a:lnSpc>
+              <a:spcBef>
+                <a:spcPts val="0"/>
+              </a:spcBef>
+              <a:spcAft>
+                <a:spcPts val="0"/>
+              </a:spcAft>
+              <a:buSzPts val="3600"/>
+              <a:buNone/>
+            </a:pPr>
+            <a:r>
+              <a:rPr lang="pt-BR" sz="600"/>
+              <a:t>Fonte: Página TSE </a:t>
+            </a:r>
+            <a:endParaRPr sz="600"/>
           </a:p>
         </p:txBody>
       </p:sp>
@@ -20031,11 +20304,11 @@
 </file>
 
 <file path=ppt/slides/slide31.xml><?xml version="1.0" encoding="utf-8"?>
-<p:sld xmlns:a="http://schemas.openxmlformats.org/drawingml/2006/main" xmlns:r="http://schemas.openxmlformats.org/officeDocument/2006/relationships" xmlns:mc="http://schemas.openxmlformats.org/markup-compatibility/2006" xmlns:mv="urn:schemas-microsoft-com:mac:vml" xmlns:p="http://schemas.openxmlformats.org/presentationml/2006/main" xmlns:c="http://schemas.openxmlformats.org/drawingml/2006/chart" xmlns:dgm="http://schemas.openxmlformats.org/drawingml/2006/diagram" xmlns:o="urn:schemas-microsoft-com:office:office" xmlns:v="urn:schemas-microsoft-com:vml" xmlns:pvml="urn:schemas-microsoft-com:office:powerpoint" xmlns:com="http://schemas.openxmlformats.org/drawingml/2006/compatibility" xmlns:p14="http://schemas.microsoft.com/office/powerpoint/2010/main" xmlns:p15="http://schemas.microsoft.com/office/powerpoint/2012/main">
+<p:sld xmlns:a="http://schemas.openxmlformats.org/drawingml/2006/main" xmlns:r="http://schemas.openxmlformats.org/officeDocument/2006/relationships" xmlns:mc="http://schemas.openxmlformats.org/markup-compatibility/2006" xmlns:mv="urn:schemas-microsoft-com:mac:vml" xmlns:p="http://schemas.openxmlformats.org/presentationml/2006/main" xmlns:c="http://schemas.openxmlformats.org/drawingml/2006/chart" xmlns:dgm="http://schemas.openxmlformats.org/drawingml/2006/diagram" xmlns:o="urn:schemas-microsoft-com:office:office" xmlns:v="urn:schemas-microsoft-com:vml" xmlns:pvml="urn:schemas-microsoft-com:office:powerpoint" xmlns:com="http://schemas.openxmlformats.org/drawingml/2006/compatibility" xmlns:p14="http://schemas.microsoft.com/office/powerpoint/2010/main" xmlns:p15="http://schemas.microsoft.com/office/powerpoint/2012/main" show="0">
   <p:cSld>
     <p:spTree>
       <p:nvGrpSpPr>
-        <p:cNvPr id="304" name="Shape 304"/>
+        <p:cNvPr id="305" name="Shape 305"/>
         <p:cNvGrpSpPr/>
         <p:nvPr/>
       </p:nvGrpSpPr>
@@ -20049,54 +20322,6 @@
       </p:grpSpPr>
       <p:sp>
         <p:nvSpPr>
-          <p:cNvPr id="305" name="Google Shape;305;p43"/>
-          <p:cNvSpPr txBox="1"/>
-          <p:nvPr>
-            <p:ph type="title"/>
-          </p:nvPr>
-        </p:nvSpPr>
-        <p:spPr>
-          <a:xfrm>
-            <a:off x="0" y="76200"/>
-            <a:ext cx="9144000" cy="425700"/>
-          </a:xfrm>
-          <a:prstGeom prst="rect">
-            <a:avLst/>
-          </a:prstGeom>
-          <a:noFill/>
-          <a:ln>
-            <a:noFill/>
-          </a:ln>
-        </p:spPr>
-        <p:txBody>
-          <a:bodyPr anchorCtr="0" anchor="ctr" bIns="91425" lIns="91425" spcFirstLastPara="1" rIns="91425" wrap="square" tIns="91425">
-            <a:noAutofit/>
-          </a:bodyPr>
-          <a:lstStyle/>
-          <a:p>
-            <a:pPr indent="0" lvl="0" marL="0" rtl="0" algn="ctr">
-              <a:lnSpc>
-                <a:spcPct val="100000"/>
-              </a:lnSpc>
-              <a:spcBef>
-                <a:spcPts val="0"/>
-              </a:spcBef>
-              <a:spcAft>
-                <a:spcPts val="0"/>
-              </a:spcAft>
-              <a:buSzPts val="3600"/>
-              <a:buNone/>
-            </a:pPr>
-            <a:r>
-              <a:rPr lang="pt-BR" sz="3400" u="sng"/>
-              <a:t>Desvantagens do Scrum </a:t>
-            </a:r>
-            <a:endParaRPr sz="3400" u="sng"/>
-          </a:p>
-        </p:txBody>
-      </p:sp>
-      <p:sp>
-        <p:nvSpPr>
           <p:cNvPr id="306" name="Google Shape;306;p43"/>
           <p:cNvSpPr txBox="1"/>
           <p:nvPr>
@@ -20105,8 +20330,8 @@
         </p:nvSpPr>
         <p:spPr>
           <a:xfrm>
-            <a:off x="0" y="5002200"/>
-            <a:ext cx="9144000" cy="217500"/>
+            <a:off x="0" y="76200"/>
+            <a:ext cx="9144000" cy="425700"/>
           </a:xfrm>
           <a:prstGeom prst="rect">
             <a:avLst/>
@@ -20122,6 +20347,54 @@
           </a:bodyPr>
           <a:lstStyle/>
           <a:p>
+            <a:pPr indent="0" lvl="0" marL="0" rtl="0" algn="ctr">
+              <a:lnSpc>
+                <a:spcPct val="100000"/>
+              </a:lnSpc>
+              <a:spcBef>
+                <a:spcPts val="0"/>
+              </a:spcBef>
+              <a:spcAft>
+                <a:spcPts val="0"/>
+              </a:spcAft>
+              <a:buSzPts val="3600"/>
+              <a:buNone/>
+            </a:pPr>
+            <a:r>
+              <a:rPr lang="pt-BR" sz="3400" u="sng"/>
+              <a:t>4 Pontos de Impacto nas Estimativas</a:t>
+            </a:r>
+            <a:endParaRPr sz="3400" u="sng"/>
+          </a:p>
+        </p:txBody>
+      </p:sp>
+      <p:sp>
+        <p:nvSpPr>
+          <p:cNvPr id="307" name="Google Shape;307;p43"/>
+          <p:cNvSpPr txBox="1"/>
+          <p:nvPr>
+            <p:ph type="title"/>
+          </p:nvPr>
+        </p:nvSpPr>
+        <p:spPr>
+          <a:xfrm>
+            <a:off x="0" y="5002200"/>
+            <a:ext cx="9144000" cy="217500"/>
+          </a:xfrm>
+          <a:prstGeom prst="rect">
+            <a:avLst/>
+          </a:prstGeom>
+          <a:noFill/>
+          <a:ln>
+            <a:noFill/>
+          </a:ln>
+        </p:spPr>
+        <p:txBody>
+          <a:bodyPr anchorCtr="0" anchor="ctr" bIns="91425" lIns="91425" spcFirstLastPara="1" rIns="91425" wrap="square" tIns="91425">
+            <a:noAutofit/>
+          </a:bodyPr>
+          <a:lstStyle/>
+          <a:p>
             <a:pPr indent="0" lvl="0" marL="0" rtl="0" algn="l">
               <a:lnSpc>
                 <a:spcPct val="100000"/>
@@ -20137,7 +20410,7 @@
             </a:pPr>
             <a:r>
               <a:rPr lang="pt-BR" sz="600"/>
-              <a:t> Disponível em:http://tedr19993.wixsite.com/biologiafermentacao/desvantagens</a:t>
+              <a:t> Disponível em:https://br.freepik.com/icones-gratis/mascara-de-teatro_692122.html</a:t>
             </a:r>
             <a:endParaRPr sz="600"/>
           </a:p>
@@ -20145,7 +20418,7 @@
       </p:sp>
       <p:pic>
         <p:nvPicPr>
-          <p:cNvPr id="307" name="Google Shape;307;p43"/>
+          <p:cNvPr id="308" name="Google Shape;308;p43"/>
           <p:cNvPicPr preferRelativeResize="0"/>
           <p:nvPr/>
         </p:nvPicPr>
@@ -20158,8 +20431,8 @@
         </p:blipFill>
         <p:spPr>
           <a:xfrm>
-            <a:off x="7458975" y="601275"/>
-            <a:ext cx="1513218" cy="1506500"/>
+            <a:off x="6961275" y="707250"/>
+            <a:ext cx="1973249" cy="1973249"/>
           </a:xfrm>
           <a:prstGeom prst="rect">
             <a:avLst/>
@@ -20170,54 +20443,6 @@
           </a:ln>
         </p:spPr>
       </p:pic>
-      <p:sp>
-        <p:nvSpPr>
-          <p:cNvPr id="308" name="Google Shape;308;p43"/>
-          <p:cNvSpPr txBox="1"/>
-          <p:nvPr>
-            <p:ph type="title"/>
-          </p:nvPr>
-        </p:nvSpPr>
-        <p:spPr>
-          <a:xfrm>
-            <a:off x="7312750" y="2207200"/>
-            <a:ext cx="1771200" cy="217500"/>
-          </a:xfrm>
-          <a:prstGeom prst="rect">
-            <a:avLst/>
-          </a:prstGeom>
-          <a:noFill/>
-          <a:ln>
-            <a:noFill/>
-          </a:ln>
-        </p:spPr>
-        <p:txBody>
-          <a:bodyPr anchorCtr="0" anchor="ctr" bIns="91425" lIns="91425" spcFirstLastPara="1" rIns="91425" wrap="square" tIns="91425">
-            <a:noAutofit/>
-          </a:bodyPr>
-          <a:lstStyle/>
-          <a:p>
-            <a:pPr indent="0" lvl="0" marL="0" rtl="0" algn="ctr">
-              <a:lnSpc>
-                <a:spcPct val="100000"/>
-              </a:lnSpc>
-              <a:spcBef>
-                <a:spcPts val="0"/>
-              </a:spcBef>
-              <a:spcAft>
-                <a:spcPts val="0"/>
-              </a:spcAft>
-              <a:buSzPts val="3600"/>
-              <a:buNone/>
-            </a:pPr>
-            <a:r>
-              <a:rPr lang="pt-BR" sz="600"/>
-              <a:t>Fonte: Página Wiix Site</a:t>
-            </a:r>
-            <a:endParaRPr sz="600"/>
-          </a:p>
-        </p:txBody>
-      </p:sp>
       <p:sp>
         <p:nvSpPr>
           <p:cNvPr id="309" name="Google Shape;309;p43"/>
@@ -20228,8 +20453,8 @@
         </p:nvSpPr>
         <p:spPr>
           <a:xfrm>
-            <a:off x="276850" y="1080400"/>
-            <a:ext cx="8867100" cy="3921300"/>
+            <a:off x="280550" y="2007525"/>
+            <a:ext cx="8863500" cy="2994600"/>
           </a:xfrm>
           <a:prstGeom prst="rect">
             <a:avLst/>
@@ -20245,9 +20470,28 @@
           </a:bodyPr>
           <a:lstStyle/>
           <a:p>
+            <a:pPr indent="0" lvl="0" marL="0" rtl="0" algn="l">
+              <a:lnSpc>
+                <a:spcPct val="100000"/>
+              </a:lnSpc>
+              <a:spcBef>
+                <a:spcPts val="0"/>
+              </a:spcBef>
+              <a:spcAft>
+                <a:spcPts val="0"/>
+              </a:spcAft>
+              <a:buSzPts val="3600"/>
+              <a:buNone/>
+            </a:pPr>
+            <a:r>
+              <a:t/>
+            </a:r>
+            <a:endParaRPr sz="2800"/>
+          </a:p>
+          <a:p>
             <a:pPr indent="-406400" lvl="0" marL="457200" rtl="0" algn="l">
               <a:lnSpc>
-                <a:spcPct val="100000"/>
+                <a:spcPct val="115000"/>
               </a:lnSpc>
               <a:spcBef>
                 <a:spcPts val="0"/>
@@ -20260,14 +20504,14 @@
             </a:pPr>
             <a:r>
               <a:rPr lang="pt-BR" sz="2800"/>
-              <a:t>Foco na qualidade, pode afetar prazos.</a:t>
+              <a:t>Presunção de tarefas independentes.</a:t>
             </a:r>
             <a:endParaRPr sz="2800"/>
           </a:p>
           <a:p>
             <a:pPr indent="0" lvl="0" marL="457200" rtl="0" algn="l">
               <a:lnSpc>
-                <a:spcPct val="100000"/>
+                <a:spcPct val="115000"/>
               </a:lnSpc>
               <a:spcBef>
                 <a:spcPts val="0"/>
@@ -20299,14 +20543,14 @@
             </a:pPr>
             <a:r>
               <a:rPr lang="pt-BR" sz="2800"/>
-              <a:t>Melhor aproveitamento em pequenos times.</a:t>
+              <a:t>Ordem de execução das tarefas.</a:t>
             </a:r>
             <a:endParaRPr sz="2800"/>
           </a:p>
           <a:p>
             <a:pPr indent="0" lvl="0" marL="457200" rtl="0" algn="l">
               <a:lnSpc>
-                <a:spcPct val="100000"/>
+                <a:spcPct val="115000"/>
               </a:lnSpc>
               <a:spcBef>
                 <a:spcPts val="0"/>
@@ -20338,9 +20582,153 @@
             </a:pPr>
             <a:r>
               <a:rPr lang="pt-BR" sz="2800"/>
-              <a:t>Indivíduos acostumado a modelos não ágeis, podem não se adaptar.</a:t>
+              <a:t>“Síndrome do Estudante”.</a:t>
             </a:r>
             <a:endParaRPr sz="2800"/>
+          </a:p>
+          <a:p>
+            <a:pPr indent="0" lvl="0" marL="457200" rtl="0" algn="l">
+              <a:lnSpc>
+                <a:spcPct val="115000"/>
+              </a:lnSpc>
+              <a:spcBef>
+                <a:spcPts val="0"/>
+              </a:spcBef>
+              <a:spcAft>
+                <a:spcPts val="0"/>
+              </a:spcAft>
+              <a:buSzPts val="3600"/>
+              <a:buNone/>
+            </a:pPr>
+            <a:r>
+              <a:t/>
+            </a:r>
+            <a:endParaRPr sz="2800"/>
+          </a:p>
+          <a:p>
+            <a:pPr indent="-406400" lvl="0" marL="457200" rtl="0" algn="l">
+              <a:lnSpc>
+                <a:spcPct val="115000"/>
+              </a:lnSpc>
+              <a:spcBef>
+                <a:spcPts val="0"/>
+              </a:spcBef>
+              <a:spcAft>
+                <a:spcPts val="0"/>
+              </a:spcAft>
+              <a:buSzPts val="2800"/>
+              <a:buChar char="➔"/>
+            </a:pPr>
+            <a:r>
+              <a:rPr lang="pt-BR" sz="2800"/>
+              <a:t>Executar atividades em modo multitarefas.</a:t>
+            </a:r>
+            <a:endParaRPr sz="2800"/>
+          </a:p>
+          <a:p>
+            <a:pPr indent="0" lvl="0" marL="0" rtl="0" algn="l">
+              <a:lnSpc>
+                <a:spcPct val="115000"/>
+              </a:lnSpc>
+              <a:spcBef>
+                <a:spcPts val="0"/>
+              </a:spcBef>
+              <a:spcAft>
+                <a:spcPts val="0"/>
+              </a:spcAft>
+              <a:buSzPts val="3600"/>
+              <a:buNone/>
+            </a:pPr>
+            <a:r>
+              <a:t/>
+            </a:r>
+            <a:endParaRPr sz="2800"/>
+          </a:p>
+          <a:p>
+            <a:pPr indent="0" lvl="0" marL="457200" rtl="0" algn="l">
+              <a:lnSpc>
+                <a:spcPct val="115000"/>
+              </a:lnSpc>
+              <a:spcBef>
+                <a:spcPts val="0"/>
+              </a:spcBef>
+              <a:spcAft>
+                <a:spcPts val="0"/>
+              </a:spcAft>
+              <a:buSzPts val="3600"/>
+              <a:buNone/>
+            </a:pPr>
+            <a:r>
+              <a:t/>
+            </a:r>
+            <a:endParaRPr sz="2800"/>
+          </a:p>
+          <a:p>
+            <a:pPr indent="0" lvl="0" marL="457200" rtl="0" algn="l">
+              <a:lnSpc>
+                <a:spcPct val="100000"/>
+              </a:lnSpc>
+              <a:spcBef>
+                <a:spcPts val="0"/>
+              </a:spcBef>
+              <a:spcAft>
+                <a:spcPts val="0"/>
+              </a:spcAft>
+              <a:buSzPts val="3600"/>
+              <a:buNone/>
+            </a:pPr>
+            <a:r>
+              <a:t/>
+            </a:r>
+            <a:endParaRPr sz="2800"/>
+          </a:p>
+        </p:txBody>
+      </p:sp>
+      <p:sp>
+        <p:nvSpPr>
+          <p:cNvPr id="310" name="Google Shape;310;p43"/>
+          <p:cNvSpPr txBox="1"/>
+          <p:nvPr>
+            <p:ph type="title"/>
+          </p:nvPr>
+        </p:nvSpPr>
+        <p:spPr>
+          <a:xfrm>
+            <a:off x="7380225" y="2463000"/>
+            <a:ext cx="1554300" cy="217500"/>
+          </a:xfrm>
+          <a:prstGeom prst="rect">
+            <a:avLst/>
+          </a:prstGeom>
+          <a:noFill/>
+          <a:ln>
+            <a:noFill/>
+          </a:ln>
+        </p:spPr>
+        <p:txBody>
+          <a:bodyPr anchorCtr="0" anchor="ctr" bIns="91425" lIns="91425" spcFirstLastPara="1" rIns="91425" wrap="square" tIns="91425">
+            <a:noAutofit/>
+          </a:bodyPr>
+          <a:lstStyle/>
+          <a:p>
+            <a:pPr indent="0" lvl="0" marL="0" rtl="0" algn="ctr">
+              <a:lnSpc>
+                <a:spcPct val="100000"/>
+              </a:lnSpc>
+              <a:spcBef>
+                <a:spcPts val="0"/>
+              </a:spcBef>
+              <a:spcAft>
+                <a:spcPts val="0"/>
+              </a:spcAft>
+              <a:buSzPts val="3600"/>
+              <a:buNone/>
+            </a:pPr>
+            <a:r>
+              <a:rPr lang="pt-BR" sz="600"/>
+              <a:t>Fonte: Página Freepik</a:t>
+            </a:r>
+            <a:endParaRPr sz="600"/>
           </a:p>
         </p:txBody>
       </p:sp>
@@ -20353,11 +20741,11 @@
 </file>
 
 <file path=ppt/slides/slide32.xml><?xml version="1.0" encoding="utf-8"?>
-<p:sld xmlns:a="http://schemas.openxmlformats.org/drawingml/2006/main" xmlns:r="http://schemas.openxmlformats.org/officeDocument/2006/relationships" xmlns:mc="http://schemas.openxmlformats.org/markup-compatibility/2006" xmlns:mv="urn:schemas-microsoft-com:mac:vml" xmlns:p="http://schemas.openxmlformats.org/presentationml/2006/main" xmlns:c="http://schemas.openxmlformats.org/drawingml/2006/chart" xmlns:dgm="http://schemas.openxmlformats.org/drawingml/2006/diagram" xmlns:o="urn:schemas-microsoft-com:office:office" xmlns:v="urn:schemas-microsoft-com:vml" xmlns:pvml="urn:schemas-microsoft-com:office:powerpoint" xmlns:com="http://schemas.openxmlformats.org/drawingml/2006/compatibility" xmlns:p14="http://schemas.microsoft.com/office/powerpoint/2010/main" xmlns:p15="http://schemas.microsoft.com/office/powerpoint/2012/main">
+<p:sld xmlns:a="http://schemas.openxmlformats.org/drawingml/2006/main" xmlns:r="http://schemas.openxmlformats.org/officeDocument/2006/relationships" xmlns:mc="http://schemas.openxmlformats.org/markup-compatibility/2006" xmlns:mv="urn:schemas-microsoft-com:mac:vml" xmlns:p="http://schemas.openxmlformats.org/presentationml/2006/main" xmlns:c="http://schemas.openxmlformats.org/drawingml/2006/chart" xmlns:dgm="http://schemas.openxmlformats.org/drawingml/2006/diagram" xmlns:o="urn:schemas-microsoft-com:office:office" xmlns:v="urn:schemas-microsoft-com:vml" xmlns:pvml="urn:schemas-microsoft-com:office:powerpoint" xmlns:com="http://schemas.openxmlformats.org/drawingml/2006/compatibility" xmlns:p14="http://schemas.microsoft.com/office/powerpoint/2010/main" xmlns:p15="http://schemas.microsoft.com/office/powerpoint/2012/main" show="0">
   <p:cSld>
     <p:spTree>
       <p:nvGrpSpPr>
-        <p:cNvPr id="313" name="Shape 313"/>
+        <p:cNvPr id="314" name="Shape 314"/>
         <p:cNvGrpSpPr/>
         <p:nvPr/>
       </p:nvGrpSpPr>
@@ -20371,54 +20759,6 @@
       </p:grpSpPr>
       <p:sp>
         <p:nvSpPr>
-          <p:cNvPr id="314" name="Google Shape;314;p44"/>
-          <p:cNvSpPr txBox="1"/>
-          <p:nvPr>
-            <p:ph type="title"/>
-          </p:nvPr>
-        </p:nvSpPr>
-        <p:spPr>
-          <a:xfrm>
-            <a:off x="0" y="76200"/>
-            <a:ext cx="9144000" cy="425700"/>
-          </a:xfrm>
-          <a:prstGeom prst="rect">
-            <a:avLst/>
-          </a:prstGeom>
-          <a:noFill/>
-          <a:ln>
-            <a:noFill/>
-          </a:ln>
-        </p:spPr>
-        <p:txBody>
-          <a:bodyPr anchorCtr="0" anchor="ctr" bIns="91425" lIns="91425" spcFirstLastPara="1" rIns="91425" wrap="square" tIns="91425">
-            <a:noAutofit/>
-          </a:bodyPr>
-          <a:lstStyle/>
-          <a:p>
-            <a:pPr indent="0" lvl="0" marL="0" rtl="0" algn="ctr">
-              <a:lnSpc>
-                <a:spcPct val="100000"/>
-              </a:lnSpc>
-              <a:spcBef>
-                <a:spcPts val="0"/>
-              </a:spcBef>
-              <a:spcAft>
-                <a:spcPts val="0"/>
-              </a:spcAft>
-              <a:buSzPts val="3600"/>
-              <a:buNone/>
-            </a:pPr>
-            <a:r>
-              <a:rPr lang="pt-BR" sz="3400" u="sng"/>
-              <a:t>Desvantagens Scrum </a:t>
-            </a:r>
-            <a:endParaRPr sz="3400" u="sng"/>
-          </a:p>
-        </p:txBody>
-      </p:sp>
-      <p:sp>
-        <p:nvSpPr>
           <p:cNvPr id="315" name="Google Shape;315;p44"/>
           <p:cNvSpPr txBox="1"/>
           <p:nvPr>
@@ -20427,8 +20767,8 @@
         </p:nvSpPr>
         <p:spPr>
           <a:xfrm>
-            <a:off x="0" y="5002200"/>
-            <a:ext cx="9144000" cy="217500"/>
+            <a:off x="0" y="76200"/>
+            <a:ext cx="9144000" cy="425700"/>
           </a:xfrm>
           <a:prstGeom prst="rect">
             <a:avLst/>
@@ -20444,6 +20784,54 @@
           </a:bodyPr>
           <a:lstStyle/>
           <a:p>
+            <a:pPr indent="0" lvl="0" marL="0" rtl="0" algn="ctr">
+              <a:lnSpc>
+                <a:spcPct val="100000"/>
+              </a:lnSpc>
+              <a:spcBef>
+                <a:spcPts val="0"/>
+              </a:spcBef>
+              <a:spcAft>
+                <a:spcPts val="0"/>
+              </a:spcAft>
+              <a:buSzPts val="3600"/>
+              <a:buNone/>
+            </a:pPr>
+            <a:r>
+              <a:rPr lang="pt-BR" sz="3400" u="sng"/>
+              <a:t>O Planning Poker</a:t>
+            </a:r>
+            <a:endParaRPr sz="3400" u="sng"/>
+          </a:p>
+        </p:txBody>
+      </p:sp>
+      <p:sp>
+        <p:nvSpPr>
+          <p:cNvPr id="316" name="Google Shape;316;p44"/>
+          <p:cNvSpPr txBox="1"/>
+          <p:nvPr>
+            <p:ph type="title"/>
+          </p:nvPr>
+        </p:nvSpPr>
+        <p:spPr>
+          <a:xfrm>
+            <a:off x="0" y="5002200"/>
+            <a:ext cx="9144000" cy="217500"/>
+          </a:xfrm>
+          <a:prstGeom prst="rect">
+            <a:avLst/>
+          </a:prstGeom>
+          <a:noFill/>
+          <a:ln>
+            <a:noFill/>
+          </a:ln>
+        </p:spPr>
+        <p:txBody>
+          <a:bodyPr anchorCtr="0" anchor="ctr" bIns="91425" lIns="91425" spcFirstLastPara="1" rIns="91425" wrap="square" tIns="91425">
+            <a:noAutofit/>
+          </a:bodyPr>
+          <a:lstStyle/>
+          <a:p>
             <a:pPr indent="0" lvl="0" marL="0" rtl="0" algn="l">
               <a:lnSpc>
                 <a:spcPct val="100000"/>
@@ -20459,7 +20847,55 @@
             </a:pPr>
             <a:r>
               <a:rPr lang="pt-BR" sz="600"/>
-              <a:t> Disponível em:http://tedr19993.wixsite.com/biologiafermentacao/desvantagens</a:t>
+              <a:t> Disponível em:http://leanify.com/dont-do-planning-poker-for-the-estimates-only/</a:t>
+            </a:r>
+            <a:endParaRPr sz="600"/>
+          </a:p>
+        </p:txBody>
+      </p:sp>
+      <p:sp>
+        <p:nvSpPr>
+          <p:cNvPr id="317" name="Google Shape;317;p44"/>
+          <p:cNvSpPr txBox="1"/>
+          <p:nvPr>
+            <p:ph type="title"/>
+          </p:nvPr>
+        </p:nvSpPr>
+        <p:spPr>
+          <a:xfrm>
+            <a:off x="6842900" y="2288425"/>
+            <a:ext cx="1554300" cy="217500"/>
+          </a:xfrm>
+          <a:prstGeom prst="rect">
+            <a:avLst/>
+          </a:prstGeom>
+          <a:noFill/>
+          <a:ln>
+            <a:noFill/>
+          </a:ln>
+        </p:spPr>
+        <p:txBody>
+          <a:bodyPr anchorCtr="0" anchor="ctr" bIns="91425" lIns="91425" spcFirstLastPara="1" rIns="91425" wrap="square" tIns="91425">
+            <a:noAutofit/>
+          </a:bodyPr>
+          <a:lstStyle/>
+          <a:p>
+            <a:pPr indent="0" lvl="0" marL="0" rtl="0" algn="ctr">
+              <a:lnSpc>
+                <a:spcPct val="100000"/>
+              </a:lnSpc>
+              <a:spcBef>
+                <a:spcPts val="0"/>
+              </a:spcBef>
+              <a:spcAft>
+                <a:spcPts val="0"/>
+              </a:spcAft>
+              <a:buSzPts val="3600"/>
+              <a:buNone/>
+            </a:pPr>
+            <a:r>
+              <a:rPr lang="pt-BR" sz="600"/>
+              <a:t>Fonte: Página Freepik</a:t>
             </a:r>
             <a:endParaRPr sz="600"/>
           </a:p>
@@ -20467,7 +20903,7 @@
       </p:sp>
       <p:pic>
         <p:nvPicPr>
-          <p:cNvPr id="316" name="Google Shape;316;p44"/>
+          <p:cNvPr id="318" name="Google Shape;318;p44"/>
           <p:cNvPicPr preferRelativeResize="0"/>
           <p:nvPr/>
         </p:nvPicPr>
@@ -20480,8 +20916,8 @@
         </p:blipFill>
         <p:spPr>
           <a:xfrm>
-            <a:off x="7458975" y="601275"/>
-            <a:ext cx="1513218" cy="1506500"/>
+            <a:off x="6096050" y="458250"/>
+            <a:ext cx="3048000" cy="1905000"/>
           </a:xfrm>
           <a:prstGeom prst="rect">
             <a:avLst/>
@@ -20494,7 +20930,7 @@
       </p:pic>
       <p:sp>
         <p:nvSpPr>
-          <p:cNvPr id="317" name="Google Shape;317;p44"/>
+          <p:cNvPr id="319" name="Google Shape;319;p44"/>
           <p:cNvSpPr txBox="1"/>
           <p:nvPr>
             <p:ph type="title"/>
@@ -20502,8 +20938,8 @@
         </p:nvSpPr>
         <p:spPr>
           <a:xfrm>
-            <a:off x="7312750" y="2207200"/>
-            <a:ext cx="1771200" cy="217500"/>
+            <a:off x="280550" y="2007525"/>
+            <a:ext cx="8863500" cy="3111000"/>
           </a:xfrm>
           <a:prstGeom prst="rect">
             <a:avLst/>
@@ -20519,7 +20955,7 @@
           </a:bodyPr>
           <a:lstStyle/>
           <a:p>
-            <a:pPr indent="0" lvl="0" marL="0" rtl="0" algn="ctr">
+            <a:pPr indent="0" lvl="0" marL="0" rtl="0" algn="l">
               <a:lnSpc>
                 <a:spcPct val="100000"/>
               </a:lnSpc>
@@ -20533,39 +20969,10 @@
               <a:buNone/>
             </a:pPr>
             <a:r>
-              <a:rPr lang="pt-BR" sz="600"/>
-              <a:t>Fonte: Página Wiix Site</a:t>
-            </a:r>
-            <a:endParaRPr sz="600"/>
-          </a:p>
-        </p:txBody>
-      </p:sp>
-      <p:sp>
-        <p:nvSpPr>
-          <p:cNvPr id="318" name="Google Shape;318;p44"/>
-          <p:cNvSpPr txBox="1"/>
-          <p:nvPr>
-            <p:ph type="title"/>
-          </p:nvPr>
-        </p:nvSpPr>
-        <p:spPr>
-          <a:xfrm>
-            <a:off x="276850" y="802025"/>
-            <a:ext cx="8867100" cy="4200300"/>
-          </a:xfrm>
-          <a:prstGeom prst="rect">
-            <a:avLst/>
-          </a:prstGeom>
-          <a:noFill/>
-          <a:ln>
-            <a:noFill/>
-          </a:ln>
-        </p:spPr>
-        <p:txBody>
-          <a:bodyPr anchorCtr="0" anchor="ctr" bIns="91425" lIns="91425" spcFirstLastPara="1" rIns="91425" wrap="square" tIns="91425">
-            <a:noAutofit/>
-          </a:bodyPr>
-          <a:lstStyle/>
+              <a:t/>
+            </a:r>
+            <a:endParaRPr sz="2800"/>
+          </a:p>
           <a:p>
             <a:pPr indent="0" lvl="0" marL="0" rtl="0" algn="l">
               <a:lnSpc>
@@ -20601,33 +21008,14 @@
             </a:pPr>
             <a:r>
               <a:rPr lang="pt-BR" sz="2800"/>
-              <a:t>Pode haver confusão sobre os papéis dos indivíduos.</a:t>
+              <a:t>Durante a definição de Sprint.</a:t>
             </a:r>
             <a:endParaRPr sz="2800"/>
           </a:p>
           <a:p>
-            <a:pPr indent="0" lvl="0" marL="457200" rtl="0" algn="l">
-              <a:lnSpc>
-                <a:spcPct val="100000"/>
-              </a:lnSpc>
-              <a:spcBef>
-                <a:spcPts val="0"/>
-              </a:spcBef>
-              <a:spcAft>
-                <a:spcPts val="0"/>
-              </a:spcAft>
-              <a:buSzPts val="3600"/>
-              <a:buNone/>
-            </a:pPr>
-            <a:r>
-              <a:t/>
-            </a:r>
-            <a:endParaRPr sz="2800"/>
-          </a:p>
-          <a:p>
             <a:pPr indent="-406400" lvl="0" marL="457200" rtl="0" algn="l">
               <a:lnSpc>
-                <a:spcPct val="100000"/>
+                <a:spcPct val="115000"/>
               </a:lnSpc>
               <a:spcBef>
                 <a:spcPts val="0"/>
@@ -20640,26 +21028,7 @@
             </a:pPr>
             <a:r>
               <a:rPr lang="pt-BR" sz="2800"/>
-              <a:t>Foco agilidade, pode afetar documentação.</a:t>
-            </a:r>
-            <a:endParaRPr sz="2800"/>
-          </a:p>
-          <a:p>
-            <a:pPr indent="0" lvl="0" marL="457200" rtl="0" algn="l">
-              <a:lnSpc>
-                <a:spcPct val="115000"/>
-              </a:lnSpc>
-              <a:spcBef>
-                <a:spcPts val="0"/>
-              </a:spcBef>
-              <a:spcAft>
-                <a:spcPts val="0"/>
-              </a:spcAft>
-              <a:buSzPts val="3600"/>
-              <a:buNone/>
-            </a:pPr>
-            <a:r>
-              <a:t/>
+              <a:t>Possuir as funcionalidades da Sprint.</a:t>
             </a:r>
             <a:endParaRPr sz="2800"/>
           </a:p>
@@ -20679,7 +21048,104 @@
             </a:pPr>
             <a:r>
               <a:rPr lang="pt-BR" sz="2800"/>
-              <a:t>Time decidindo processos internos, pode  ocorrer erros ao início de um projeto.</a:t>
+              <a:t>funcionalidades são apresentadas uma-a-uma.</a:t>
+            </a:r>
+            <a:endParaRPr sz="2800"/>
+          </a:p>
+          <a:p>
+            <a:pPr indent="-406400" lvl="0" marL="457200" rtl="0" algn="l">
+              <a:lnSpc>
+                <a:spcPct val="115000"/>
+              </a:lnSpc>
+              <a:spcBef>
+                <a:spcPts val="0"/>
+              </a:spcBef>
+              <a:spcAft>
+                <a:spcPts val="0"/>
+              </a:spcAft>
+              <a:buSzPts val="2800"/>
+              <a:buChar char="➔"/>
+            </a:pPr>
+            <a:r>
+              <a:rPr lang="pt-BR" sz="2800"/>
+              <a:t>Cada membro estipula um valor.</a:t>
+            </a:r>
+            <a:endParaRPr sz="2800"/>
+          </a:p>
+          <a:p>
+            <a:pPr indent="-406400" lvl="0" marL="457200" rtl="0" algn="l">
+              <a:lnSpc>
+                <a:spcPct val="115000"/>
+              </a:lnSpc>
+              <a:spcBef>
+                <a:spcPts val="0"/>
+              </a:spcBef>
+              <a:spcAft>
+                <a:spcPts val="0"/>
+              </a:spcAft>
+              <a:buSzPts val="2800"/>
+              <a:buChar char="➔"/>
+            </a:pPr>
+            <a:r>
+              <a:rPr lang="pt-BR" sz="2800"/>
+              <a:t>Em valores acima de 20, não será concluída em uma entrega.</a:t>
+            </a:r>
+            <a:endParaRPr sz="2800"/>
+          </a:p>
+          <a:p>
+            <a:pPr indent="0" lvl="0" marL="0" rtl="0" algn="l">
+              <a:lnSpc>
+                <a:spcPct val="115000"/>
+              </a:lnSpc>
+              <a:spcBef>
+                <a:spcPts val="0"/>
+              </a:spcBef>
+              <a:spcAft>
+                <a:spcPts val="0"/>
+              </a:spcAft>
+              <a:buSzPts val="3600"/>
+              <a:buNone/>
+            </a:pPr>
+            <a:r>
+              <a:t/>
+            </a:r>
+            <a:endParaRPr sz="2800"/>
+          </a:p>
+          <a:p>
+            <a:pPr indent="0" lvl="0" marL="457200" rtl="0" algn="l">
+              <a:lnSpc>
+                <a:spcPct val="115000"/>
+              </a:lnSpc>
+              <a:spcBef>
+                <a:spcPts val="0"/>
+              </a:spcBef>
+              <a:spcAft>
+                <a:spcPts val="0"/>
+              </a:spcAft>
+              <a:buSzPts val="3600"/>
+              <a:buNone/>
+            </a:pPr>
+            <a:r>
+              <a:t/>
+            </a:r>
+            <a:endParaRPr sz="2800"/>
+          </a:p>
+          <a:p>
+            <a:pPr indent="0" lvl="0" marL="457200" rtl="0" algn="l">
+              <a:lnSpc>
+                <a:spcPct val="100000"/>
+              </a:lnSpc>
+              <a:spcBef>
+                <a:spcPts val="0"/>
+              </a:spcBef>
+              <a:spcAft>
+                <a:spcPts val="0"/>
+              </a:spcAft>
+              <a:buSzPts val="3600"/>
+              <a:buNone/>
+            </a:pPr>
+            <a:r>
+              <a:t/>
             </a:r>
             <a:endParaRPr sz="2800"/>
           </a:p>
@@ -20698,7 +21164,7 @@
   <p:cSld>
     <p:spTree>
       <p:nvGrpSpPr>
-        <p:cNvPr id="322" name="Shape 322"/>
+        <p:cNvPr id="323" name="Shape 323"/>
         <p:cNvGrpSpPr/>
         <p:nvPr/>
       </p:nvGrpSpPr>
@@ -20712,54 +21178,6 @@
       </p:grpSpPr>
       <p:sp>
         <p:nvSpPr>
-          <p:cNvPr id="323" name="Google Shape;323;p45"/>
-          <p:cNvSpPr txBox="1"/>
-          <p:nvPr>
-            <p:ph type="title"/>
-          </p:nvPr>
-        </p:nvSpPr>
-        <p:spPr>
-          <a:xfrm>
-            <a:off x="0" y="76200"/>
-            <a:ext cx="9144000" cy="425700"/>
-          </a:xfrm>
-          <a:prstGeom prst="rect">
-            <a:avLst/>
-          </a:prstGeom>
-          <a:noFill/>
-          <a:ln>
-            <a:noFill/>
-          </a:ln>
-        </p:spPr>
-        <p:txBody>
-          <a:bodyPr anchorCtr="0" anchor="ctr" bIns="91425" lIns="91425" spcFirstLastPara="1" rIns="91425" wrap="square" tIns="91425">
-            <a:noAutofit/>
-          </a:bodyPr>
-          <a:lstStyle/>
-          <a:p>
-            <a:pPr indent="0" lvl="0" marL="0" rtl="0" algn="ctr">
-              <a:lnSpc>
-                <a:spcPct val="100000"/>
-              </a:lnSpc>
-              <a:spcBef>
-                <a:spcPts val="0"/>
-              </a:spcBef>
-              <a:spcAft>
-                <a:spcPts val="0"/>
-              </a:spcAft>
-              <a:buSzPts val="3600"/>
-              <a:buNone/>
-            </a:pPr>
-            <a:r>
-              <a:rPr lang="pt-BR" sz="3400" u="sng"/>
-              <a:t>Aspectos da Transparência no Scrum</a:t>
-            </a:r>
-            <a:endParaRPr sz="3400" u="sng"/>
-          </a:p>
-        </p:txBody>
-      </p:sp>
-      <p:sp>
-        <p:nvSpPr>
           <p:cNvPr id="324" name="Google Shape;324;p45"/>
           <p:cNvSpPr txBox="1"/>
           <p:nvPr>
@@ -20768,8 +21186,8 @@
         </p:nvSpPr>
         <p:spPr>
           <a:xfrm>
-            <a:off x="0" y="5002200"/>
-            <a:ext cx="9144000" cy="217500"/>
+            <a:off x="0" y="76200"/>
+            <a:ext cx="9144000" cy="425700"/>
           </a:xfrm>
           <a:prstGeom prst="rect">
             <a:avLst/>
@@ -20785,6 +21203,54 @@
           </a:bodyPr>
           <a:lstStyle/>
           <a:p>
+            <a:pPr indent="0" lvl="0" marL="0" rtl="0" algn="ctr">
+              <a:lnSpc>
+                <a:spcPct val="100000"/>
+              </a:lnSpc>
+              <a:spcBef>
+                <a:spcPts val="0"/>
+              </a:spcBef>
+              <a:spcAft>
+                <a:spcPts val="0"/>
+              </a:spcAft>
+              <a:buSzPts val="3600"/>
+              <a:buNone/>
+            </a:pPr>
+            <a:r>
+              <a:rPr lang="pt-BR" sz="3400" u="sng"/>
+              <a:t>Vantagens do Scrum </a:t>
+            </a:r>
+            <a:endParaRPr sz="3400" u="sng"/>
+          </a:p>
+        </p:txBody>
+      </p:sp>
+      <p:sp>
+        <p:nvSpPr>
+          <p:cNvPr id="325" name="Google Shape;325;p45"/>
+          <p:cNvSpPr txBox="1"/>
+          <p:nvPr>
+            <p:ph type="title"/>
+          </p:nvPr>
+        </p:nvSpPr>
+        <p:spPr>
+          <a:xfrm>
+            <a:off x="0" y="5002200"/>
+            <a:ext cx="9144000" cy="217500"/>
+          </a:xfrm>
+          <a:prstGeom prst="rect">
+            <a:avLst/>
+          </a:prstGeom>
+          <a:noFill/>
+          <a:ln>
+            <a:noFill/>
+          </a:ln>
+        </p:spPr>
+        <p:txBody>
+          <a:bodyPr anchorCtr="0" anchor="ctr" bIns="91425" lIns="91425" spcFirstLastPara="1" rIns="91425" wrap="square" tIns="91425">
+            <a:noAutofit/>
+          </a:bodyPr>
+          <a:lstStyle/>
+          <a:p>
             <a:pPr indent="0" lvl="0" marL="0" rtl="0" algn="l">
               <a:lnSpc>
                 <a:spcPct val="100000"/>
@@ -20800,7 +21266,55 @@
             </a:pPr>
             <a:r>
               <a:rPr lang="pt-BR" sz="600"/>
-              <a:t> Disponível em:http://www.tse.jus.br/imagens/imagens/tre-rn-boneco-lupa-sti</a:t>
+              <a:t> Disponível em: http://www.sinhoresosasco.com.br/vantagens-associativas/</a:t>
+            </a:r>
+            <a:endParaRPr sz="600"/>
+          </a:p>
+        </p:txBody>
+      </p:sp>
+      <p:sp>
+        <p:nvSpPr>
+          <p:cNvPr id="326" name="Google Shape;326;p45"/>
+          <p:cNvSpPr txBox="1"/>
+          <p:nvPr>
+            <p:ph type="title"/>
+          </p:nvPr>
+        </p:nvSpPr>
+        <p:spPr>
+          <a:xfrm>
+            <a:off x="7312750" y="2207200"/>
+            <a:ext cx="1771200" cy="217500"/>
+          </a:xfrm>
+          <a:prstGeom prst="rect">
+            <a:avLst/>
+          </a:prstGeom>
+          <a:noFill/>
+          <a:ln>
+            <a:noFill/>
+          </a:ln>
+        </p:spPr>
+        <p:txBody>
+          <a:bodyPr anchorCtr="0" anchor="ctr" bIns="91425" lIns="91425" spcFirstLastPara="1" rIns="91425" wrap="square" tIns="91425">
+            <a:noAutofit/>
+          </a:bodyPr>
+          <a:lstStyle/>
+          <a:p>
+            <a:pPr indent="0" lvl="0" marL="0" rtl="0" algn="ctr">
+              <a:lnSpc>
+                <a:spcPct val="100000"/>
+              </a:lnSpc>
+              <a:spcBef>
+                <a:spcPts val="0"/>
+              </a:spcBef>
+              <a:spcAft>
+                <a:spcPts val="0"/>
+              </a:spcAft>
+              <a:buSzPts val="3600"/>
+              <a:buNone/>
+            </a:pPr>
+            <a:r>
+              <a:rPr lang="pt-BR" sz="600"/>
+              <a:t>Fonte: Página Sinhores Osasco</a:t>
             </a:r>
             <a:endParaRPr sz="600"/>
           </a:p>
@@ -20808,7 +21322,7 @@
       </p:sp>
       <p:pic>
         <p:nvPicPr>
-          <p:cNvPr id="325" name="Google Shape;325;p45"/>
+          <p:cNvPr id="327" name="Google Shape;327;p45"/>
           <p:cNvPicPr preferRelativeResize="0"/>
           <p:nvPr/>
         </p:nvPicPr>
@@ -20821,8 +21335,8 @@
         </p:blipFill>
         <p:spPr>
           <a:xfrm>
-            <a:off x="5048250" y="881875"/>
-            <a:ext cx="4095750" cy="2095500"/>
+            <a:off x="7347225" y="654300"/>
+            <a:ext cx="1736725" cy="1506500"/>
           </a:xfrm>
           <a:prstGeom prst="rect">
             <a:avLst/>
@@ -20835,7 +21349,7 @@
       </p:pic>
       <p:sp>
         <p:nvSpPr>
-          <p:cNvPr id="326" name="Google Shape;326;p45"/>
+          <p:cNvPr id="328" name="Google Shape;328;p45"/>
           <p:cNvSpPr txBox="1"/>
           <p:nvPr>
             <p:ph type="title"/>
@@ -20843,8 +21357,8 @@
         </p:nvSpPr>
         <p:spPr>
           <a:xfrm>
-            <a:off x="276850" y="802025"/>
-            <a:ext cx="8867100" cy="4200300"/>
+            <a:off x="276850" y="654300"/>
+            <a:ext cx="6654900" cy="4347900"/>
           </a:xfrm>
           <a:prstGeom prst="rect">
             <a:avLst/>
@@ -20860,28 +21374,9 @@
           </a:bodyPr>
           <a:lstStyle/>
           <a:p>
-            <a:pPr indent="0" lvl="0" marL="0" rtl="0" algn="l">
-              <a:lnSpc>
-                <a:spcPct val="100000"/>
-              </a:lnSpc>
-              <a:spcBef>
-                <a:spcPts val="0"/>
-              </a:spcBef>
-              <a:spcAft>
-                <a:spcPts val="0"/>
-              </a:spcAft>
-              <a:buSzPts val="3600"/>
-              <a:buNone/>
-            </a:pPr>
-            <a:r>
-              <a:t/>
-            </a:r>
-            <a:endParaRPr sz="2800"/>
-          </a:p>
-          <a:p>
             <a:pPr indent="-406400" lvl="0" marL="457200" rtl="0" algn="l">
               <a:lnSpc>
-                <a:spcPct val="115000"/>
+                <a:spcPct val="100000"/>
               </a:lnSpc>
               <a:spcBef>
                 <a:spcPts val="0"/>
@@ -20894,14 +21389,14 @@
             </a:pPr>
             <a:r>
               <a:rPr lang="pt-BR" sz="2800"/>
-              <a:t>Não ocorre de maneira fácil.</a:t>
+              <a:t>Valorizar os indivíduo envolvidos.</a:t>
             </a:r>
             <a:endParaRPr sz="2800"/>
           </a:p>
           <a:p>
             <a:pPr indent="0" lvl="0" marL="457200" rtl="0" algn="l">
               <a:lnSpc>
-                <a:spcPct val="115000"/>
+                <a:spcPct val="100000"/>
               </a:lnSpc>
               <a:spcBef>
                 <a:spcPts val="0"/>
@@ -20933,7 +21428,7 @@
             </a:pPr>
             <a:r>
               <a:rPr lang="pt-BR" sz="2800"/>
-              <a:t>Quebra de limites hierárquicos.</a:t>
+              <a:t>Maior comprometimento do time.</a:t>
             </a:r>
             <a:endParaRPr sz="2800"/>
           </a:p>
@@ -20972,12 +21467,12 @@
             </a:pPr>
             <a:r>
               <a:rPr lang="pt-BR" sz="2800"/>
-              <a:t>Sinceridade e um canal comunicação permanente.</a:t>
+              <a:t>Flexibilidade em relação prioridades</a:t>
             </a:r>
             <a:endParaRPr sz="2800"/>
           </a:p>
           <a:p>
-            <a:pPr indent="0" lvl="0" marL="457200" rtl="0" algn="l">
+            <a:pPr indent="0" lvl="0" marL="0" rtl="0" algn="l">
               <a:lnSpc>
                 <a:spcPct val="100000"/>
               </a:lnSpc>
@@ -20994,74 +21489,6 @@
               <a:t/>
             </a:r>
             <a:endParaRPr sz="2800"/>
-          </a:p>
-          <a:p>
-            <a:pPr indent="-406400" lvl="0" marL="457200" rtl="0" algn="l">
-              <a:lnSpc>
-                <a:spcPct val="115000"/>
-              </a:lnSpc>
-              <a:spcBef>
-                <a:spcPts val="0"/>
-              </a:spcBef>
-              <a:spcAft>
-                <a:spcPts val="0"/>
-              </a:spcAft>
-              <a:buSzPts val="2800"/>
-              <a:buChar char="➔"/>
-            </a:pPr>
-            <a:r>
-              <a:rPr lang="pt-BR" sz="2800"/>
-              <a:t>Acesso aos artefatos.</a:t>
-            </a:r>
-            <a:endParaRPr sz="2800"/>
-          </a:p>
-        </p:txBody>
-      </p:sp>
-      <p:sp>
-        <p:nvSpPr>
-          <p:cNvPr id="327" name="Google Shape;327;p45"/>
-          <p:cNvSpPr txBox="1"/>
-          <p:nvPr>
-            <p:ph type="title"/>
-          </p:nvPr>
-        </p:nvSpPr>
-        <p:spPr>
-          <a:xfrm>
-            <a:off x="6318975" y="2793425"/>
-            <a:ext cx="1554300" cy="217500"/>
-          </a:xfrm>
-          <a:prstGeom prst="rect">
-            <a:avLst/>
-          </a:prstGeom>
-          <a:noFill/>
-          <a:ln>
-            <a:noFill/>
-          </a:ln>
-        </p:spPr>
-        <p:txBody>
-          <a:bodyPr anchorCtr="0" anchor="ctr" bIns="91425" lIns="91425" spcFirstLastPara="1" rIns="91425" wrap="square" tIns="91425">
-            <a:noAutofit/>
-          </a:bodyPr>
-          <a:lstStyle/>
-          <a:p>
-            <a:pPr indent="0" lvl="0" marL="0" rtl="0" algn="ctr">
-              <a:lnSpc>
-                <a:spcPct val="100000"/>
-              </a:lnSpc>
-              <a:spcBef>
-                <a:spcPts val="0"/>
-              </a:spcBef>
-              <a:spcAft>
-                <a:spcPts val="0"/>
-              </a:spcAft>
-              <a:buSzPts val="3600"/>
-              <a:buNone/>
-            </a:pPr>
-            <a:r>
-              <a:rPr lang="pt-BR" sz="600"/>
-              <a:t>Fonte: Página TSE </a:t>
-            </a:r>
-            <a:endParaRPr sz="600"/>
           </a:p>
         </p:txBody>
       </p:sp>
@@ -21078,7 +21505,7 @@
   <p:cSld>
     <p:spTree>
       <p:nvGrpSpPr>
-        <p:cNvPr id="331" name="Shape 331"/>
+        <p:cNvPr id="332" name="Shape 332"/>
         <p:cNvGrpSpPr/>
         <p:nvPr/>
       </p:nvGrpSpPr>
@@ -21092,54 +21519,6 @@
       </p:grpSpPr>
       <p:sp>
         <p:nvSpPr>
-          <p:cNvPr id="332" name="Google Shape;332;p46"/>
-          <p:cNvSpPr txBox="1"/>
-          <p:nvPr>
-            <p:ph type="title"/>
-          </p:nvPr>
-        </p:nvSpPr>
-        <p:spPr>
-          <a:xfrm>
-            <a:off x="0" y="76200"/>
-            <a:ext cx="9144000" cy="425700"/>
-          </a:xfrm>
-          <a:prstGeom prst="rect">
-            <a:avLst/>
-          </a:prstGeom>
-          <a:noFill/>
-          <a:ln>
-            <a:noFill/>
-          </a:ln>
-        </p:spPr>
-        <p:txBody>
-          <a:bodyPr anchorCtr="0" anchor="ctr" bIns="91425" lIns="91425" spcFirstLastPara="1" rIns="91425" wrap="square" tIns="91425">
-            <a:noAutofit/>
-          </a:bodyPr>
-          <a:lstStyle/>
-          <a:p>
-            <a:pPr indent="0" lvl="0" marL="0" rtl="0" algn="ctr">
-              <a:lnSpc>
-                <a:spcPct val="100000"/>
-              </a:lnSpc>
-              <a:spcBef>
-                <a:spcPts val="0"/>
-              </a:spcBef>
-              <a:spcAft>
-                <a:spcPts val="0"/>
-              </a:spcAft>
-              <a:buSzPts val="3600"/>
-              <a:buNone/>
-            </a:pPr>
-            <a:r>
-              <a:rPr lang="pt-BR" sz="3400" u="sng"/>
-              <a:t>Conceito de Pronto (Definition of Done)</a:t>
-            </a:r>
-            <a:endParaRPr sz="3400" u="sng"/>
-          </a:p>
-        </p:txBody>
-      </p:sp>
-      <p:sp>
-        <p:nvSpPr>
           <p:cNvPr id="333" name="Google Shape;333;p46"/>
           <p:cNvSpPr txBox="1"/>
           <p:nvPr>
@@ -21148,8 +21527,8 @@
         </p:nvSpPr>
         <p:spPr>
           <a:xfrm>
-            <a:off x="0" y="5002200"/>
-            <a:ext cx="9144000" cy="217500"/>
+            <a:off x="0" y="76200"/>
+            <a:ext cx="9144000" cy="425700"/>
           </a:xfrm>
           <a:prstGeom prst="rect">
             <a:avLst/>
@@ -21165,7 +21544,7 @@
           </a:bodyPr>
           <a:lstStyle/>
           <a:p>
-            <a:pPr indent="0" lvl="0" marL="0" rtl="0" algn="l">
+            <a:pPr indent="0" lvl="0" marL="0" rtl="0" algn="ctr">
               <a:lnSpc>
                 <a:spcPct val="100000"/>
               </a:lnSpc>
@@ -21179,10 +21558,10 @@
               <a:buNone/>
             </a:pPr>
             <a:r>
-              <a:rPr lang="pt-BR" sz="600"/>
-              <a:t> Disponível em:https://www.scrum.org/resources/blog/how-ambitious-your-done</a:t>
-            </a:r>
-            <a:endParaRPr sz="600"/>
+              <a:rPr lang="pt-BR" sz="3400" u="sng"/>
+              <a:t>Vantagens do Scrum </a:t>
+            </a:r>
+            <a:endParaRPr sz="3400" u="sng"/>
           </a:p>
         </p:txBody>
       </p:sp>
@@ -21196,8 +21575,8 @@
         </p:nvSpPr>
         <p:spPr>
           <a:xfrm>
-            <a:off x="280550" y="1290550"/>
-            <a:ext cx="5517600" cy="1614900"/>
+            <a:off x="0" y="5002200"/>
+            <a:ext cx="9144000" cy="217500"/>
           </a:xfrm>
           <a:prstGeom prst="rect">
             <a:avLst/>
@@ -21227,67 +21606,10 @@
               <a:buNone/>
             </a:pPr>
             <a:r>
-              <a:t/>
-            </a:r>
-            <a:endParaRPr sz="2800"/>
-          </a:p>
-          <a:p>
-            <a:pPr indent="-406400" lvl="0" marL="457200" rtl="0" algn="l">
-              <a:lnSpc>
-                <a:spcPct val="115000"/>
-              </a:lnSpc>
-              <a:spcBef>
-                <a:spcPts val="0"/>
-              </a:spcBef>
-              <a:spcAft>
-                <a:spcPts val="0"/>
-              </a:spcAft>
-              <a:buSzPts val="2800"/>
-              <a:buChar char="➔"/>
-            </a:pPr>
-            <a:r>
-              <a:rPr lang="pt-BR" sz="2800"/>
-              <a:t>Inúmeras checagens que um time deve realizar.</a:t>
-            </a:r>
-            <a:endParaRPr sz="2800"/>
-          </a:p>
-          <a:p>
-            <a:pPr indent="0" lvl="0" marL="457200" rtl="0" algn="l">
-              <a:lnSpc>
-                <a:spcPct val="115000"/>
-              </a:lnSpc>
-              <a:spcBef>
-                <a:spcPts val="0"/>
-              </a:spcBef>
-              <a:spcAft>
-                <a:spcPts val="0"/>
-              </a:spcAft>
-              <a:buSzPts val="3600"/>
-              <a:buNone/>
-            </a:pPr>
-            <a:r>
-              <a:t/>
-            </a:r>
-            <a:endParaRPr sz="2800"/>
-          </a:p>
-          <a:p>
-            <a:pPr indent="0" lvl="0" marL="457200" rtl="0" algn="l">
-              <a:lnSpc>
-                <a:spcPct val="100000"/>
-              </a:lnSpc>
-              <a:spcBef>
-                <a:spcPts val="0"/>
-              </a:spcBef>
-              <a:spcAft>
-                <a:spcPts val="0"/>
-              </a:spcAft>
-              <a:buSzPts val="3600"/>
-              <a:buNone/>
-            </a:pPr>
-            <a:r>
-              <a:t/>
-            </a:r>
-            <a:endParaRPr sz="2800"/>
+              <a:rPr lang="pt-BR" sz="600"/>
+              <a:t> Disponível em: http://www.sinhoresosasco.com.br/vantagens-associativas/</a:t>
+            </a:r>
+            <a:endParaRPr sz="600"/>
           </a:p>
         </p:txBody>
       </p:sp>
@@ -21301,8 +21623,8 @@
         </p:nvSpPr>
         <p:spPr>
           <a:xfrm>
-            <a:off x="6461975" y="2779950"/>
-            <a:ext cx="1554300" cy="217500"/>
+            <a:off x="7312750" y="2207200"/>
+            <a:ext cx="1771200" cy="217500"/>
           </a:xfrm>
           <a:prstGeom prst="rect">
             <a:avLst/>
@@ -21333,7 +21655,7 @@
             </a:pPr>
             <a:r>
               <a:rPr lang="pt-BR" sz="600"/>
-              <a:t>Fonte: Página Scrum Org </a:t>
+              <a:t>Fonte: Página Sinhores Osasco</a:t>
             </a:r>
             <a:endParaRPr sz="600"/>
           </a:p>
@@ -21354,8 +21676,8 @@
         </p:blipFill>
         <p:spPr>
           <a:xfrm>
-            <a:off x="5334288" y="501900"/>
-            <a:ext cx="3809660" cy="2278049"/>
+            <a:off x="7347225" y="654300"/>
+            <a:ext cx="1736725" cy="1506500"/>
           </a:xfrm>
           <a:prstGeom prst="rect">
             <a:avLst/>
@@ -21376,8 +21698,8 @@
         </p:nvSpPr>
         <p:spPr>
           <a:xfrm>
-            <a:off x="330425" y="2518075"/>
-            <a:ext cx="8813400" cy="2320800"/>
+            <a:off x="276850" y="654300"/>
+            <a:ext cx="8867100" cy="4347900"/>
           </a:xfrm>
           <a:prstGeom prst="rect">
             <a:avLst/>
@@ -21393,6 +21715,25 @@
           </a:bodyPr>
           <a:lstStyle/>
           <a:p>
+            <a:pPr indent="0" lvl="0" marL="457200" rtl="0" algn="l">
+              <a:lnSpc>
+                <a:spcPct val="100000"/>
+              </a:lnSpc>
+              <a:spcBef>
+                <a:spcPts val="0"/>
+              </a:spcBef>
+              <a:spcAft>
+                <a:spcPts val="0"/>
+              </a:spcAft>
+              <a:buSzPts val="3600"/>
+              <a:buNone/>
+            </a:pPr>
+            <a:r>
+              <a:t/>
+            </a:r>
+            <a:endParaRPr sz="2800"/>
+          </a:p>
+          <a:p>
             <a:pPr indent="-406400" lvl="0" marL="457200" rtl="0" algn="l">
               <a:lnSpc>
                 <a:spcPct val="100000"/>
@@ -21408,7 +21749,7 @@
             </a:pPr>
             <a:r>
               <a:rPr lang="pt-BR" sz="2800"/>
-              <a:t>Scrum Team define esta checagens.</a:t>
+              <a:t>Redução de bugs gerados.</a:t>
             </a:r>
             <a:endParaRPr sz="2800"/>
           </a:p>
@@ -21447,7 +21788,86 @@
             </a:pPr>
             <a:r>
               <a:rPr lang="pt-BR" sz="2800"/>
-              <a:t>Todos o time, deve ter o conhecimento claro quando algo “Está Pronto”.</a:t>
+              <a:t>Envolvidos podem ver o projeto como um todo.</a:t>
+            </a:r>
+            <a:endParaRPr sz="2800"/>
+          </a:p>
+          <a:p>
+            <a:pPr indent="0" lvl="0" marL="457200" rtl="0" algn="l">
+              <a:lnSpc>
+                <a:spcPct val="100000"/>
+              </a:lnSpc>
+              <a:spcBef>
+                <a:spcPts val="0"/>
+              </a:spcBef>
+              <a:spcAft>
+                <a:spcPts val="0"/>
+              </a:spcAft>
+              <a:buSzPts val="3600"/>
+              <a:buNone/>
+            </a:pPr>
+            <a:r>
+              <a:t/>
+            </a:r>
+            <a:endParaRPr sz="2800"/>
+          </a:p>
+          <a:p>
+            <a:pPr indent="-406400" lvl="0" marL="457200" rtl="0" algn="l">
+              <a:lnSpc>
+                <a:spcPct val="100000"/>
+              </a:lnSpc>
+              <a:spcBef>
+                <a:spcPts val="0"/>
+              </a:spcBef>
+              <a:spcAft>
+                <a:spcPts val="0"/>
+              </a:spcAft>
+              <a:buSzPts val="2800"/>
+              <a:buChar char="➔"/>
+            </a:pPr>
+            <a:r>
+              <a:rPr lang="pt-BR" sz="2800"/>
+              <a:t>Acompanhamento próximo pelo cliente do produto.</a:t>
+            </a:r>
+            <a:endParaRPr sz="2800"/>
+          </a:p>
+          <a:p>
+            <a:pPr indent="0" lvl="0" marL="457200" rtl="0" algn="l">
+              <a:lnSpc>
+                <a:spcPct val="100000"/>
+              </a:lnSpc>
+              <a:spcBef>
+                <a:spcPts val="0"/>
+              </a:spcBef>
+              <a:spcAft>
+                <a:spcPts val="0"/>
+              </a:spcAft>
+              <a:buSzPts val="3600"/>
+              <a:buNone/>
+            </a:pPr>
+            <a:r>
+              <a:rPr lang="pt-BR" sz="2800"/>
+              <a:t> </a:t>
+            </a:r>
+            <a:endParaRPr sz="2800"/>
+          </a:p>
+          <a:p>
+            <a:pPr indent="-406400" lvl="0" marL="457200" rtl="0" algn="l">
+              <a:lnSpc>
+                <a:spcPct val="100000"/>
+              </a:lnSpc>
+              <a:spcBef>
+                <a:spcPts val="0"/>
+              </a:spcBef>
+              <a:spcAft>
+                <a:spcPts val="0"/>
+              </a:spcAft>
+              <a:buSzPts val="2800"/>
+              <a:buChar char="➔"/>
+            </a:pPr>
+            <a:r>
+              <a:rPr lang="pt-BR" sz="2800"/>
+              <a:t>Possibilidade de uso de metodologias em paralelo.</a:t>
             </a:r>
             <a:endParaRPr sz="2800"/>
           </a:p>
@@ -21520,7 +21940,7 @@
             </a:pPr>
             <a:r>
               <a:rPr lang="pt-BR" sz="3400" u="sng"/>
-              <a:t>4 Pontos de Impacto nas Estimativas</a:t>
+              <a:t>Desvantagens do Scrum </a:t>
             </a:r>
             <a:endParaRPr sz="3400" u="sng"/>
           </a:p>
@@ -21568,7 +21988,7 @@
             </a:pPr>
             <a:r>
               <a:rPr lang="pt-BR" sz="600"/>
-              <a:t> Disponível em:https://br.freepik.com/icones-gratis/mascara-de-teatro_692122.html</a:t>
+              <a:t> Disponível em:http://tedr19993.wixsite.com/biologiafermentacao/desvantagens</a:t>
             </a:r>
             <a:endParaRPr sz="600"/>
           </a:p>
@@ -21589,8 +22009,8 @@
         </p:blipFill>
         <p:spPr>
           <a:xfrm>
-            <a:off x="6961275" y="707250"/>
-            <a:ext cx="1973249" cy="1973249"/>
+            <a:off x="7458975" y="601275"/>
+            <a:ext cx="1513218" cy="1506500"/>
           </a:xfrm>
           <a:prstGeom prst="rect">
             <a:avLst/>
@@ -21611,8 +22031,8 @@
         </p:nvSpPr>
         <p:spPr>
           <a:xfrm>
-            <a:off x="280550" y="2007525"/>
-            <a:ext cx="8863500" cy="2994600"/>
+            <a:off x="7312750" y="2207200"/>
+            <a:ext cx="1771200" cy="217500"/>
           </a:xfrm>
           <a:prstGeom prst="rect">
             <a:avLst/>
@@ -21628,7 +22048,7 @@
           </a:bodyPr>
           <a:lstStyle/>
           <a:p>
-            <a:pPr indent="0" lvl="0" marL="0" rtl="0" algn="l">
+            <a:pPr indent="0" lvl="0" marL="0" rtl="0" algn="ctr">
               <a:lnSpc>
                 <a:spcPct val="100000"/>
               </a:lnSpc>
@@ -21642,203 +22062,10 @@
               <a:buNone/>
             </a:pPr>
             <a:r>
-              <a:t/>
-            </a:r>
-            <a:endParaRPr sz="2800"/>
-          </a:p>
-          <a:p>
-            <a:pPr indent="-406400" lvl="0" marL="457200" rtl="0" algn="l">
-              <a:lnSpc>
-                <a:spcPct val="115000"/>
-              </a:lnSpc>
-              <a:spcBef>
-                <a:spcPts val="0"/>
-              </a:spcBef>
-              <a:spcAft>
-                <a:spcPts val="0"/>
-              </a:spcAft>
-              <a:buSzPts val="2800"/>
-              <a:buChar char="➔"/>
-            </a:pPr>
-            <a:r>
-              <a:rPr lang="pt-BR" sz="2800"/>
-              <a:t>Presunção de tarefas independentes.</a:t>
-            </a:r>
-            <a:endParaRPr sz="2800"/>
-          </a:p>
-          <a:p>
-            <a:pPr indent="0" lvl="0" marL="457200" rtl="0" algn="l">
-              <a:lnSpc>
-                <a:spcPct val="115000"/>
-              </a:lnSpc>
-              <a:spcBef>
-                <a:spcPts val="0"/>
-              </a:spcBef>
-              <a:spcAft>
-                <a:spcPts val="0"/>
-              </a:spcAft>
-              <a:buSzPts val="3600"/>
-              <a:buNone/>
-            </a:pPr>
-            <a:r>
-              <a:t/>
-            </a:r>
-            <a:endParaRPr sz="2800"/>
-          </a:p>
-          <a:p>
-            <a:pPr indent="-406400" lvl="0" marL="457200" rtl="0" algn="l">
-              <a:lnSpc>
-                <a:spcPct val="115000"/>
-              </a:lnSpc>
-              <a:spcBef>
-                <a:spcPts val="0"/>
-              </a:spcBef>
-              <a:spcAft>
-                <a:spcPts val="0"/>
-              </a:spcAft>
-              <a:buSzPts val="2800"/>
-              <a:buChar char="➔"/>
-            </a:pPr>
-            <a:r>
-              <a:rPr lang="pt-BR" sz="2800"/>
-              <a:t>Ordem de execução das tarefas.</a:t>
-            </a:r>
-            <a:endParaRPr sz="2800"/>
-          </a:p>
-          <a:p>
-            <a:pPr indent="0" lvl="0" marL="457200" rtl="0" algn="l">
-              <a:lnSpc>
-                <a:spcPct val="115000"/>
-              </a:lnSpc>
-              <a:spcBef>
-                <a:spcPts val="0"/>
-              </a:spcBef>
-              <a:spcAft>
-                <a:spcPts val="0"/>
-              </a:spcAft>
-              <a:buSzPts val="3600"/>
-              <a:buNone/>
-            </a:pPr>
-            <a:r>
-              <a:t/>
-            </a:r>
-            <a:endParaRPr sz="2800"/>
-          </a:p>
-          <a:p>
-            <a:pPr indent="-406400" lvl="0" marL="457200" rtl="0" algn="l">
-              <a:lnSpc>
-                <a:spcPct val="115000"/>
-              </a:lnSpc>
-              <a:spcBef>
-                <a:spcPts val="0"/>
-              </a:spcBef>
-              <a:spcAft>
-                <a:spcPts val="0"/>
-              </a:spcAft>
-              <a:buSzPts val="2800"/>
-              <a:buChar char="➔"/>
-            </a:pPr>
-            <a:r>
-              <a:rPr lang="pt-BR" sz="2800"/>
-              <a:t>“Síndrome do Estudante”.</a:t>
-            </a:r>
-            <a:endParaRPr sz="2800"/>
-          </a:p>
-          <a:p>
-            <a:pPr indent="0" lvl="0" marL="457200" rtl="0" algn="l">
-              <a:lnSpc>
-                <a:spcPct val="115000"/>
-              </a:lnSpc>
-              <a:spcBef>
-                <a:spcPts val="0"/>
-              </a:spcBef>
-              <a:spcAft>
-                <a:spcPts val="0"/>
-              </a:spcAft>
-              <a:buSzPts val="3600"/>
-              <a:buNone/>
-            </a:pPr>
-            <a:r>
-              <a:t/>
-            </a:r>
-            <a:endParaRPr sz="2800"/>
-          </a:p>
-          <a:p>
-            <a:pPr indent="-406400" lvl="0" marL="457200" rtl="0" algn="l">
-              <a:lnSpc>
-                <a:spcPct val="115000"/>
-              </a:lnSpc>
-              <a:spcBef>
-                <a:spcPts val="0"/>
-              </a:spcBef>
-              <a:spcAft>
-                <a:spcPts val="0"/>
-              </a:spcAft>
-              <a:buSzPts val="2800"/>
-              <a:buChar char="➔"/>
-            </a:pPr>
-            <a:r>
-              <a:rPr lang="pt-BR" sz="2800"/>
-              <a:t>Executar atividades em modo multitarefas.</a:t>
-            </a:r>
-            <a:endParaRPr sz="2800"/>
-          </a:p>
-          <a:p>
-            <a:pPr indent="0" lvl="0" marL="0" rtl="0" algn="l">
-              <a:lnSpc>
-                <a:spcPct val="115000"/>
-              </a:lnSpc>
-              <a:spcBef>
-                <a:spcPts val="0"/>
-              </a:spcBef>
-              <a:spcAft>
-                <a:spcPts val="0"/>
-              </a:spcAft>
-              <a:buSzPts val="3600"/>
-              <a:buNone/>
-            </a:pPr>
-            <a:r>
-              <a:t/>
-            </a:r>
-            <a:endParaRPr sz="2800"/>
-          </a:p>
-          <a:p>
-            <a:pPr indent="0" lvl="0" marL="457200" rtl="0" algn="l">
-              <a:lnSpc>
-                <a:spcPct val="115000"/>
-              </a:lnSpc>
-              <a:spcBef>
-                <a:spcPts val="0"/>
-              </a:spcBef>
-              <a:spcAft>
-                <a:spcPts val="0"/>
-              </a:spcAft>
-              <a:buSzPts val="3600"/>
-              <a:buNone/>
-            </a:pPr>
-            <a:r>
-              <a:t/>
-            </a:r>
-            <a:endParaRPr sz="2800"/>
-          </a:p>
-          <a:p>
-            <a:pPr indent="0" lvl="0" marL="457200" rtl="0" algn="l">
-              <a:lnSpc>
-                <a:spcPct val="100000"/>
-              </a:lnSpc>
-              <a:spcBef>
-                <a:spcPts val="0"/>
-              </a:spcBef>
-              <a:spcAft>
-                <a:spcPts val="0"/>
-              </a:spcAft>
-              <a:buSzPts val="3600"/>
-              <a:buNone/>
-            </a:pPr>
-            <a:r>
-              <a:t/>
-            </a:r>
-            <a:endParaRPr sz="2800"/>
+              <a:rPr lang="pt-BR" sz="600"/>
+              <a:t>Fonte: Página Wiix Site</a:t>
+            </a:r>
+            <a:endParaRPr sz="600"/>
           </a:p>
         </p:txBody>
       </p:sp>
@@ -21852,8 +22079,8 @@
         </p:nvSpPr>
         <p:spPr>
           <a:xfrm>
-            <a:off x="7380225" y="2463000"/>
-            <a:ext cx="1554300" cy="217500"/>
+            <a:off x="276850" y="1080400"/>
+            <a:ext cx="8867100" cy="3921300"/>
           </a:xfrm>
           <a:prstGeom prst="rect">
             <a:avLst/>
@@ -21869,7 +22096,27 @@
           </a:bodyPr>
           <a:lstStyle/>
           <a:p>
-            <a:pPr indent="0" lvl="0" marL="0" rtl="0" algn="ctr">
+            <a:pPr indent="-406400" lvl="0" marL="457200" rtl="0" algn="l">
+              <a:lnSpc>
+                <a:spcPct val="100000"/>
+              </a:lnSpc>
+              <a:spcBef>
+                <a:spcPts val="0"/>
+              </a:spcBef>
+              <a:spcAft>
+                <a:spcPts val="0"/>
+              </a:spcAft>
+              <a:buSzPts val="2800"/>
+              <a:buChar char="➔"/>
+            </a:pPr>
+            <a:r>
+              <a:rPr lang="pt-BR" sz="2800"/>
+              <a:t>Foco na qualidade, pode afetar prazos.</a:t>
+            </a:r>
+            <a:endParaRPr sz="2800"/>
+          </a:p>
+          <a:p>
+            <a:pPr indent="0" lvl="0" marL="457200" rtl="0" algn="l">
               <a:lnSpc>
                 <a:spcPct val="100000"/>
               </a:lnSpc>
@@ -21883,10 +22130,68 @@
               <a:buNone/>
             </a:pPr>
             <a:r>
-              <a:rPr lang="pt-BR" sz="600"/>
-              <a:t>Fonte: Página Freepik</a:t>
-            </a:r>
-            <a:endParaRPr sz="600"/>
+              <a:t/>
+            </a:r>
+            <a:endParaRPr sz="2800"/>
+          </a:p>
+          <a:p>
+            <a:pPr indent="-406400" lvl="0" marL="457200" rtl="0" algn="l">
+              <a:lnSpc>
+                <a:spcPct val="115000"/>
+              </a:lnSpc>
+              <a:spcBef>
+                <a:spcPts val="0"/>
+              </a:spcBef>
+              <a:spcAft>
+                <a:spcPts val="0"/>
+              </a:spcAft>
+              <a:buSzPts val="2800"/>
+              <a:buChar char="➔"/>
+            </a:pPr>
+            <a:r>
+              <a:rPr lang="pt-BR" sz="2800"/>
+              <a:t>Melhor aproveitamento em pequenos times.</a:t>
+            </a:r>
+            <a:endParaRPr sz="2800"/>
+          </a:p>
+          <a:p>
+            <a:pPr indent="0" lvl="0" marL="457200" rtl="0" algn="l">
+              <a:lnSpc>
+                <a:spcPct val="100000"/>
+              </a:lnSpc>
+              <a:spcBef>
+                <a:spcPts val="0"/>
+              </a:spcBef>
+              <a:spcAft>
+                <a:spcPts val="0"/>
+              </a:spcAft>
+              <a:buSzPts val="3600"/>
+              <a:buNone/>
+            </a:pPr>
+            <a:r>
+              <a:t/>
+            </a:r>
+            <a:endParaRPr sz="2800"/>
+          </a:p>
+          <a:p>
+            <a:pPr indent="-406400" lvl="0" marL="457200" rtl="0" algn="l">
+              <a:lnSpc>
+                <a:spcPct val="115000"/>
+              </a:lnSpc>
+              <a:spcBef>
+                <a:spcPts val="0"/>
+              </a:spcBef>
+              <a:spcAft>
+                <a:spcPts val="0"/>
+              </a:spcAft>
+              <a:buSzPts val="2800"/>
+              <a:buChar char="➔"/>
+            </a:pPr>
+            <a:r>
+              <a:rPr lang="pt-BR" sz="2800"/>
+              <a:t>Indivíduos acostumado a modelos não ágeis, podem não se adaptar.</a:t>
+            </a:r>
+            <a:endParaRPr sz="2800"/>
           </a:p>
         </p:txBody>
       </p:sp>
@@ -21957,7 +22262,7 @@
             </a:pPr>
             <a:r>
               <a:rPr lang="pt-BR" sz="3400" u="sng"/>
-              <a:t>O Planning Poker</a:t>
+              <a:t>Desvantagens Scrum </a:t>
             </a:r>
             <a:endParaRPr sz="3400" u="sng"/>
           </a:p>
@@ -22005,55 +22310,7 @@
             </a:pPr>
             <a:r>
               <a:rPr lang="pt-BR" sz="600"/>
-              <a:t> Disponível em:http://leanify.com/dont-do-planning-poker-for-the-estimates-only/</a:t>
-            </a:r>
-            <a:endParaRPr sz="600"/>
-          </a:p>
-        </p:txBody>
-      </p:sp>
-      <p:sp>
-        <p:nvSpPr>
-          <p:cNvPr id="353" name="Google Shape;353;p48"/>
-          <p:cNvSpPr txBox="1"/>
-          <p:nvPr>
-            <p:ph type="title"/>
-          </p:nvPr>
-        </p:nvSpPr>
-        <p:spPr>
-          <a:xfrm>
-            <a:off x="6842900" y="2288425"/>
-            <a:ext cx="1554300" cy="217500"/>
-          </a:xfrm>
-          <a:prstGeom prst="rect">
-            <a:avLst/>
-          </a:prstGeom>
-          <a:noFill/>
-          <a:ln>
-            <a:noFill/>
-          </a:ln>
-        </p:spPr>
-        <p:txBody>
-          <a:bodyPr anchorCtr="0" anchor="ctr" bIns="91425" lIns="91425" spcFirstLastPara="1" rIns="91425" wrap="square" tIns="91425">
-            <a:noAutofit/>
-          </a:bodyPr>
-          <a:lstStyle/>
-          <a:p>
-            <a:pPr indent="0" lvl="0" marL="0" rtl="0" algn="ctr">
-              <a:lnSpc>
-                <a:spcPct val="100000"/>
-              </a:lnSpc>
-              <a:spcBef>
-                <a:spcPts val="0"/>
-              </a:spcBef>
-              <a:spcAft>
-                <a:spcPts val="0"/>
-              </a:spcAft>
-              <a:buSzPts val="3600"/>
-              <a:buNone/>
-            </a:pPr>
-            <a:r>
-              <a:rPr lang="pt-BR" sz="600"/>
-              <a:t>Fonte: Página Freepik</a:t>
+              <a:t> Disponível em:http://tedr19993.wixsite.com/biologiafermentacao/desvantagens</a:t>
             </a:r>
             <a:endParaRPr sz="600"/>
           </a:p>
@@ -22061,7 +22318,7 @@
       </p:sp>
       <p:pic>
         <p:nvPicPr>
-          <p:cNvPr id="354" name="Google Shape;354;p48"/>
+          <p:cNvPr id="353" name="Google Shape;353;p48"/>
           <p:cNvPicPr preferRelativeResize="0"/>
           <p:nvPr/>
         </p:nvPicPr>
@@ -22074,8 +22331,8 @@
         </p:blipFill>
         <p:spPr>
           <a:xfrm>
-            <a:off x="6096050" y="458250"/>
-            <a:ext cx="3048000" cy="1905000"/>
+            <a:off x="7458975" y="601275"/>
+            <a:ext cx="1513218" cy="1506500"/>
           </a:xfrm>
           <a:prstGeom prst="rect">
             <a:avLst/>
@@ -22086,6 +22343,54 @@
           </a:ln>
         </p:spPr>
       </p:pic>
+      <p:sp>
+        <p:nvSpPr>
+          <p:cNvPr id="354" name="Google Shape;354;p48"/>
+          <p:cNvSpPr txBox="1"/>
+          <p:nvPr>
+            <p:ph type="title"/>
+          </p:nvPr>
+        </p:nvSpPr>
+        <p:spPr>
+          <a:xfrm>
+            <a:off x="7312750" y="2207200"/>
+            <a:ext cx="1771200" cy="217500"/>
+          </a:xfrm>
+          <a:prstGeom prst="rect">
+            <a:avLst/>
+          </a:prstGeom>
+          <a:noFill/>
+          <a:ln>
+            <a:noFill/>
+          </a:ln>
+        </p:spPr>
+        <p:txBody>
+          <a:bodyPr anchorCtr="0" anchor="ctr" bIns="91425" lIns="91425" spcFirstLastPara="1" rIns="91425" wrap="square" tIns="91425">
+            <a:noAutofit/>
+          </a:bodyPr>
+          <a:lstStyle/>
+          <a:p>
+            <a:pPr indent="0" lvl="0" marL="0" rtl="0" algn="ctr">
+              <a:lnSpc>
+                <a:spcPct val="100000"/>
+              </a:lnSpc>
+              <a:spcBef>
+                <a:spcPts val="0"/>
+              </a:spcBef>
+              <a:spcAft>
+                <a:spcPts val="0"/>
+              </a:spcAft>
+              <a:buSzPts val="3600"/>
+              <a:buNone/>
+            </a:pPr>
+            <a:r>
+              <a:rPr lang="pt-BR" sz="600"/>
+              <a:t>Fonte: Página Wiix Site</a:t>
+            </a:r>
+            <a:endParaRPr sz="600"/>
+          </a:p>
+        </p:txBody>
+      </p:sp>
       <p:sp>
         <p:nvSpPr>
           <p:cNvPr id="355" name="Google Shape;355;p48"/>
@@ -22096,8 +22401,8 @@
         </p:nvSpPr>
         <p:spPr>
           <a:xfrm>
-            <a:off x="280550" y="2007525"/>
-            <a:ext cx="8863500" cy="3111000"/>
+            <a:off x="276850" y="802025"/>
+            <a:ext cx="8867100" cy="4200300"/>
           </a:xfrm>
           <a:prstGeom prst="rect">
             <a:avLst/>
@@ -22132,25 +22437,6 @@
             <a:endParaRPr sz="2800"/>
           </a:p>
           <a:p>
-            <a:pPr indent="0" lvl="0" marL="0" rtl="0" algn="l">
-              <a:lnSpc>
-                <a:spcPct val="100000"/>
-              </a:lnSpc>
-              <a:spcBef>
-                <a:spcPts val="0"/>
-              </a:spcBef>
-              <a:spcAft>
-                <a:spcPts val="0"/>
-              </a:spcAft>
-              <a:buSzPts val="3600"/>
-              <a:buNone/>
-            </a:pPr>
-            <a:r>
-              <a:t/>
-            </a:r>
-            <a:endParaRPr sz="2800"/>
-          </a:p>
-          <a:p>
             <a:pPr indent="-406400" lvl="0" marL="457200" rtl="0" algn="l">
               <a:lnSpc>
                 <a:spcPct val="115000"/>
@@ -22166,14 +22452,33 @@
             </a:pPr>
             <a:r>
               <a:rPr lang="pt-BR" sz="2800"/>
-              <a:t>Durante a definição de Sprint.</a:t>
+              <a:t>Pode haver confusão sobre os papéis dos indivíduos.</a:t>
             </a:r>
             <a:endParaRPr sz="2800"/>
           </a:p>
           <a:p>
+            <a:pPr indent="0" lvl="0" marL="457200" rtl="0" algn="l">
+              <a:lnSpc>
+                <a:spcPct val="100000"/>
+              </a:lnSpc>
+              <a:spcBef>
+                <a:spcPts val="0"/>
+              </a:spcBef>
+              <a:spcAft>
+                <a:spcPts val="0"/>
+              </a:spcAft>
+              <a:buSzPts val="3600"/>
+              <a:buNone/>
+            </a:pPr>
+            <a:r>
+              <a:t/>
+            </a:r>
+            <a:endParaRPr sz="2800"/>
+          </a:p>
+          <a:p>
             <a:pPr indent="-406400" lvl="0" marL="457200" rtl="0" algn="l">
               <a:lnSpc>
-                <a:spcPct val="115000"/>
+                <a:spcPct val="100000"/>
               </a:lnSpc>
               <a:spcBef>
                 <a:spcPts val="0"/>
@@ -22186,7 +22491,26 @@
             </a:pPr>
             <a:r>
               <a:rPr lang="pt-BR" sz="2800"/>
-              <a:t>Possuir as funcionalidades da Sprint.</a:t>
+              <a:t>Foco agilidade, pode afetar documentação.</a:t>
+            </a:r>
+            <a:endParaRPr sz="2800"/>
+          </a:p>
+          <a:p>
+            <a:pPr indent="0" lvl="0" marL="457200" rtl="0" algn="l">
+              <a:lnSpc>
+                <a:spcPct val="115000"/>
+              </a:lnSpc>
+              <a:spcBef>
+                <a:spcPts val="0"/>
+              </a:spcBef>
+              <a:spcAft>
+                <a:spcPts val="0"/>
+              </a:spcAft>
+              <a:buSzPts val="3600"/>
+              <a:buNone/>
+            </a:pPr>
+            <a:r>
+              <a:t/>
             </a:r>
             <a:endParaRPr sz="2800"/>
           </a:p>
@@ -22206,104 +22530,7 @@
             </a:pPr>
             <a:r>
               <a:rPr lang="pt-BR" sz="2800"/>
-              <a:t>funcionalidades são apresentadas uma-a-uma.</a:t>
-            </a:r>
-            <a:endParaRPr sz="2800"/>
-          </a:p>
-          <a:p>
-            <a:pPr indent="-406400" lvl="0" marL="457200" rtl="0" algn="l">
-              <a:lnSpc>
-                <a:spcPct val="115000"/>
-              </a:lnSpc>
-              <a:spcBef>
-                <a:spcPts val="0"/>
-              </a:spcBef>
-              <a:spcAft>
-                <a:spcPts val="0"/>
-              </a:spcAft>
-              <a:buSzPts val="2800"/>
-              <a:buChar char="➔"/>
-            </a:pPr>
-            <a:r>
-              <a:rPr lang="pt-BR" sz="2800"/>
-              <a:t>Cada membro estipula um valor.</a:t>
-            </a:r>
-            <a:endParaRPr sz="2800"/>
-          </a:p>
-          <a:p>
-            <a:pPr indent="-406400" lvl="0" marL="457200" rtl="0" algn="l">
-              <a:lnSpc>
-                <a:spcPct val="115000"/>
-              </a:lnSpc>
-              <a:spcBef>
-                <a:spcPts val="0"/>
-              </a:spcBef>
-              <a:spcAft>
-                <a:spcPts val="0"/>
-              </a:spcAft>
-              <a:buSzPts val="2800"/>
-              <a:buChar char="➔"/>
-            </a:pPr>
-            <a:r>
-              <a:rPr lang="pt-BR" sz="2800"/>
-              <a:t>Em valores acima de 20, não será concluída em uma entrega.</a:t>
-            </a:r>
-            <a:endParaRPr sz="2800"/>
-          </a:p>
-          <a:p>
-            <a:pPr indent="0" lvl="0" marL="0" rtl="0" algn="l">
-              <a:lnSpc>
-                <a:spcPct val="115000"/>
-              </a:lnSpc>
-              <a:spcBef>
-                <a:spcPts val="0"/>
-              </a:spcBef>
-              <a:spcAft>
-                <a:spcPts val="0"/>
-              </a:spcAft>
-              <a:buSzPts val="3600"/>
-              <a:buNone/>
-            </a:pPr>
-            <a:r>
-              <a:t/>
-            </a:r>
-            <a:endParaRPr sz="2800"/>
-          </a:p>
-          <a:p>
-            <a:pPr indent="0" lvl="0" marL="457200" rtl="0" algn="l">
-              <a:lnSpc>
-                <a:spcPct val="115000"/>
-              </a:lnSpc>
-              <a:spcBef>
-                <a:spcPts val="0"/>
-              </a:spcBef>
-              <a:spcAft>
-                <a:spcPts val="0"/>
-              </a:spcAft>
-              <a:buSzPts val="3600"/>
-              <a:buNone/>
-            </a:pPr>
-            <a:r>
-              <a:t/>
-            </a:r>
-            <a:endParaRPr sz="2800"/>
-          </a:p>
-          <a:p>
-            <a:pPr indent="0" lvl="0" marL="457200" rtl="0" algn="l">
-              <a:lnSpc>
-                <a:spcPct val="100000"/>
-              </a:lnSpc>
-              <a:spcBef>
-                <a:spcPts val="0"/>
-              </a:spcBef>
-              <a:spcAft>
-                <a:spcPts val="0"/>
-              </a:spcAft>
-              <a:buSzPts val="3600"/>
-              <a:buNone/>
-            </a:pPr>
-            <a:r>
-              <a:t/>
+              <a:t>Time decidindo processos internos, pode  ocorrer erros ao início de um projeto.</a:t>
             </a:r>
             <a:endParaRPr sz="2800"/>
           </a:p>
@@ -22362,9 +22589,6 @@
           <a:lstStyle/>
           <a:p>
             <a:pPr indent="0" lvl="0" marL="0" rtl="0" algn="ctr">
-              <a:lnSpc>
-                <a:spcPct val="100000"/>
-              </a:lnSpc>
               <a:spcBef>
                 <a:spcPts val="0"/>
               </a:spcBef>
@@ -22376,7 +22600,7 @@
             </a:pPr>
             <a:r>
               <a:rPr lang="pt-BR" sz="3400" u="sng"/>
-              <a:t>Considerações Finais</a:t>
+              <a:t>Análise de Mercado</a:t>
             </a:r>
             <a:endParaRPr sz="3400" u="sng"/>
           </a:p>
@@ -22392,8 +22616,8 @@
         </p:nvSpPr>
         <p:spPr>
           <a:xfrm>
-            <a:off x="0" y="5002200"/>
-            <a:ext cx="9144000" cy="217500"/>
+            <a:off x="-38725" y="4868600"/>
+            <a:ext cx="9144000" cy="351000"/>
           </a:xfrm>
           <a:prstGeom prst="rect">
             <a:avLst/>
@@ -22424,7 +22648,72 @@
             </a:pPr>
             <a:r>
               <a:rPr lang="pt-BR" sz="600"/>
-              <a:t> Disponível em:https://dumielauxepices.net/wallpaper-3398700</a:t>
+              <a:t> Disponível em </a:t>
+            </a:r>
+            <a:r>
+              <a:rPr lang="pt-BR" sz="600"/>
+              <a:t>https://pt.wikipedia.org</a:t>
+            </a:r>
+            <a:endParaRPr sz="600"/>
+          </a:p>
+          <a:p>
+            <a:pPr indent="0" lvl="0" marL="0" rtl="0" algn="l">
+              <a:spcBef>
+                <a:spcPts val="0"/>
+              </a:spcBef>
+              <a:spcAft>
+                <a:spcPts val="0"/>
+              </a:spcAft>
+              <a:buClr>
+                <a:schemeClr val="dk1"/>
+              </a:buClr>
+              <a:buSzPts val="3600"/>
+              <a:buFont typeface="Arial"/>
+              <a:buNone/>
+            </a:pPr>
+            <a:r>
+              <a:rPr lang="pt-BR" sz="600"/>
+              <a:t> Disponível em http://www.nuvem.net/</a:t>
+            </a:r>
+            <a:endParaRPr sz="600"/>
+          </a:p>
+          <a:p>
+            <a:pPr indent="0" lvl="0" marL="0" rtl="0" algn="l">
+              <a:spcBef>
+                <a:spcPts val="0"/>
+              </a:spcBef>
+              <a:spcAft>
+                <a:spcPts val="0"/>
+              </a:spcAft>
+              <a:buClr>
+                <a:schemeClr val="dk1"/>
+              </a:buClr>
+              <a:buSzPts val="3600"/>
+              <a:buFont typeface="Arial"/>
+              <a:buNone/>
+            </a:pPr>
+            <a:r>
+              <a:rPr lang="pt-BR" sz="600"/>
+              <a:t> Disponível em http://www.tjmt.jus.br/</a:t>
+            </a:r>
+            <a:endParaRPr sz="600"/>
+          </a:p>
+          <a:p>
+            <a:pPr indent="0" lvl="0" marL="0" rtl="0" algn="l">
+              <a:lnSpc>
+                <a:spcPct val="100000"/>
+              </a:lnSpc>
+              <a:spcBef>
+                <a:spcPts val="0"/>
+              </a:spcBef>
+              <a:spcAft>
+                <a:spcPts val="0"/>
+              </a:spcAft>
+              <a:buSzPts val="3600"/>
+              <a:buNone/>
+            </a:pPr>
+            <a:r>
+              <a:t/>
             </a:r>
             <a:endParaRPr sz="600"/>
           </a:p>
@@ -22440,8 +22729,8 @@
         </p:nvSpPr>
         <p:spPr>
           <a:xfrm>
-            <a:off x="7380213" y="2354250"/>
-            <a:ext cx="1554300" cy="217500"/>
+            <a:off x="536100" y="2115850"/>
+            <a:ext cx="2227200" cy="217500"/>
           </a:xfrm>
           <a:prstGeom prst="rect">
             <a:avLst/>
@@ -22472,7 +22761,7 @@
             </a:pPr>
             <a:r>
               <a:rPr lang="pt-BR" sz="600"/>
-              <a:t>Fonte: Página Dumielauxepices</a:t>
+              <a:t>Fonte: Página Wikipedia</a:t>
             </a:r>
             <a:endParaRPr sz="600"/>
           </a:p>
@@ -22484,17 +22773,18 @@
           <p:cNvPicPr preferRelativeResize="0"/>
           <p:nvPr/>
         </p:nvPicPr>
-        <p:blipFill rotWithShape="1">
+        <p:blipFill>
           <a:blip r:embed="rId3">
             <a:alphaModFix/>
           </a:blip>
-          <a:srcRect b="0" l="0" r="0" t="0"/>
-          <a:stretch/>
+          <a:stretch>
+            <a:fillRect/>
+          </a:stretch>
         </p:blipFill>
         <p:spPr>
           <a:xfrm>
-            <a:off x="7257036" y="501898"/>
-            <a:ext cx="1800675" cy="1800675"/>
+            <a:off x="7044763" y="773213"/>
+            <a:ext cx="1342625" cy="1342625"/>
           </a:xfrm>
           <a:prstGeom prst="rect">
             <a:avLst/>
@@ -22505,9 +22795,149 @@
           </a:ln>
         </p:spPr>
       </p:pic>
+      <p:pic>
+        <p:nvPicPr>
+          <p:cNvPr id="364" name="Google Shape;364;p49"/>
+          <p:cNvPicPr preferRelativeResize="0"/>
+          <p:nvPr/>
+        </p:nvPicPr>
+        <p:blipFill>
+          <a:blip r:embed="rId4">
+            <a:alphaModFix/>
+          </a:blip>
+          <a:stretch>
+            <a:fillRect/>
+          </a:stretch>
+        </p:blipFill>
+        <p:spPr>
+          <a:xfrm>
+            <a:off x="536100" y="1298550"/>
+            <a:ext cx="2227250" cy="749150"/>
+          </a:xfrm>
+          <a:prstGeom prst="rect">
+            <a:avLst/>
+          </a:prstGeom>
+          <a:noFill/>
+          <a:ln>
+            <a:noFill/>
+          </a:ln>
+        </p:spPr>
+      </p:pic>
+      <p:pic>
+        <p:nvPicPr>
+          <p:cNvPr id="365" name="Google Shape;365;p49"/>
+          <p:cNvPicPr preferRelativeResize="0"/>
+          <p:nvPr/>
+        </p:nvPicPr>
+        <p:blipFill>
+          <a:blip r:embed="rId5">
+            <a:alphaModFix/>
+          </a:blip>
+          <a:stretch>
+            <a:fillRect/>
+          </a:stretch>
+        </p:blipFill>
+        <p:spPr>
+          <a:xfrm>
+            <a:off x="3480025" y="1298550"/>
+            <a:ext cx="2675400" cy="632260"/>
+          </a:xfrm>
+          <a:prstGeom prst="rect">
+            <a:avLst/>
+          </a:prstGeom>
+          <a:noFill/>
+          <a:ln>
+            <a:noFill/>
+          </a:ln>
+        </p:spPr>
+      </p:pic>
+      <p:pic>
+        <p:nvPicPr>
+          <p:cNvPr id="366" name="Google Shape;366;p49"/>
+          <p:cNvPicPr preferRelativeResize="0"/>
+          <p:nvPr/>
+        </p:nvPicPr>
+        <p:blipFill>
+          <a:blip r:embed="rId6">
+            <a:alphaModFix/>
+          </a:blip>
+          <a:stretch>
+            <a:fillRect/>
+          </a:stretch>
+        </p:blipFill>
+        <p:spPr>
+          <a:xfrm>
+            <a:off x="510441" y="3473100"/>
+            <a:ext cx="2278571" cy="217500"/>
+          </a:xfrm>
+          <a:prstGeom prst="rect">
+            <a:avLst/>
+          </a:prstGeom>
+          <a:noFill/>
+          <a:ln>
+            <a:noFill/>
+          </a:ln>
+        </p:spPr>
+      </p:pic>
+      <p:pic>
+        <p:nvPicPr>
+          <p:cNvPr id="367" name="Google Shape;367;p49"/>
+          <p:cNvPicPr preferRelativeResize="0"/>
+          <p:nvPr/>
+        </p:nvPicPr>
+        <p:blipFill>
+          <a:blip r:embed="rId7">
+            <a:alphaModFix/>
+          </a:blip>
+          <a:stretch>
+            <a:fillRect/>
+          </a:stretch>
+        </p:blipFill>
+        <p:spPr>
+          <a:xfrm>
+            <a:off x="6836450" y="2668475"/>
+            <a:ext cx="1816200" cy="1172725"/>
+          </a:xfrm>
+          <a:prstGeom prst="rect">
+            <a:avLst/>
+          </a:prstGeom>
+          <a:noFill/>
+          <a:ln>
+            <a:noFill/>
+          </a:ln>
+        </p:spPr>
+      </p:pic>
+      <p:pic>
+        <p:nvPicPr>
+          <p:cNvPr id="368" name="Google Shape;368;p49"/>
+          <p:cNvPicPr preferRelativeResize="0"/>
+          <p:nvPr/>
+        </p:nvPicPr>
+        <p:blipFill>
+          <a:blip r:embed="rId8">
+            <a:alphaModFix/>
+          </a:blip>
+          <a:stretch>
+            <a:fillRect/>
+          </a:stretch>
+        </p:blipFill>
+        <p:spPr>
+          <a:xfrm>
+            <a:off x="3487038" y="3053301"/>
+            <a:ext cx="2169933" cy="827250"/>
+          </a:xfrm>
+          <a:prstGeom prst="rect">
+            <a:avLst/>
+          </a:prstGeom>
+          <a:noFill/>
+          <a:ln>
+            <a:noFill/>
+          </a:ln>
+        </p:spPr>
+      </p:pic>
       <p:sp>
         <p:nvSpPr>
-          <p:cNvPr id="364" name="Google Shape;364;p49"/>
+          <p:cNvPr id="369" name="Google Shape;369;p49"/>
           <p:cNvSpPr txBox="1"/>
           <p:nvPr>
             <p:ph type="title"/>
@@ -22515,8 +22945,8 @@
         </p:nvSpPr>
         <p:spPr>
           <a:xfrm>
-            <a:off x="280500" y="2571750"/>
-            <a:ext cx="8863500" cy="2430600"/>
+            <a:off x="3487049" y="2115850"/>
+            <a:ext cx="2675400" cy="217500"/>
           </a:xfrm>
           <a:prstGeom prst="rect">
             <a:avLst/>
@@ -22532,7 +22962,7 @@
           </a:bodyPr>
           <a:lstStyle/>
           <a:p>
-            <a:pPr indent="0" lvl="0" marL="0" rtl="0" algn="l">
+            <a:pPr indent="0" lvl="0" marL="0" rtl="0" algn="ctr">
               <a:lnSpc>
                 <a:spcPct val="100000"/>
               </a:lnSpc>
@@ -22546,114 +22976,43 @@
               <a:buNone/>
             </a:pPr>
             <a:r>
-              <a:t/>
-            </a:r>
-            <a:endParaRPr sz="2800"/>
-          </a:p>
-          <a:p>
-            <a:pPr indent="-406400" lvl="0" marL="457200" rtl="0" algn="l">
-              <a:lnSpc>
-                <a:spcPct val="115000"/>
-              </a:lnSpc>
-              <a:spcBef>
-                <a:spcPts val="0"/>
-              </a:spcBef>
-              <a:spcAft>
-                <a:spcPts val="0"/>
-              </a:spcAft>
-              <a:buSzPts val="2800"/>
-              <a:buChar char="➔"/>
-            </a:pPr>
-            <a:r>
-              <a:rPr lang="pt-BR" sz="2800"/>
-              <a:t>Maior transparência entre o time e o cliente.</a:t>
-            </a:r>
-            <a:endParaRPr sz="2800"/>
-          </a:p>
-          <a:p>
-            <a:pPr indent="-406400" lvl="0" marL="457200" rtl="0" algn="l">
-              <a:lnSpc>
-                <a:spcPct val="115000"/>
-              </a:lnSpc>
-              <a:spcBef>
-                <a:spcPts val="0"/>
-              </a:spcBef>
-              <a:spcAft>
-                <a:spcPts val="0"/>
-              </a:spcAft>
-              <a:buSzPts val="2800"/>
-              <a:buChar char="➔"/>
-            </a:pPr>
-            <a:r>
-              <a:rPr lang="pt-BR" sz="2800"/>
-              <a:t>Maior sintonia entre membros do time.</a:t>
-            </a:r>
-            <a:endParaRPr sz="2800"/>
-          </a:p>
-          <a:p>
-            <a:pPr indent="-406400" lvl="0" marL="457200" rtl="0" algn="l">
-              <a:lnSpc>
-                <a:spcPct val="115000"/>
-              </a:lnSpc>
-              <a:spcBef>
-                <a:spcPts val="0"/>
-              </a:spcBef>
-              <a:spcAft>
-                <a:spcPts val="0"/>
-              </a:spcAft>
-              <a:buSzPts val="2800"/>
-              <a:buChar char="➔"/>
-            </a:pPr>
-            <a:r>
-              <a:rPr lang="pt-BR" sz="2800"/>
-              <a:t>Aceleração do processo.</a:t>
-            </a:r>
-            <a:endParaRPr sz="2800"/>
-          </a:p>
-          <a:p>
-            <a:pPr indent="-406400" lvl="0" marL="457200" rtl="0" algn="l">
-              <a:lnSpc>
-                <a:spcPct val="115000"/>
-              </a:lnSpc>
-              <a:spcBef>
-                <a:spcPts val="0"/>
-              </a:spcBef>
-              <a:spcAft>
-                <a:spcPts val="0"/>
-              </a:spcAft>
-              <a:buSzPts val="2800"/>
-              <a:buChar char="➔"/>
-            </a:pPr>
-            <a:r>
-              <a:rPr lang="pt-BR" sz="2800"/>
-              <a:t>Arriscado para processos "engessados".</a:t>
-            </a:r>
-            <a:endParaRPr sz="2800"/>
-          </a:p>
-          <a:p>
-            <a:pPr indent="-406400" lvl="0" marL="457200" rtl="0" algn="l">
-              <a:lnSpc>
-                <a:spcPct val="115000"/>
-              </a:lnSpc>
-              <a:spcBef>
-                <a:spcPts val="0"/>
-              </a:spcBef>
-              <a:spcAft>
-                <a:spcPts val="0"/>
-              </a:spcAft>
-              <a:buSzPts val="2800"/>
-              <a:buChar char="➔"/>
-            </a:pPr>
-            <a:r>
-              <a:rPr lang="pt-BR" sz="2800"/>
-              <a:t>Crucial um estudo aprofundado e prévio antes da sua implementação</a:t>
-            </a:r>
-            <a:endParaRPr sz="2800"/>
-          </a:p>
-          <a:p>
-            <a:pPr indent="0" lvl="0" marL="0" rtl="0" algn="l">
-              <a:lnSpc>
-                <a:spcPct val="115000"/>
+              <a:rPr lang="pt-BR" sz="600"/>
+              <a:t>Fonte: Página Wikipedia</a:t>
+            </a:r>
+            <a:endParaRPr sz="600"/>
+          </a:p>
+        </p:txBody>
+      </p:sp>
+      <p:sp>
+        <p:nvSpPr>
+          <p:cNvPr id="370" name="Google Shape;370;p49"/>
+          <p:cNvSpPr txBox="1"/>
+          <p:nvPr>
+            <p:ph type="title"/>
+          </p:nvPr>
+        </p:nvSpPr>
+        <p:spPr>
+          <a:xfrm>
+            <a:off x="7044775" y="2115850"/>
+            <a:ext cx="1342500" cy="217500"/>
+          </a:xfrm>
+          <a:prstGeom prst="rect">
+            <a:avLst/>
+          </a:prstGeom>
+          <a:noFill/>
+          <a:ln>
+            <a:noFill/>
+          </a:ln>
+        </p:spPr>
+        <p:txBody>
+          <a:bodyPr anchorCtr="0" anchor="ctr" bIns="91425" lIns="91425" spcFirstLastPara="1" rIns="91425" wrap="square" tIns="91425">
+            <a:noAutofit/>
+          </a:bodyPr>
+          <a:lstStyle/>
+          <a:p>
+            <a:pPr indent="0" lvl="0" marL="0" rtl="0" algn="ctr">
+              <a:lnSpc>
+                <a:spcPct val="100000"/>
               </a:lnSpc>
               <a:spcBef>
                 <a:spcPts val="0"/>
@@ -22665,14 +23024,43 @@
               <a:buNone/>
             </a:pPr>
             <a:r>
-              <a:t/>
-            </a:r>
-            <a:endParaRPr sz="2800"/>
-          </a:p>
-          <a:p>
-            <a:pPr indent="0" lvl="0" marL="457200" rtl="0" algn="l">
-              <a:lnSpc>
-                <a:spcPct val="115000"/>
+              <a:rPr lang="pt-BR" sz="600"/>
+              <a:t>Fonte: Página Wikipedia</a:t>
+            </a:r>
+            <a:endParaRPr sz="600"/>
+          </a:p>
+        </p:txBody>
+      </p:sp>
+      <p:sp>
+        <p:nvSpPr>
+          <p:cNvPr id="371" name="Google Shape;371;p49"/>
+          <p:cNvSpPr txBox="1"/>
+          <p:nvPr>
+            <p:ph type="title"/>
+          </p:nvPr>
+        </p:nvSpPr>
+        <p:spPr>
+          <a:xfrm>
+            <a:off x="510449" y="3923250"/>
+            <a:ext cx="2278500" cy="217500"/>
+          </a:xfrm>
+          <a:prstGeom prst="rect">
+            <a:avLst/>
+          </a:prstGeom>
+          <a:noFill/>
+          <a:ln>
+            <a:noFill/>
+          </a:ln>
+        </p:spPr>
+        <p:txBody>
+          <a:bodyPr anchorCtr="0" anchor="ctr" bIns="91425" lIns="91425" spcFirstLastPara="1" rIns="91425" wrap="square" tIns="91425">
+            <a:noAutofit/>
+          </a:bodyPr>
+          <a:lstStyle/>
+          <a:p>
+            <a:pPr indent="0" lvl="0" marL="0" rtl="0" algn="ctr">
+              <a:lnSpc>
+                <a:spcPct val="100000"/>
               </a:lnSpc>
               <a:spcBef>
                 <a:spcPts val="0"/>
@@ -22684,12 +23072,41 @@
               <a:buNone/>
             </a:pPr>
             <a:r>
-              <a:t/>
-            </a:r>
-            <a:endParaRPr sz="2800"/>
-          </a:p>
-          <a:p>
-            <a:pPr indent="0" lvl="0" marL="457200" rtl="0" algn="l">
+              <a:rPr lang="pt-BR" sz="600"/>
+              <a:t>Fonte: Página Wikipedia</a:t>
+            </a:r>
+            <a:endParaRPr sz="600"/>
+          </a:p>
+        </p:txBody>
+      </p:sp>
+      <p:sp>
+        <p:nvSpPr>
+          <p:cNvPr id="372" name="Google Shape;372;p49"/>
+          <p:cNvSpPr txBox="1"/>
+          <p:nvPr>
+            <p:ph type="title"/>
+          </p:nvPr>
+        </p:nvSpPr>
+        <p:spPr>
+          <a:xfrm>
+            <a:off x="3486975" y="3923250"/>
+            <a:ext cx="2169900" cy="217500"/>
+          </a:xfrm>
+          <a:prstGeom prst="rect">
+            <a:avLst/>
+          </a:prstGeom>
+          <a:noFill/>
+          <a:ln>
+            <a:noFill/>
+          </a:ln>
+        </p:spPr>
+        <p:txBody>
+          <a:bodyPr anchorCtr="0" anchor="ctr" bIns="91425" lIns="91425" spcFirstLastPara="1" rIns="91425" wrap="square" tIns="91425">
+            <a:noAutofit/>
+          </a:bodyPr>
+          <a:lstStyle/>
+          <a:p>
+            <a:pPr indent="0" lvl="0" marL="0" rtl="0" algn="ctr">
               <a:lnSpc>
                 <a:spcPct val="100000"/>
               </a:lnSpc>
@@ -22703,9 +23120,58 @@
               <a:buNone/>
             </a:pPr>
             <a:r>
-              <a:t/>
-            </a:r>
-            <a:endParaRPr sz="2800"/>
+              <a:rPr lang="pt-BR" sz="600"/>
+              <a:t>Fonte: Página Nuvem</a:t>
+            </a:r>
+            <a:endParaRPr sz="600"/>
+          </a:p>
+        </p:txBody>
+      </p:sp>
+      <p:sp>
+        <p:nvSpPr>
+          <p:cNvPr id="373" name="Google Shape;373;p49"/>
+          <p:cNvSpPr txBox="1"/>
+          <p:nvPr>
+            <p:ph type="title"/>
+          </p:nvPr>
+        </p:nvSpPr>
+        <p:spPr>
+          <a:xfrm>
+            <a:off x="6836450" y="3923250"/>
+            <a:ext cx="1816200" cy="217500"/>
+          </a:xfrm>
+          <a:prstGeom prst="rect">
+            <a:avLst/>
+          </a:prstGeom>
+          <a:noFill/>
+          <a:ln>
+            <a:noFill/>
+          </a:ln>
+        </p:spPr>
+        <p:txBody>
+          <a:bodyPr anchorCtr="0" anchor="ctr" bIns="91425" lIns="91425" spcFirstLastPara="1" rIns="91425" wrap="square" tIns="91425">
+            <a:noAutofit/>
+          </a:bodyPr>
+          <a:lstStyle/>
+          <a:p>
+            <a:pPr indent="0" lvl="0" marL="0" rtl="0" algn="ctr">
+              <a:lnSpc>
+                <a:spcPct val="100000"/>
+              </a:lnSpc>
+              <a:spcBef>
+                <a:spcPts val="0"/>
+              </a:spcBef>
+              <a:spcAft>
+                <a:spcPts val="0"/>
+              </a:spcAft>
+              <a:buSzPts val="3600"/>
+              <a:buNone/>
+            </a:pPr>
+            <a:r>
+              <a:rPr lang="pt-BR" sz="600"/>
+              <a:t>Fonte: Página Tjmt</a:t>
+            </a:r>
+            <a:endParaRPr sz="600"/>
           </a:p>
         </p:txBody>
       </p:sp>
@@ -22722,7 +23188,7 @@
   <p:cSld>
     <p:spTree>
       <p:nvGrpSpPr>
-        <p:cNvPr id="368" name="Shape 368"/>
+        <p:cNvPr id="377" name="Shape 377"/>
         <p:cNvGrpSpPr/>
         <p:nvPr/>
       </p:nvGrpSpPr>
@@ -22736,7 +23202,7 @@
       </p:grpSpPr>
       <p:sp>
         <p:nvSpPr>
-          <p:cNvPr id="369" name="Google Shape;369;p50"/>
+          <p:cNvPr id="378" name="Google Shape;378;p50"/>
           <p:cNvSpPr txBox="1"/>
           <p:nvPr>
             <p:ph type="title"/>
@@ -22776,7 +23242,7 @@
             </a:pPr>
             <a:r>
               <a:rPr lang="pt-BR" sz="3400" u="sng"/>
-              <a:t>Escopo do Scrum </a:t>
+              <a:t>Considerações Finais</a:t>
             </a:r>
             <a:endParaRPr sz="3400" u="sng"/>
           </a:p>
@@ -22784,7 +23250,7 @@
       </p:sp>
       <p:sp>
         <p:nvSpPr>
-          <p:cNvPr id="370" name="Google Shape;370;p50"/>
+          <p:cNvPr id="379" name="Google Shape;379;p50"/>
           <p:cNvSpPr txBox="1"/>
           <p:nvPr>
             <p:ph type="title"/>
@@ -22824,7 +23290,7 @@
             </a:pPr>
             <a:r>
               <a:rPr lang="pt-BR" sz="600"/>
-              <a:t> Disponível em:https://reqtest.com/general/accountability-in-scrum/</a:t>
+              <a:t> Disponível em:https://dumielauxepices.net/wallpaper-3398700</a:t>
             </a:r>
             <a:endParaRPr sz="600"/>
           </a:p>
@@ -22832,7 +23298,7 @@
       </p:sp>
       <p:sp>
         <p:nvSpPr>
-          <p:cNvPr id="371" name="Google Shape;371;p50"/>
+          <p:cNvPr id="380" name="Google Shape;380;p50"/>
           <p:cNvSpPr txBox="1"/>
           <p:nvPr>
             <p:ph type="title"/>
@@ -22840,8 +23306,8 @@
         </p:nvSpPr>
         <p:spPr>
           <a:xfrm>
-            <a:off x="1741250" y="4860925"/>
-            <a:ext cx="5661900" cy="217500"/>
+            <a:off x="7380213" y="2354250"/>
+            <a:ext cx="1554300" cy="217500"/>
           </a:xfrm>
           <a:prstGeom prst="rect">
             <a:avLst/>
@@ -22872,45 +23338,7 @@
             </a:pPr>
             <a:r>
               <a:rPr lang="pt-BR" sz="600"/>
-              <a:t>Fonte: Página Reqtest</a:t>
-            </a:r>
-            <a:endParaRPr sz="600"/>
-          </a:p>
-          <a:p>
-            <a:pPr indent="0" lvl="0" marL="0" rtl="0" algn="ctr">
-              <a:lnSpc>
-                <a:spcPct val="100000"/>
-              </a:lnSpc>
-              <a:spcBef>
-                <a:spcPts val="0"/>
-              </a:spcBef>
-              <a:spcAft>
-                <a:spcPts val="0"/>
-              </a:spcAft>
-              <a:buSzPts val="3600"/>
-              <a:buNone/>
-            </a:pPr>
-            <a:r>
-              <a:t/>
-            </a:r>
-            <a:endParaRPr sz="600"/>
-          </a:p>
-          <a:p>
-            <a:pPr indent="0" lvl="0" marL="0" rtl="0" algn="ctr">
-              <a:lnSpc>
-                <a:spcPct val="100000"/>
-              </a:lnSpc>
-              <a:spcBef>
-                <a:spcPts val="0"/>
-              </a:spcBef>
-              <a:spcAft>
-                <a:spcPts val="0"/>
-              </a:spcAft>
-              <a:buSzPts val="3600"/>
-              <a:buNone/>
-            </a:pPr>
-            <a:r>
-              <a:t/>
+              <a:t>Fonte: Página Dumielauxepices</a:t>
             </a:r>
             <a:endParaRPr sz="600"/>
           </a:p>
@@ -22918,7 +23346,7 @@
       </p:sp>
       <p:pic>
         <p:nvPicPr>
-          <p:cNvPr id="372" name="Google Shape;372;p50"/>
+          <p:cNvPr id="381" name="Google Shape;381;p50"/>
           <p:cNvPicPr preferRelativeResize="0"/>
           <p:nvPr/>
         </p:nvPicPr>
@@ -22931,8 +23359,8 @@
         </p:blipFill>
         <p:spPr>
           <a:xfrm>
-            <a:off x="1741150" y="558213"/>
-            <a:ext cx="5661850" cy="4246387"/>
+            <a:off x="7257036" y="501898"/>
+            <a:ext cx="1800675" cy="1800675"/>
           </a:xfrm>
           <a:prstGeom prst="rect">
             <a:avLst/>
@@ -22943,6 +23371,210 @@
           </a:ln>
         </p:spPr>
       </p:pic>
+      <p:sp>
+        <p:nvSpPr>
+          <p:cNvPr id="382" name="Google Shape;382;p50"/>
+          <p:cNvSpPr txBox="1"/>
+          <p:nvPr>
+            <p:ph type="title"/>
+          </p:nvPr>
+        </p:nvSpPr>
+        <p:spPr>
+          <a:xfrm>
+            <a:off x="280500" y="2571750"/>
+            <a:ext cx="8863500" cy="2430600"/>
+          </a:xfrm>
+          <a:prstGeom prst="rect">
+            <a:avLst/>
+          </a:prstGeom>
+          <a:noFill/>
+          <a:ln>
+            <a:noFill/>
+          </a:ln>
+        </p:spPr>
+        <p:txBody>
+          <a:bodyPr anchorCtr="0" anchor="ctr" bIns="91425" lIns="91425" spcFirstLastPara="1" rIns="91425" wrap="square" tIns="91425">
+            <a:noAutofit/>
+          </a:bodyPr>
+          <a:lstStyle/>
+          <a:p>
+            <a:pPr indent="0" lvl="0" marL="0" rtl="0" algn="l">
+              <a:lnSpc>
+                <a:spcPct val="100000"/>
+              </a:lnSpc>
+              <a:spcBef>
+                <a:spcPts val="0"/>
+              </a:spcBef>
+              <a:spcAft>
+                <a:spcPts val="0"/>
+              </a:spcAft>
+              <a:buSzPts val="3600"/>
+              <a:buNone/>
+            </a:pPr>
+            <a:r>
+              <a:t/>
+            </a:r>
+            <a:endParaRPr sz="2800"/>
+          </a:p>
+          <a:p>
+            <a:pPr indent="-406400" lvl="0" marL="457200" rtl="0" algn="l">
+              <a:lnSpc>
+                <a:spcPct val="115000"/>
+              </a:lnSpc>
+              <a:spcBef>
+                <a:spcPts val="0"/>
+              </a:spcBef>
+              <a:spcAft>
+                <a:spcPts val="0"/>
+              </a:spcAft>
+              <a:buSzPts val="2800"/>
+              <a:buChar char="➔"/>
+            </a:pPr>
+            <a:r>
+              <a:rPr lang="pt-BR" sz="2800"/>
+              <a:t>Maior transparência entre o time e o cliente.</a:t>
+            </a:r>
+            <a:endParaRPr sz="2800"/>
+          </a:p>
+          <a:p>
+            <a:pPr indent="-406400" lvl="0" marL="457200" rtl="0" algn="l">
+              <a:lnSpc>
+                <a:spcPct val="115000"/>
+              </a:lnSpc>
+              <a:spcBef>
+                <a:spcPts val="0"/>
+              </a:spcBef>
+              <a:spcAft>
+                <a:spcPts val="0"/>
+              </a:spcAft>
+              <a:buSzPts val="2800"/>
+              <a:buChar char="➔"/>
+            </a:pPr>
+            <a:r>
+              <a:rPr lang="pt-BR" sz="2800"/>
+              <a:t>Maior sintonia entre membros do time.</a:t>
+            </a:r>
+            <a:endParaRPr sz="2800"/>
+          </a:p>
+          <a:p>
+            <a:pPr indent="-406400" lvl="0" marL="457200" rtl="0" algn="l">
+              <a:lnSpc>
+                <a:spcPct val="115000"/>
+              </a:lnSpc>
+              <a:spcBef>
+                <a:spcPts val="0"/>
+              </a:spcBef>
+              <a:spcAft>
+                <a:spcPts val="0"/>
+              </a:spcAft>
+              <a:buSzPts val="2800"/>
+              <a:buChar char="➔"/>
+            </a:pPr>
+            <a:r>
+              <a:rPr lang="pt-BR" sz="2800"/>
+              <a:t>Aceleração do processo.</a:t>
+            </a:r>
+            <a:endParaRPr sz="2800"/>
+          </a:p>
+          <a:p>
+            <a:pPr indent="-406400" lvl="0" marL="457200" rtl="0" algn="l">
+              <a:lnSpc>
+                <a:spcPct val="115000"/>
+              </a:lnSpc>
+              <a:spcBef>
+                <a:spcPts val="0"/>
+              </a:spcBef>
+              <a:spcAft>
+                <a:spcPts val="0"/>
+              </a:spcAft>
+              <a:buSzPts val="2800"/>
+              <a:buChar char="➔"/>
+            </a:pPr>
+            <a:r>
+              <a:rPr lang="pt-BR" sz="2800"/>
+              <a:t>Arriscado para processos "engessados".</a:t>
+            </a:r>
+            <a:endParaRPr sz="2800"/>
+          </a:p>
+          <a:p>
+            <a:pPr indent="-406400" lvl="0" marL="457200" rtl="0" algn="l">
+              <a:lnSpc>
+                <a:spcPct val="115000"/>
+              </a:lnSpc>
+              <a:spcBef>
+                <a:spcPts val="0"/>
+              </a:spcBef>
+              <a:spcAft>
+                <a:spcPts val="0"/>
+              </a:spcAft>
+              <a:buSzPts val="2800"/>
+              <a:buChar char="➔"/>
+            </a:pPr>
+            <a:r>
+              <a:rPr lang="pt-BR" sz="2800"/>
+              <a:t>Crucial um estudo aprofundado e prévio antes da sua implementação</a:t>
+            </a:r>
+            <a:endParaRPr sz="2800"/>
+          </a:p>
+          <a:p>
+            <a:pPr indent="0" lvl="0" marL="0" rtl="0" algn="l">
+              <a:lnSpc>
+                <a:spcPct val="115000"/>
+              </a:lnSpc>
+              <a:spcBef>
+                <a:spcPts val="0"/>
+              </a:spcBef>
+              <a:spcAft>
+                <a:spcPts val="0"/>
+              </a:spcAft>
+              <a:buSzPts val="3600"/>
+              <a:buNone/>
+            </a:pPr>
+            <a:r>
+              <a:t/>
+            </a:r>
+            <a:endParaRPr sz="2800"/>
+          </a:p>
+          <a:p>
+            <a:pPr indent="0" lvl="0" marL="457200" rtl="0" algn="l">
+              <a:lnSpc>
+                <a:spcPct val="115000"/>
+              </a:lnSpc>
+              <a:spcBef>
+                <a:spcPts val="0"/>
+              </a:spcBef>
+              <a:spcAft>
+                <a:spcPts val="0"/>
+              </a:spcAft>
+              <a:buSzPts val="3600"/>
+              <a:buNone/>
+            </a:pPr>
+            <a:r>
+              <a:t/>
+            </a:r>
+            <a:endParaRPr sz="2800"/>
+          </a:p>
+          <a:p>
+            <a:pPr indent="0" lvl="0" marL="457200" rtl="0" algn="l">
+              <a:lnSpc>
+                <a:spcPct val="100000"/>
+              </a:lnSpc>
+              <a:spcBef>
+                <a:spcPts val="0"/>
+              </a:spcBef>
+              <a:spcAft>
+                <a:spcPts val="0"/>
+              </a:spcAft>
+              <a:buSzPts val="3600"/>
+              <a:buNone/>
+            </a:pPr>
+            <a:r>
+              <a:t/>
+            </a:r>
+            <a:endParaRPr sz="2800"/>
+          </a:p>
+        </p:txBody>
+      </p:sp>
     </p:spTree>
   </p:cSld>
   <p:clrMapOvr>
@@ -22956,7 +23588,7 @@
   <p:cSld>
     <p:spTree>
       <p:nvGrpSpPr>
-        <p:cNvPr id="376" name="Shape 376"/>
+        <p:cNvPr id="386" name="Shape 386"/>
         <p:cNvGrpSpPr/>
         <p:nvPr/>
       </p:nvGrpSpPr>
@@ -22970,7 +23602,7 @@
       </p:grpSpPr>
       <p:sp>
         <p:nvSpPr>
-          <p:cNvPr id="377" name="Google Shape;377;p51"/>
+          <p:cNvPr id="387" name="Google Shape;387;p51"/>
           <p:cNvSpPr txBox="1"/>
           <p:nvPr>
             <p:ph type="title"/>
@@ -23010,7 +23642,7 @@
             </a:pPr>
             <a:r>
               <a:rPr lang="pt-BR" sz="3400" u="sng"/>
-              <a:t>Referências Bibliográficas</a:t>
+              <a:t>Escopo do Scrum </a:t>
             </a:r>
             <a:endParaRPr sz="3400" u="sng"/>
           </a:p>
@@ -23018,7 +23650,7 @@
       </p:sp>
       <p:sp>
         <p:nvSpPr>
-          <p:cNvPr id="378" name="Google Shape;378;p51"/>
+          <p:cNvPr id="388" name="Google Shape;388;p51"/>
           <p:cNvSpPr txBox="1"/>
           <p:nvPr>
             <p:ph type="title"/>
@@ -23026,8 +23658,8 @@
         </p:nvSpPr>
         <p:spPr>
           <a:xfrm>
-            <a:off x="50" y="881550"/>
-            <a:ext cx="9080700" cy="4262100"/>
+            <a:off x="0" y="5002200"/>
+            <a:ext cx="9144000" cy="217500"/>
           </a:xfrm>
           <a:prstGeom prst="rect">
             <a:avLst/>
@@ -23043,119 +23675,140 @@
           </a:bodyPr>
           <a:lstStyle/>
           <a:p>
-            <a:pPr indent="-292100" lvl="0" marL="457200" rtl="0" algn="just">
-              <a:lnSpc>
-                <a:spcPct val="200000"/>
-              </a:lnSpc>
-              <a:spcBef>
-                <a:spcPts val="0"/>
-              </a:spcBef>
-              <a:spcAft>
-                <a:spcPts val="0"/>
-              </a:spcAft>
-              <a:buSzPts val="1000"/>
-              <a:buChar char="●"/>
-            </a:pPr>
-            <a:r>
-              <a:rPr lang="pt-BR" sz="1000"/>
-              <a:t>ALVES, Dennis. Ferramenta para apoio à estimativa baseada em Planning Poker utilizando a metodologia Scrum. Recife. 2012. Disponível em: &lt;http://www.cin.ufpe.br/~tg/2012-1/dwas.pdf&gt; Acesso em: 03 outubro 2018.</a:t>
-            </a:r>
-            <a:endParaRPr sz="1000"/>
-          </a:p>
-          <a:p>
-            <a:pPr indent="-292100" lvl="0" marL="457200" rtl="0" algn="just">
-              <a:lnSpc>
-                <a:spcPct val="200000"/>
-              </a:lnSpc>
-              <a:spcBef>
-                <a:spcPts val="0"/>
-              </a:spcBef>
-              <a:spcAft>
-                <a:spcPts val="0"/>
-              </a:spcAft>
-              <a:buSzPts val="1000"/>
-              <a:buChar char="●"/>
-            </a:pPr>
-            <a:r>
-              <a:rPr lang="pt-BR" sz="1000"/>
-              <a:t>BECK, K. et al. The agile manifesto. 2001. </a:t>
-            </a:r>
-            <a:r>
-              <a:rPr lang="pt-BR" sz="1000">
-                <a:highlight>
-                  <a:srgbClr val="FFFFFF"/>
-                </a:highlight>
-              </a:rPr>
-              <a:t>Disponível em: &lt;http://www.agilemanifesto.org/&gt;.</a:t>
-            </a:r>
-            <a:r>
-              <a:rPr lang="pt-BR" sz="1000"/>
-              <a:t> Acesso em: 03 setembro 2018.</a:t>
-            </a:r>
-            <a:endParaRPr sz="1000"/>
-          </a:p>
-          <a:p>
-            <a:pPr indent="-292100" lvl="0" marL="457200" rtl="0" algn="just">
-              <a:lnSpc>
-                <a:spcPct val="200000"/>
-              </a:lnSpc>
-              <a:spcBef>
-                <a:spcPts val="0"/>
-              </a:spcBef>
-              <a:spcAft>
-                <a:spcPts val="0"/>
-              </a:spcAft>
-              <a:buSzPts val="1000"/>
-              <a:buChar char="●"/>
-            </a:pPr>
-            <a:r>
-              <a:rPr lang="pt-BR" sz="1000"/>
-              <a:t>BRAZ, Alan. Introdução ao Scrum. [S.l.]. Disponível em: &lt;http://www.ic.unicamp.br/~ariadne/mc436/1s2014/Scrum-Alan.pdf&gt; Acesso em: 03 outubro 2018.</a:t>
-            </a:r>
-            <a:endParaRPr sz="1000"/>
-          </a:p>
-          <a:p>
-            <a:pPr indent="-292100" lvl="0" marL="457200" rtl="0" algn="just">
-              <a:lnSpc>
-                <a:spcPct val="200000"/>
-              </a:lnSpc>
-              <a:spcBef>
-                <a:spcPts val="0"/>
-              </a:spcBef>
-              <a:spcAft>
-                <a:spcPts val="0"/>
-              </a:spcAft>
-              <a:buSzPts val="1000"/>
-              <a:buChar char="●"/>
-            </a:pPr>
-            <a:r>
-              <a:rPr lang="pt-BR" sz="1000"/>
-              <a:t>CARVALHO, Bernardo; MELLO, Carlos. Aplicação do método ágil Scrum no desenvolvimento de produtos de software em uma pequena empresa de base tecnológica São Carlos. Gestão e Produção, 2012: v. 19 n.3 . Disponível em:  &lt;http://www.scielo.br/scielo.php?script=sci_arttext&amp;pid=S0104-530X2012000300009&gt;Acesso em: 03 outubros 2018.</a:t>
-            </a:r>
-            <a:endParaRPr sz="1000"/>
-          </a:p>
-          <a:p>
-            <a:pPr indent="-292100" lvl="0" marL="457200" rtl="0" algn="just">
-              <a:lnSpc>
-                <a:spcPct val="200000"/>
-              </a:lnSpc>
-              <a:spcBef>
-                <a:spcPts val="0"/>
-              </a:spcBef>
-              <a:spcAft>
-                <a:spcPts val="0"/>
-              </a:spcAft>
-              <a:buSzPts val="1000"/>
-              <a:buChar char="●"/>
-            </a:pPr>
-            <a:r>
-              <a:rPr lang="pt-BR" sz="1000"/>
-              <a:t>FERREIRA, Décio. et al. SCRUM: Um modelo ágil para gestão de projetos de software.  Disponível em: &lt;http://paginas.fe.up.pt/~aaguiar/es/artigos%20finais/es_final_19.pdf&gt;. Acesso em: 02 outubro 2018.</a:t>
-            </a:r>
-            <a:endParaRPr sz="1000"/>
+            <a:pPr indent="0" lvl="0" marL="0" rtl="0" algn="l">
+              <a:lnSpc>
+                <a:spcPct val="100000"/>
+              </a:lnSpc>
+              <a:spcBef>
+                <a:spcPts val="0"/>
+              </a:spcBef>
+              <a:spcAft>
+                <a:spcPts val="0"/>
+              </a:spcAft>
+              <a:buSzPts val="3600"/>
+              <a:buNone/>
+            </a:pPr>
+            <a:r>
+              <a:rPr lang="pt-BR" sz="600"/>
+              <a:t> Disponível em:https://reqtest.com/general/accountability-in-scrum/</a:t>
+            </a:r>
+            <a:endParaRPr sz="600"/>
           </a:p>
         </p:txBody>
       </p:sp>
+      <p:sp>
+        <p:nvSpPr>
+          <p:cNvPr id="389" name="Google Shape;389;p51"/>
+          <p:cNvSpPr txBox="1"/>
+          <p:nvPr>
+            <p:ph type="title"/>
+          </p:nvPr>
+        </p:nvSpPr>
+        <p:spPr>
+          <a:xfrm>
+            <a:off x="1741250" y="4860925"/>
+            <a:ext cx="5661900" cy="217500"/>
+          </a:xfrm>
+          <a:prstGeom prst="rect">
+            <a:avLst/>
+          </a:prstGeom>
+          <a:noFill/>
+          <a:ln>
+            <a:noFill/>
+          </a:ln>
+        </p:spPr>
+        <p:txBody>
+          <a:bodyPr anchorCtr="0" anchor="ctr" bIns="91425" lIns="91425" spcFirstLastPara="1" rIns="91425" wrap="square" tIns="91425">
+            <a:noAutofit/>
+          </a:bodyPr>
+          <a:lstStyle/>
+          <a:p>
+            <a:pPr indent="0" lvl="0" marL="0" rtl="0" algn="ctr">
+              <a:lnSpc>
+                <a:spcPct val="100000"/>
+              </a:lnSpc>
+              <a:spcBef>
+                <a:spcPts val="0"/>
+              </a:spcBef>
+              <a:spcAft>
+                <a:spcPts val="0"/>
+              </a:spcAft>
+              <a:buSzPts val="3600"/>
+              <a:buNone/>
+            </a:pPr>
+            <a:r>
+              <a:rPr lang="pt-BR" sz="600"/>
+              <a:t>Fonte: Página Reqtest</a:t>
+            </a:r>
+            <a:endParaRPr sz="600"/>
+          </a:p>
+          <a:p>
+            <a:pPr indent="0" lvl="0" marL="0" rtl="0" algn="ctr">
+              <a:lnSpc>
+                <a:spcPct val="100000"/>
+              </a:lnSpc>
+              <a:spcBef>
+                <a:spcPts val="0"/>
+              </a:spcBef>
+              <a:spcAft>
+                <a:spcPts val="0"/>
+              </a:spcAft>
+              <a:buSzPts val="3600"/>
+              <a:buNone/>
+            </a:pPr>
+            <a:r>
+              <a:t/>
+            </a:r>
+            <a:endParaRPr sz="600"/>
+          </a:p>
+          <a:p>
+            <a:pPr indent="0" lvl="0" marL="0" rtl="0" algn="ctr">
+              <a:lnSpc>
+                <a:spcPct val="100000"/>
+              </a:lnSpc>
+              <a:spcBef>
+                <a:spcPts val="0"/>
+              </a:spcBef>
+              <a:spcAft>
+                <a:spcPts val="0"/>
+              </a:spcAft>
+              <a:buSzPts val="3600"/>
+              <a:buNone/>
+            </a:pPr>
+            <a:r>
+              <a:t/>
+            </a:r>
+            <a:endParaRPr sz="600"/>
+          </a:p>
+        </p:txBody>
+      </p:sp>
+      <p:pic>
+        <p:nvPicPr>
+          <p:cNvPr id="390" name="Google Shape;390;p51"/>
+          <p:cNvPicPr preferRelativeResize="0"/>
+          <p:nvPr/>
+        </p:nvPicPr>
+        <p:blipFill rotWithShape="1">
+          <a:blip r:embed="rId3">
+            <a:alphaModFix/>
+          </a:blip>
+          <a:srcRect b="0" l="0" r="0" t="0"/>
+          <a:stretch/>
+        </p:blipFill>
+        <p:spPr>
+          <a:xfrm>
+            <a:off x="1741150" y="558213"/>
+            <a:ext cx="5661850" cy="4246387"/>
+          </a:xfrm>
+          <a:prstGeom prst="rect">
+            <a:avLst/>
+          </a:prstGeom>
+          <a:noFill/>
+          <a:ln>
+            <a:noFill/>
+          </a:ln>
+        </p:spPr>
+      </p:pic>
     </p:spTree>
   </p:cSld>
   <p:clrMapOvr>
@@ -23471,7 +24124,7 @@
   <p:cSld>
     <p:spTree>
       <p:nvGrpSpPr>
-        <p:cNvPr id="382" name="Shape 382"/>
+        <p:cNvPr id="394" name="Shape 394"/>
         <p:cNvGrpSpPr/>
         <p:nvPr/>
       </p:nvGrpSpPr>
@@ -23485,7 +24138,7 @@
       </p:grpSpPr>
       <p:sp>
         <p:nvSpPr>
-          <p:cNvPr id="383" name="Google Shape;383;p52"/>
+          <p:cNvPr id="395" name="Google Shape;395;p52"/>
           <p:cNvSpPr txBox="1"/>
           <p:nvPr>
             <p:ph type="title"/>
@@ -23533,7 +24186,7 @@
       </p:sp>
       <p:sp>
         <p:nvSpPr>
-          <p:cNvPr id="384" name="Google Shape;384;p52"/>
+          <p:cNvPr id="396" name="Google Shape;396;p52"/>
           <p:cNvSpPr txBox="1"/>
           <p:nvPr>
             <p:ph type="title"/>
@@ -23542,7 +24195,7 @@
         <p:spPr>
           <a:xfrm>
             <a:off x="50" y="881550"/>
-            <a:ext cx="9067500" cy="4262100"/>
+            <a:ext cx="9080700" cy="4262100"/>
           </a:xfrm>
           <a:prstGeom prst="rect">
             <a:avLst/>
@@ -23573,7 +24226,7 @@
             </a:pPr>
             <a:r>
               <a:rPr lang="pt-BR" sz="1000"/>
-              <a:t>Haugen, N. C. (2006). "An Empirical Study of Using Planning Poker for User Story Estimation". Proceedings of the Conference on AGILE 2006 (pp. 23-34). Washington (DC): IEEEC Computer Society. Disponível em: &lt;https://ieeexplore.ieee.org/document/1667560&gt; Acesso em 01 outubro 2018.</a:t>
+              <a:t>ALVES, Dennis. Ferramenta para apoio à estimativa baseada em Planning Poker utilizando a metodologia Scrum. Recife. 2012. Disponível em: &lt;http://www.cin.ufpe.br/~tg/2012-1/dwas.pdf&gt; Acesso em: 03 outubro 2018.</a:t>
             </a:r>
             <a:endParaRPr sz="1000"/>
           </a:p>
@@ -23583,7 +24236,7 @@
                 <a:spcPct val="200000"/>
               </a:lnSpc>
               <a:spcBef>
-                <a:spcPts val="1200"/>
+                <a:spcPts val="0"/>
               </a:spcBef>
               <a:spcAft>
                 <a:spcPts val="0"/>
@@ -23593,7 +24246,19 @@
             </a:pPr>
             <a:r>
               <a:rPr lang="pt-BR" sz="1000"/>
-              <a:t>KNIBERG, Henrik. Scrum and XP from the Trenches: How we do Scrum. [S.l] InfoQ. 2007. Disponível em: &lt;https://www.infoq.com/minibooks/scrum-xp-from-the-trenches-2&gt; Acesso em: 04 setembro 2018.</a:t>
+              <a:t>BECK, K. et al. The agile manifesto. 2001. </a:t>
+            </a:r>
+            <a:r>
+              <a:rPr lang="pt-BR" sz="1000">
+                <a:highlight>
+                  <a:srgbClr val="FFFFFF"/>
+                </a:highlight>
+              </a:rPr>
+              <a:t>Disponível em: &lt;http://www.agilemanifesto.org/&gt;.</a:t>
+            </a:r>
+            <a:r>
+              <a:rPr lang="pt-BR" sz="1000"/>
+              <a:t> Acesso em: 03 setembro 2018.</a:t>
             </a:r>
             <a:endParaRPr sz="1000"/>
           </a:p>
@@ -23603,7 +24268,7 @@
                 <a:spcPct val="200000"/>
               </a:lnSpc>
               <a:spcBef>
-                <a:spcPts val="1200"/>
+                <a:spcPts val="0"/>
               </a:spcBef>
               <a:spcAft>
                 <a:spcPts val="0"/>
@@ -23613,7 +24278,7 @@
             </a:pPr>
             <a:r>
               <a:rPr lang="pt-BR" sz="1000"/>
-              <a:t>LIMA, Rosangela; OLIVEIRA, Eneida. Estado da arte sobre o uso do Scrum em ambientes de desenvolvimento distribuído de software. Revista de Sistemas e Computação. 2011, v. 1, n.2: p. 106-119. Disponível em: &lt;http://www.revistas.unifacs.br/index.php/rsc/article/view/1902&gt;. Acesso em: 01 outubro 2018.</a:t>
+              <a:t>BRAZ, Alan. Introdução ao Scrum. [S.l.]. Disponível em: &lt;http://www.ic.unicamp.br/~ariadne/mc436/1s2014/Scrum-Alan.pdf&gt; Acesso em: 03 outubro 2018.</a:t>
             </a:r>
             <a:endParaRPr sz="1000"/>
           </a:p>
@@ -23623,7 +24288,7 @@
                 <a:spcPct val="200000"/>
               </a:lnSpc>
               <a:spcBef>
-                <a:spcPts val="1200"/>
+                <a:spcPts val="0"/>
               </a:spcBef>
               <a:spcAft>
                 <a:spcPts val="0"/>
@@ -23633,26 +24298,27 @@
             </a:pPr>
             <a:r>
               <a:rPr lang="pt-BR" sz="1000"/>
-              <a:t>PAASIVAARA, Maria; LASSENIUS, Casper; HEIKILLA, Ville. Inter-team Coordination in Large Scale Globally Distributed Scrum: Do Scrum-of-Scrums Really Work?, ESEM '12 Proceedings of the ACM-IEEE ISESE P. 235-238. Disponível em:&lt;http://dl.acm.org/citation.cfm?doid=2372251.2372294&gt;. Acesso em: 01 outubro 2018.</a:t>
+              <a:t>CARVALHO, Bernardo; MELLO, Carlos. Aplicação do método ágil Scrum no desenvolvimento de produtos de software em uma pequena empresa de base tecnológica São Carlos. Gestão e Produção, 2012: v. 19 n.3 . Disponível em:  &lt;http://www.scielo.br/scielo.php?script=sci_arttext&amp;pid=S0104-530X2012000300009&gt;Acesso em: 03 outubros 2018.</a:t>
             </a:r>
             <a:endParaRPr sz="1000"/>
           </a:p>
           <a:p>
-            <a:pPr indent="0" lvl="0" marL="457200" rtl="0" algn="just">
+            <a:pPr indent="-292100" lvl="0" marL="457200" rtl="0" algn="just">
               <a:lnSpc>
                 <a:spcPct val="200000"/>
               </a:lnSpc>
               <a:spcBef>
-                <a:spcPts val="1200"/>
-              </a:spcBef>
-              <a:spcAft>
-                <a:spcPts val="1200"/>
-              </a:spcAft>
-              <a:buSzPts val="3600"/>
-              <a:buNone/>
-            </a:pPr>
-            <a:r>
-              <a:t/>
+                <a:spcPts val="0"/>
+              </a:spcBef>
+              <a:spcAft>
+                <a:spcPts val="0"/>
+              </a:spcAft>
+              <a:buSzPts val="1000"/>
+              <a:buChar char="●"/>
+            </a:pPr>
+            <a:r>
+              <a:rPr lang="pt-BR" sz="1000"/>
+              <a:t>FERREIRA, Décio. et al. SCRUM: Um modelo ágil para gestão de projetos de software.  Disponível em: &lt;http://paginas.fe.up.pt/~aaguiar/es/artigos%20finais/es_final_19.pdf&gt;. Acesso em: 02 outubro 2018.</a:t>
             </a:r>
             <a:endParaRPr sz="1000"/>
           </a:p>
@@ -23671,7 +24337,7 @@
   <p:cSld>
     <p:spTree>
       <p:nvGrpSpPr>
-        <p:cNvPr id="388" name="Shape 388"/>
+        <p:cNvPr id="400" name="Shape 400"/>
         <p:cNvGrpSpPr/>
         <p:nvPr/>
       </p:nvGrpSpPr>
@@ -23685,7 +24351,7 @@
       </p:grpSpPr>
       <p:sp>
         <p:nvSpPr>
-          <p:cNvPr id="389" name="Google Shape;389;p53"/>
+          <p:cNvPr id="401" name="Google Shape;401;p53"/>
           <p:cNvSpPr txBox="1"/>
           <p:nvPr>
             <p:ph type="title"/>
@@ -23733,7 +24399,7 @@
       </p:sp>
       <p:sp>
         <p:nvSpPr>
-          <p:cNvPr id="390" name="Google Shape;390;p53"/>
+          <p:cNvPr id="402" name="Google Shape;402;p53"/>
           <p:cNvSpPr txBox="1"/>
           <p:nvPr>
             <p:ph type="title"/>
@@ -23742,7 +24408,7 @@
         <p:spPr>
           <a:xfrm>
             <a:off x="50" y="881550"/>
-            <a:ext cx="9027600" cy="4262100"/>
+            <a:ext cx="9067500" cy="4262100"/>
           </a:xfrm>
           <a:prstGeom prst="rect">
             <a:avLst/>
@@ -23758,31 +24424,12 @@
           </a:bodyPr>
           <a:lstStyle/>
           <a:p>
-            <a:pPr indent="0" lvl="0" marL="0" rtl="0" algn="just">
+            <a:pPr indent="-292100" lvl="0" marL="457200" rtl="0" algn="just">
               <a:lnSpc>
                 <a:spcPct val="200000"/>
               </a:lnSpc>
               <a:spcBef>
                 <a:spcPts val="0"/>
-              </a:spcBef>
-              <a:spcAft>
-                <a:spcPts val="0"/>
-              </a:spcAft>
-              <a:buSzPts val="3600"/>
-              <a:buNone/>
-            </a:pPr>
-            <a:r>
-              <a:t/>
-            </a:r>
-            <a:endParaRPr sz="1000"/>
-          </a:p>
-          <a:p>
-            <a:pPr indent="-292100" lvl="0" marL="457200" rtl="0" algn="just">
-              <a:lnSpc>
-                <a:spcPct val="200000"/>
-              </a:lnSpc>
-              <a:spcBef>
-                <a:spcPts val="1200"/>
               </a:spcBef>
               <a:spcAft>
                 <a:spcPts val="0"/>
@@ -23792,7 +24439,7 @@
             </a:pPr>
             <a:r>
               <a:rPr lang="pt-BR" sz="1000"/>
-              <a:t>PARENTE, Herbert. Definição de Pronto, 2015. Disponível em: &lt;http://governoagil.com.br/2015/05/25/definicao-de-pronto/&gt;. Acesso em: 04 setembro 2018.</a:t>
+              <a:t>Haugen, N. C. (2006). "An Empirical Study of Using Planning Poker for User Story Estimation". Proceedings of the Conference on AGILE 2006 (pp. 23-34). Washington (DC): IEEEC Computer Society. Disponível em: &lt;https://ieeexplore.ieee.org/document/1667560&gt; Acesso em 01 outubro 2018.</a:t>
             </a:r>
             <a:endParaRPr sz="1000"/>
           </a:p>
@@ -23812,7 +24459,7 @@
             </a:pPr>
             <a:r>
               <a:rPr lang="pt-BR" sz="1000"/>
-              <a:t>POSSA, João. Escalonando o Scrum Dentro de uma Empresa de Desenvolvimento de Software com Equipes Geograficamente Distribuídas, 2013. Brasília, p. 46. Disponível em: &lt;http://bdm.unb.br/handle/10483/13611&gt; Acesso em: 01 outubro 2018.</a:t>
+              <a:t>KNIBERG, Henrik. Scrum and XP from the Trenches: How we do Scrum. [S.l] InfoQ. 2007. Disponível em: &lt;https://www.infoq.com/minibooks/scrum-xp-from-the-trenches-2&gt; Acesso em: 04 setembro 2018.</a:t>
             </a:r>
             <a:endParaRPr sz="1000"/>
           </a:p>
@@ -23832,27 +24479,7 @@
             </a:pPr>
             <a:r>
               <a:rPr lang="pt-BR" sz="1000"/>
-              <a:t>SCHWABER, Ken; SUTHERLAND, Jeff. Guia do Scrum. [S.l.].</a:t>
-            </a:r>
-            <a:r>
-              <a:rPr b="1" lang="pt-BR" sz="1000"/>
-              <a:t> </a:t>
-            </a:r>
-            <a:r>
-              <a:rPr lang="pt-BR" sz="1000"/>
-              <a:t>2013. </a:t>
-            </a:r>
-            <a:r>
-              <a:rPr lang="pt-BR" sz="1000">
-                <a:highlight>
-                  <a:srgbClr val="FFFFFF"/>
-                </a:highlight>
-              </a:rPr>
-              <a:t>Disponível em: &lt;</a:t>
-            </a:r>
-            <a:r>
-              <a:rPr lang="pt-BR" sz="1000"/>
-              <a:t>https://www.scrumguides.org/docs/scrumguide/v1/Scrum-Guide-Portuguese-BR.pdf Acesso em: 03 setembro 2018.</a:t>
+              <a:t>LIMA, Rosangela; OLIVEIRA, Eneida. Estado da arte sobre o uso do Scrum em ambientes de desenvolvimento distribuído de software. Revista de Sistemas e Computação. 2011, v. 1, n.2: p. 106-119. Disponível em: &lt;http://www.revistas.unifacs.br/index.php/rsc/article/view/1902&gt;. Acesso em: 01 outubro 2018.</a:t>
             </a:r>
             <a:endParaRPr sz="1000"/>
           </a:p>
@@ -23862,17 +24489,36 @@
                 <a:spcPct val="200000"/>
               </a:lnSpc>
               <a:spcBef>
-                <a:spcPts val="2400"/>
-              </a:spcBef>
-              <a:spcAft>
                 <a:spcPts val="1200"/>
+              </a:spcBef>
+              <a:spcAft>
+                <a:spcPts val="0"/>
               </a:spcAft>
               <a:buSzPts val="1000"/>
               <a:buChar char="●"/>
             </a:pPr>
             <a:r>
               <a:rPr lang="pt-BR" sz="1000"/>
-              <a:t>SCHWABER, Ken.; BEEDLE, Mike. Agile Software Development with Scrum, Upper Saddle River: Prentice Hall. 2002. p. 158 Disponível em: &lt;http://dl.acm.org/citation.cfm?id=559553&gt; Acesso em: 03 setembro 2018.</a:t>
+              <a:t>PAASIVAARA, Maria; LASSENIUS, Casper; HEIKILLA, Ville. Inter-team Coordination in Large Scale Globally Distributed Scrum: Do Scrum-of-Scrums Really Work?, ESEM '12 Proceedings of the ACM-IEEE ISESE P. 235-238. Disponível em:&lt;http://dl.acm.org/citation.cfm?doid=2372251.2372294&gt;. Acesso em: 01 outubro 2018.</a:t>
+            </a:r>
+            <a:endParaRPr sz="1000"/>
+          </a:p>
+          <a:p>
+            <a:pPr indent="0" lvl="0" marL="457200" rtl="0" algn="just">
+              <a:lnSpc>
+                <a:spcPct val="200000"/>
+              </a:lnSpc>
+              <a:spcBef>
+                <a:spcPts val="1200"/>
+              </a:spcBef>
+              <a:spcAft>
+                <a:spcPts val="1200"/>
+              </a:spcAft>
+              <a:buSzPts val="3600"/>
+              <a:buNone/>
+            </a:pPr>
+            <a:r>
+              <a:t/>
             </a:r>
             <a:endParaRPr sz="1000"/>
           </a:p>
@@ -23891,7 +24537,7 @@
   <p:cSld>
     <p:spTree>
       <p:nvGrpSpPr>
-        <p:cNvPr id="394" name="Shape 394"/>
+        <p:cNvPr id="406" name="Shape 406"/>
         <p:cNvGrpSpPr/>
         <p:nvPr/>
       </p:nvGrpSpPr>
@@ -23905,7 +24551,7 @@
       </p:grpSpPr>
       <p:sp>
         <p:nvSpPr>
-          <p:cNvPr id="395" name="Google Shape;395;p54"/>
+          <p:cNvPr id="407" name="Google Shape;407;p54"/>
           <p:cNvSpPr txBox="1"/>
           <p:nvPr>
             <p:ph type="title"/>
@@ -23953,7 +24599,227 @@
       </p:sp>
       <p:sp>
         <p:nvSpPr>
-          <p:cNvPr id="396" name="Google Shape;396;p54"/>
+          <p:cNvPr id="408" name="Google Shape;408;p54"/>
+          <p:cNvSpPr txBox="1"/>
+          <p:nvPr>
+            <p:ph type="title"/>
+          </p:nvPr>
+        </p:nvSpPr>
+        <p:spPr>
+          <a:xfrm>
+            <a:off x="50" y="881550"/>
+            <a:ext cx="9027600" cy="4262100"/>
+          </a:xfrm>
+          <a:prstGeom prst="rect">
+            <a:avLst/>
+          </a:prstGeom>
+          <a:noFill/>
+          <a:ln>
+            <a:noFill/>
+          </a:ln>
+        </p:spPr>
+        <p:txBody>
+          <a:bodyPr anchorCtr="0" anchor="ctr" bIns="91425" lIns="91425" spcFirstLastPara="1" rIns="91425" wrap="square" tIns="91425">
+            <a:noAutofit/>
+          </a:bodyPr>
+          <a:lstStyle/>
+          <a:p>
+            <a:pPr indent="0" lvl="0" marL="0" rtl="0" algn="just">
+              <a:lnSpc>
+                <a:spcPct val="200000"/>
+              </a:lnSpc>
+              <a:spcBef>
+                <a:spcPts val="0"/>
+              </a:spcBef>
+              <a:spcAft>
+                <a:spcPts val="0"/>
+              </a:spcAft>
+              <a:buSzPts val="3600"/>
+              <a:buNone/>
+            </a:pPr>
+            <a:r>
+              <a:t/>
+            </a:r>
+            <a:endParaRPr sz="1000"/>
+          </a:p>
+          <a:p>
+            <a:pPr indent="-292100" lvl="0" marL="457200" rtl="0" algn="just">
+              <a:lnSpc>
+                <a:spcPct val="200000"/>
+              </a:lnSpc>
+              <a:spcBef>
+                <a:spcPts val="1200"/>
+              </a:spcBef>
+              <a:spcAft>
+                <a:spcPts val="0"/>
+              </a:spcAft>
+              <a:buSzPts val="1000"/>
+              <a:buChar char="●"/>
+            </a:pPr>
+            <a:r>
+              <a:rPr lang="pt-BR" sz="1000"/>
+              <a:t>PARENTE, Herbert. Definição de Pronto, 2015. Disponível em: &lt;http://governoagil.com.br/2015/05/25/definicao-de-pronto/&gt;. Acesso em: 04 setembro 2018.</a:t>
+            </a:r>
+            <a:endParaRPr sz="1000"/>
+          </a:p>
+          <a:p>
+            <a:pPr indent="-292100" lvl="0" marL="457200" rtl="0" algn="just">
+              <a:lnSpc>
+                <a:spcPct val="200000"/>
+              </a:lnSpc>
+              <a:spcBef>
+                <a:spcPts val="1200"/>
+              </a:spcBef>
+              <a:spcAft>
+                <a:spcPts val="0"/>
+              </a:spcAft>
+              <a:buSzPts val="1000"/>
+              <a:buChar char="●"/>
+            </a:pPr>
+            <a:r>
+              <a:rPr lang="pt-BR" sz="1000"/>
+              <a:t>POSSA, João. Escalonando o Scrum Dentro de uma Empresa de Desenvolvimento de Software com Equipes Geograficamente Distribuídas, 2013. Brasília, p. 46. Disponível em: &lt;http://bdm.unb.br/handle/10483/13611&gt; Acesso em: 01 outubro 2018.</a:t>
+            </a:r>
+            <a:endParaRPr sz="1000"/>
+          </a:p>
+          <a:p>
+            <a:pPr indent="-292100" lvl="0" marL="457200" rtl="0" algn="just">
+              <a:lnSpc>
+                <a:spcPct val="200000"/>
+              </a:lnSpc>
+              <a:spcBef>
+                <a:spcPts val="1200"/>
+              </a:spcBef>
+              <a:spcAft>
+                <a:spcPts val="0"/>
+              </a:spcAft>
+              <a:buSzPts val="1000"/>
+              <a:buChar char="●"/>
+            </a:pPr>
+            <a:r>
+              <a:rPr lang="pt-BR" sz="1000"/>
+              <a:t>SCHWABER, Ken; SUTHERLAND, Jeff. Guia do Scrum. [S.l.].</a:t>
+            </a:r>
+            <a:r>
+              <a:rPr b="1" lang="pt-BR" sz="1000"/>
+              <a:t> </a:t>
+            </a:r>
+            <a:r>
+              <a:rPr lang="pt-BR" sz="1000"/>
+              <a:t>2013. </a:t>
+            </a:r>
+            <a:r>
+              <a:rPr lang="pt-BR" sz="1000">
+                <a:highlight>
+                  <a:srgbClr val="FFFFFF"/>
+                </a:highlight>
+              </a:rPr>
+              <a:t>Disponível em: &lt;</a:t>
+            </a:r>
+            <a:r>
+              <a:rPr lang="pt-BR" sz="1000"/>
+              <a:t>https://www.scrumguides.org/docs/scrumguide/v1/Scrum-Guide-Portuguese-BR.pdf Acesso em: 03 setembro 2018.</a:t>
+            </a:r>
+            <a:endParaRPr sz="1000"/>
+          </a:p>
+          <a:p>
+            <a:pPr indent="-292100" lvl="0" marL="457200" rtl="0" algn="just">
+              <a:lnSpc>
+                <a:spcPct val="200000"/>
+              </a:lnSpc>
+              <a:spcBef>
+                <a:spcPts val="2400"/>
+              </a:spcBef>
+              <a:spcAft>
+                <a:spcPts val="1200"/>
+              </a:spcAft>
+              <a:buSzPts val="1000"/>
+              <a:buChar char="●"/>
+            </a:pPr>
+            <a:r>
+              <a:rPr lang="pt-BR" sz="1000"/>
+              <a:t>SCHWABER, Ken.; BEEDLE, Mike. Agile Software Development with Scrum, Upper Saddle River: Prentice Hall. 2002. p. 158 Disponível em: &lt;http://dl.acm.org/citation.cfm?id=559553&gt; Acesso em: 03 setembro 2018.</a:t>
+            </a:r>
+            <a:endParaRPr sz="1000"/>
+          </a:p>
+        </p:txBody>
+      </p:sp>
+    </p:spTree>
+  </p:cSld>
+  <p:clrMapOvr>
+    <a:masterClrMapping/>
+  </p:clrMapOvr>
+</p:sld>
+</file>
+
+<file path=ppt/slides/slide43.xml><?xml version="1.0" encoding="utf-8"?>
+<p:sld xmlns:a="http://schemas.openxmlformats.org/drawingml/2006/main" xmlns:r="http://schemas.openxmlformats.org/officeDocument/2006/relationships" xmlns:mc="http://schemas.openxmlformats.org/markup-compatibility/2006" xmlns:mv="urn:schemas-microsoft-com:mac:vml" xmlns:p="http://schemas.openxmlformats.org/presentationml/2006/main" xmlns:c="http://schemas.openxmlformats.org/drawingml/2006/chart" xmlns:dgm="http://schemas.openxmlformats.org/drawingml/2006/diagram" xmlns:o="urn:schemas-microsoft-com:office:office" xmlns:v="urn:schemas-microsoft-com:vml" xmlns:pvml="urn:schemas-microsoft-com:office:powerpoint" xmlns:com="http://schemas.openxmlformats.org/drawingml/2006/compatibility" xmlns:p14="http://schemas.microsoft.com/office/powerpoint/2010/main" xmlns:p15="http://schemas.microsoft.com/office/powerpoint/2012/main">
+  <p:cSld>
+    <p:spTree>
+      <p:nvGrpSpPr>
+        <p:cNvPr id="412" name="Shape 412"/>
+        <p:cNvGrpSpPr/>
+        <p:nvPr/>
+      </p:nvGrpSpPr>
+      <p:grpSpPr>
+        <a:xfrm>
+          <a:off x="0" y="0"/>
+          <a:ext cx="0" cy="0"/>
+          <a:chOff x="0" y="0"/>
+          <a:chExt cx="0" cy="0"/>
+        </a:xfrm>
+      </p:grpSpPr>
+      <p:sp>
+        <p:nvSpPr>
+          <p:cNvPr id="413" name="Google Shape;413;p55"/>
+          <p:cNvSpPr txBox="1"/>
+          <p:nvPr>
+            <p:ph type="title"/>
+          </p:nvPr>
+        </p:nvSpPr>
+        <p:spPr>
+          <a:xfrm>
+            <a:off x="0" y="76200"/>
+            <a:ext cx="9144000" cy="425700"/>
+          </a:xfrm>
+          <a:prstGeom prst="rect">
+            <a:avLst/>
+          </a:prstGeom>
+          <a:noFill/>
+          <a:ln>
+            <a:noFill/>
+          </a:ln>
+        </p:spPr>
+        <p:txBody>
+          <a:bodyPr anchorCtr="0" anchor="ctr" bIns="91425" lIns="91425" spcFirstLastPara="1" rIns="91425" wrap="square" tIns="91425">
+            <a:noAutofit/>
+          </a:bodyPr>
+          <a:lstStyle/>
+          <a:p>
+            <a:pPr indent="0" lvl="0" marL="0" rtl="0" algn="ctr">
+              <a:lnSpc>
+                <a:spcPct val="100000"/>
+              </a:lnSpc>
+              <a:spcBef>
+                <a:spcPts val="0"/>
+              </a:spcBef>
+              <a:spcAft>
+                <a:spcPts val="0"/>
+              </a:spcAft>
+              <a:buSzPts val="3600"/>
+              <a:buNone/>
+            </a:pPr>
+            <a:r>
+              <a:rPr lang="pt-BR" sz="3400" u="sng"/>
+              <a:t>Referências Bibliográficas</a:t>
+            </a:r>
+            <a:endParaRPr sz="3400" u="sng"/>
+          </a:p>
+        </p:txBody>
+      </p:sp>
+      <p:sp>
+        <p:nvSpPr>
+          <p:cNvPr id="414" name="Google Shape;414;p55"/>
           <p:cNvSpPr txBox="1"/>
           <p:nvPr>
             <p:ph type="title"/>
@@ -25368,7 +26234,7 @@
 </file>
 
 <file path=ppt/slides/slide9.xml><?xml version="1.0" encoding="utf-8"?>
-<p:sld xmlns:a="http://schemas.openxmlformats.org/drawingml/2006/main" xmlns:r="http://schemas.openxmlformats.org/officeDocument/2006/relationships" xmlns:mc="http://schemas.openxmlformats.org/markup-compatibility/2006" xmlns:mv="urn:schemas-microsoft-com:mac:vml" xmlns:p="http://schemas.openxmlformats.org/presentationml/2006/main" xmlns:c="http://schemas.openxmlformats.org/drawingml/2006/chart" xmlns:dgm="http://schemas.openxmlformats.org/drawingml/2006/diagram" xmlns:o="urn:schemas-microsoft-com:office:office" xmlns:v="urn:schemas-microsoft-com:vml" xmlns:pvml="urn:schemas-microsoft-com:office:powerpoint" xmlns:com="http://schemas.openxmlformats.org/drawingml/2006/compatibility" xmlns:p14="http://schemas.microsoft.com/office/powerpoint/2010/main" xmlns:p15="http://schemas.microsoft.com/office/powerpoint/2012/main">
+<p:sld xmlns:a="http://schemas.openxmlformats.org/drawingml/2006/main" xmlns:r="http://schemas.openxmlformats.org/officeDocument/2006/relationships" xmlns:mc="http://schemas.openxmlformats.org/markup-compatibility/2006" xmlns:mv="urn:schemas-microsoft-com:mac:vml" xmlns:p="http://schemas.openxmlformats.org/presentationml/2006/main" xmlns:c="http://schemas.openxmlformats.org/drawingml/2006/chart" xmlns:dgm="http://schemas.openxmlformats.org/drawingml/2006/diagram" xmlns:o="urn:schemas-microsoft-com:office:office" xmlns:v="urn:schemas-microsoft-com:vml" xmlns:pvml="urn:schemas-microsoft-com:office:powerpoint" xmlns:com="http://schemas.openxmlformats.org/drawingml/2006/compatibility" xmlns:p14="http://schemas.microsoft.com/office/powerpoint/2010/main" xmlns:p15="http://schemas.microsoft.com/office/powerpoint/2012/main" show="0">
   <p:cSld>
     <p:spTree>
       <p:nvGrpSpPr>
@@ -25759,6 +26625,285 @@
 </file>
 
 <file path=ppt/theme/theme1.xml><?xml version="1.0" encoding="utf-8"?>
+<a:theme xmlns:a="http://schemas.openxmlformats.org/drawingml/2006/main" xmlns:r="http://schemas.openxmlformats.org/officeDocument/2006/relationships" name="Simple Light">
+  <a:themeElements>
+    <a:clrScheme name="Simple Light">
+      <a:dk1>
+        <a:srgbClr val="000000"/>
+      </a:dk1>
+      <a:lt1>
+        <a:srgbClr val="FFFFFF"/>
+      </a:lt1>
+      <a:dk2>
+        <a:srgbClr val="595959"/>
+      </a:dk2>
+      <a:lt2>
+        <a:srgbClr val="EEEEEE"/>
+      </a:lt2>
+      <a:accent1>
+        <a:srgbClr val="FFAB40"/>
+      </a:accent1>
+      <a:accent2>
+        <a:srgbClr val="212121"/>
+      </a:accent2>
+      <a:accent3>
+        <a:srgbClr val="78909C"/>
+      </a:accent3>
+      <a:accent4>
+        <a:srgbClr val="FFAB40"/>
+      </a:accent4>
+      <a:accent5>
+        <a:srgbClr val="0097A7"/>
+      </a:accent5>
+      <a:accent6>
+        <a:srgbClr val="EEFF41"/>
+      </a:accent6>
+      <a:hlink>
+        <a:srgbClr val="0097A7"/>
+      </a:hlink>
+      <a:folHlink>
+        <a:srgbClr val="0097A7"/>
+      </a:folHlink>
+    </a:clrScheme>
+    <a:fontScheme name="Office">
+      <a:majorFont>
+        <a:latin typeface="Arial"/>
+        <a:ea typeface=""/>
+        <a:cs typeface=""/>
+        <a:font script="Jpan" typeface="ＭＳ Ｐゴシック"/>
+        <a:font script="Hang" typeface="맑은 고딕"/>
+        <a:font script="Hans" typeface="宋体"/>
+        <a:font script="Hant" typeface="新細明體"/>
+        <a:font script="Arab" typeface="Times New Roman"/>
+        <a:font script="Hebr" typeface="Times New Roman"/>
+        <a:font script="Thai" typeface="Angsana New"/>
+        <a:font script="Ethi" typeface="Nyala"/>
+        <a:font script="Beng" typeface="Vrinda"/>
+        <a:font script="Gujr" typeface="Shruti"/>
+        <a:font script="Khmr" typeface="MoolBoran"/>
+        <a:font script="Knda" typeface="Tunga"/>
+        <a:font script="Guru" typeface="Raavi"/>
+        <a:font script="Cans" typeface="Euphemia"/>
+        <a:font script="Cher" typeface="Plantagenet Cherokee"/>
+        <a:font script="Yiii" typeface="Microsoft Yi Baiti"/>
+        <a:font script="Tibt" typeface="Microsoft Himalaya"/>
+        <a:font script="Thaa" typeface="MV Boli"/>
+        <a:font script="Deva" typeface="Mangal"/>
+        <a:font script="Telu" typeface="Gautami"/>
+        <a:font script="Taml" typeface="Latha"/>
+        <a:font script="Syrc" typeface="Estrangelo Edessa"/>
+        <a:font script="Orya" typeface="Kalinga"/>
+        <a:font script="Mlym" typeface="Kartika"/>
+        <a:font script="Laoo" typeface="DokChampa"/>
+        <a:font script="Sinh" typeface="Iskoola Pota"/>
+        <a:font script="Mong" typeface="Mongolian Baiti"/>
+        <a:font script="Viet" typeface="Times New Roman"/>
+        <a:font script="Uigh" typeface="Microsoft Uighur"/>
+        <a:font script="Geor" typeface="Sylfaen"/>
+      </a:majorFont>
+      <a:minorFont>
+        <a:latin typeface="Arial"/>
+        <a:ea typeface=""/>
+        <a:cs typeface=""/>
+        <a:font script="Jpan" typeface="ＭＳ Ｐゴシック"/>
+        <a:font script="Hang" typeface="맑은 고딕"/>
+        <a:font script="Hans" typeface="宋体"/>
+        <a:font script="Hant" typeface="新細明體"/>
+        <a:font script="Arab" typeface="Arial"/>
+        <a:font script="Hebr" typeface="Arial"/>
+        <a:font script="Thai" typeface="Cordia New"/>
+        <a:font script="Ethi" typeface="Nyala"/>
+        <a:font script="Beng" typeface="Vrinda"/>
+        <a:font script="Gujr" typeface="Shruti"/>
+        <a:font script="Khmr" typeface="DaunPenh"/>
+        <a:font script="Knda" typeface="Tunga"/>
+        <a:font script="Guru" typeface="Raavi"/>
+        <a:font script="Cans" typeface="Euphemia"/>
+        <a:font script="Cher" typeface="Plantagenet Cherokee"/>
+        <a:font script="Yiii" typeface="Microsoft Yi Baiti"/>
+        <a:font script="Tibt" typeface="Microsoft Himalaya"/>
+        <a:font script="Thaa" typeface="MV Boli"/>
+        <a:font script="Deva" typeface="Mangal"/>
+        <a:font script="Telu" typeface="Gautami"/>
+        <a:font script="Taml" typeface="Latha"/>
+        <a:font script="Syrc" typeface="Estrangelo Edessa"/>
+        <a:font script="Orya" typeface="Kalinga"/>
+        <a:font script="Mlym" typeface="Kartika"/>
+        <a:font script="Laoo" typeface="DokChampa"/>
+        <a:font script="Sinh" typeface="Iskoola Pota"/>
+        <a:font script="Mong" typeface="Mongolian Baiti"/>
+        <a:font script="Viet" typeface="Arial"/>
+        <a:font script="Uigh" typeface="Microsoft Uighur"/>
+        <a:font script="Geor" typeface="Sylfaen"/>
+      </a:minorFont>
+    </a:fontScheme>
+    <a:fmtScheme name="Office">
+      <a:fillStyleLst>
+        <a:solidFill>
+          <a:schemeClr val="phClr"/>
+        </a:solidFill>
+        <a:gradFill rotWithShape="1">
+          <a:gsLst>
+            <a:gs pos="0">
+              <a:schemeClr val="phClr">
+                <a:tint val="50000"/>
+                <a:satMod val="300000"/>
+              </a:schemeClr>
+            </a:gs>
+            <a:gs pos="35000">
+              <a:schemeClr val="phClr">
+                <a:tint val="37000"/>
+                <a:satMod val="300000"/>
+              </a:schemeClr>
+            </a:gs>
+            <a:gs pos="100000">
+              <a:schemeClr val="phClr">
+                <a:tint val="15000"/>
+                <a:satMod val="350000"/>
+              </a:schemeClr>
+            </a:gs>
+          </a:gsLst>
+          <a:lin ang="16200000" scaled="1"/>
+        </a:gradFill>
+        <a:gradFill rotWithShape="1">
+          <a:gsLst>
+            <a:gs pos="0">
+              <a:schemeClr val="phClr">
+                <a:tint val="100000"/>
+                <a:shade val="100000"/>
+                <a:satMod val="130000"/>
+              </a:schemeClr>
+            </a:gs>
+            <a:gs pos="100000">
+              <a:schemeClr val="phClr">
+                <a:tint val="50000"/>
+                <a:shade val="100000"/>
+                <a:satMod val="350000"/>
+              </a:schemeClr>
+            </a:gs>
+          </a:gsLst>
+          <a:lin ang="16200000" scaled="0"/>
+        </a:gradFill>
+      </a:fillStyleLst>
+      <a:lnStyleLst>
+        <a:ln w="9525" cap="flat" cmpd="sng" algn="ctr">
+          <a:solidFill>
+            <a:schemeClr val="phClr">
+              <a:shade val="95000"/>
+              <a:satMod val="105000"/>
+            </a:schemeClr>
+          </a:solidFill>
+          <a:prstDash val="solid"/>
+        </a:ln>
+        <a:ln w="25400" cap="flat" cmpd="sng" algn="ctr">
+          <a:solidFill>
+            <a:schemeClr val="phClr"/>
+          </a:solidFill>
+          <a:prstDash val="solid"/>
+        </a:ln>
+        <a:ln w="38100" cap="flat" cmpd="sng" algn="ctr">
+          <a:solidFill>
+            <a:schemeClr val="phClr"/>
+          </a:solidFill>
+          <a:prstDash val="solid"/>
+        </a:ln>
+      </a:lnStyleLst>
+      <a:effectStyleLst>
+        <a:effectStyle>
+          <a:effectLst>
+            <a:outerShdw blurRad="40000" dist="20000" dir="5400000" rotWithShape="0">
+              <a:srgbClr val="000000">
+                <a:alpha val="38000"/>
+              </a:srgbClr>
+            </a:outerShdw>
+          </a:effectLst>
+        </a:effectStyle>
+        <a:effectStyle>
+          <a:effectLst>
+            <a:outerShdw blurRad="40000" dist="23000" dir="5400000" rotWithShape="0">
+              <a:srgbClr val="000000">
+                <a:alpha val="35000"/>
+              </a:srgbClr>
+            </a:outerShdw>
+          </a:effectLst>
+        </a:effectStyle>
+        <a:effectStyle>
+          <a:effectLst>
+            <a:outerShdw blurRad="40000" dist="23000" dir="5400000" rotWithShape="0">
+              <a:srgbClr val="000000">
+                <a:alpha val="35000"/>
+              </a:srgbClr>
+            </a:outerShdw>
+          </a:effectLst>
+          <a:scene3d>
+            <a:camera prst="orthographicFront">
+              <a:rot lat="0" lon="0" rev="0"/>
+            </a:camera>
+            <a:lightRig rig="threePt" dir="t">
+              <a:rot lat="0" lon="0" rev="1200000"/>
+            </a:lightRig>
+          </a:scene3d>
+          <a:sp3d>
+            <a:bevelT w="63500" h="25400"/>
+          </a:sp3d>
+        </a:effectStyle>
+      </a:effectStyleLst>
+      <a:bgFillStyleLst>
+        <a:solidFill>
+          <a:schemeClr val="phClr"/>
+        </a:solidFill>
+        <a:gradFill rotWithShape="1">
+          <a:gsLst>
+            <a:gs pos="0">
+              <a:schemeClr val="phClr">
+                <a:tint val="40000"/>
+                <a:satMod val="350000"/>
+              </a:schemeClr>
+            </a:gs>
+            <a:gs pos="40000">
+              <a:schemeClr val="phClr">
+                <a:tint val="45000"/>
+                <a:shade val="99000"/>
+                <a:satMod val="350000"/>
+              </a:schemeClr>
+            </a:gs>
+            <a:gs pos="100000">
+              <a:schemeClr val="phClr">
+                <a:shade val="20000"/>
+                <a:satMod val="255000"/>
+              </a:schemeClr>
+            </a:gs>
+          </a:gsLst>
+          <a:path path="circle">
+            <a:fillToRect l="50000" t="-80000" r="50000" b="180000"/>
+          </a:path>
+        </a:gradFill>
+        <a:gradFill rotWithShape="1">
+          <a:gsLst>
+            <a:gs pos="0">
+              <a:schemeClr val="phClr">
+                <a:tint val="80000"/>
+                <a:satMod val="300000"/>
+              </a:schemeClr>
+            </a:gs>
+            <a:gs pos="100000">
+              <a:schemeClr val="phClr">
+                <a:shade val="30000"/>
+                <a:satMod val="200000"/>
+              </a:schemeClr>
+            </a:gs>
+          </a:gsLst>
+          <a:path path="circle">
+            <a:fillToRect l="50000" t="50000" r="50000" b="50000"/>
+          </a:path>
+        </a:gradFill>
+      </a:bgFillStyleLst>
+    </a:fmtScheme>
+  </a:themeElements>
+</a:theme>
+</file>
+
+<file path=ppt/theme/theme2.xml><?xml version="1.0" encoding="utf-8"?>
 <a:theme xmlns:a="http://schemas.openxmlformats.org/drawingml/2006/main" xmlns:r="http://schemas.openxmlformats.org/officeDocument/2006/relationships">
   <a:themeElements>
     <a:clrScheme name="Default">
@@ -26035,283 +27180,4 @@
     </a:fmtScheme>
   </a:themeElements>
 </a:theme>
-</file>
-
-<file path=ppt/theme/theme2.xml><?xml version="1.0" encoding="utf-8"?>
-<a:theme xmlns:a="http://schemas.openxmlformats.org/drawingml/2006/main" xmlns:r="http://schemas.openxmlformats.org/officeDocument/2006/relationships" name="Simple Light">
-  <a:themeElements>
-    <a:clrScheme name="Simple Light">
-      <a:dk1>
-        <a:srgbClr val="000000"/>
-      </a:dk1>
-      <a:lt1>
-        <a:srgbClr val="FFFFFF"/>
-      </a:lt1>
-      <a:dk2>
-        <a:srgbClr val="595959"/>
-      </a:dk2>
-      <a:lt2>
-        <a:srgbClr val="EEEEEE"/>
-      </a:lt2>
-      <a:accent1>
-        <a:srgbClr val="FFAB40"/>
-      </a:accent1>
-      <a:accent2>
-        <a:srgbClr val="212121"/>
-      </a:accent2>
-      <a:accent3>
-        <a:srgbClr val="78909C"/>
-      </a:accent3>
-      <a:accent4>
-        <a:srgbClr val="FFAB40"/>
-      </a:accent4>
-      <a:accent5>
-        <a:srgbClr val="0097A7"/>
-      </a:accent5>
-      <a:accent6>
-        <a:srgbClr val="EEFF41"/>
-      </a:accent6>
-      <a:hlink>
-        <a:srgbClr val="0097A7"/>
-      </a:hlink>
-      <a:folHlink>
-        <a:srgbClr val="0097A7"/>
-      </a:folHlink>
-    </a:clrScheme>
-    <a:fontScheme name="Office">
-      <a:majorFont>
-        <a:latin typeface="Arial"/>
-        <a:ea typeface=""/>
-        <a:cs typeface=""/>
-        <a:font script="Jpan" typeface="ＭＳ Ｐゴシック"/>
-        <a:font script="Hang" typeface="맑은 고딕"/>
-        <a:font script="Hans" typeface="宋体"/>
-        <a:font script="Hant" typeface="新細明體"/>
-        <a:font script="Arab" typeface="Times New Roman"/>
-        <a:font script="Hebr" typeface="Times New Roman"/>
-        <a:font script="Thai" typeface="Angsana New"/>
-        <a:font script="Ethi" typeface="Nyala"/>
-        <a:font script="Beng" typeface="Vrinda"/>
-        <a:font script="Gujr" typeface="Shruti"/>
-        <a:font script="Khmr" typeface="MoolBoran"/>
-        <a:font script="Knda" typeface="Tunga"/>
-        <a:font script="Guru" typeface="Raavi"/>
-        <a:font script="Cans" typeface="Euphemia"/>
-        <a:font script="Cher" typeface="Plantagenet Cherokee"/>
-        <a:font script="Yiii" typeface="Microsoft Yi Baiti"/>
-        <a:font script="Tibt" typeface="Microsoft Himalaya"/>
-        <a:font script="Thaa" typeface="MV Boli"/>
-        <a:font script="Deva" typeface="Mangal"/>
-        <a:font script="Telu" typeface="Gautami"/>
-        <a:font script="Taml" typeface="Latha"/>
-        <a:font script="Syrc" typeface="Estrangelo Edessa"/>
-        <a:font script="Orya" typeface="Kalinga"/>
-        <a:font script="Mlym" typeface="Kartika"/>
-        <a:font script="Laoo" typeface="DokChampa"/>
-        <a:font script="Sinh" typeface="Iskoola Pota"/>
-        <a:font script="Mong" typeface="Mongolian Baiti"/>
-        <a:font script="Viet" typeface="Times New Roman"/>
-        <a:font script="Uigh" typeface="Microsoft Uighur"/>
-        <a:font script="Geor" typeface="Sylfaen"/>
-      </a:majorFont>
-      <a:minorFont>
-        <a:latin typeface="Arial"/>
-        <a:ea typeface=""/>
-        <a:cs typeface=""/>
-        <a:font script="Jpan" typeface="ＭＳ Ｐゴシック"/>
-        <a:font script="Hang" typeface="맑은 고딕"/>
-        <a:font script="Hans" typeface="宋体"/>
-        <a:font script="Hant" typeface="新細明體"/>
-        <a:font script="Arab" typeface="Arial"/>
-        <a:font script="Hebr" typeface="Arial"/>
-        <a:font script="Thai" typeface="Cordia New"/>
-        <a:font script="Ethi" typeface="Nyala"/>
-        <a:font script="Beng" typeface="Vrinda"/>
-        <a:font script="Gujr" typeface="Shruti"/>
-        <a:font script="Khmr" typeface="DaunPenh"/>
-        <a:font script="Knda" typeface="Tunga"/>
-        <a:font script="Guru" typeface="Raavi"/>
-        <a:font script="Cans" typeface="Euphemia"/>
-        <a:font script="Cher" typeface="Plantagenet Cherokee"/>
-        <a:font script="Yiii" typeface="Microsoft Yi Baiti"/>
-        <a:font script="Tibt" typeface="Microsoft Himalaya"/>
-        <a:font script="Thaa" typeface="MV Boli"/>
-        <a:font script="Deva" typeface="Mangal"/>
-        <a:font script="Telu" typeface="Gautami"/>
-        <a:font script="Taml" typeface="Latha"/>
-        <a:font script="Syrc" typeface="Estrangelo Edessa"/>
-        <a:font script="Orya" typeface="Kalinga"/>
-        <a:font script="Mlym" typeface="Kartika"/>
-        <a:font script="Laoo" typeface="DokChampa"/>
-        <a:font script="Sinh" typeface="Iskoola Pota"/>
-        <a:font script="Mong" typeface="Mongolian Baiti"/>
-        <a:font script="Viet" typeface="Arial"/>
-        <a:font script="Uigh" typeface="Microsoft Uighur"/>
-        <a:font script="Geor" typeface="Sylfaen"/>
-      </a:minorFont>
-    </a:fontScheme>
-    <a:fmtScheme name="Office">
-      <a:fillStyleLst>
-        <a:solidFill>
-          <a:schemeClr val="phClr"/>
-        </a:solidFill>
-        <a:gradFill rotWithShape="1">
-          <a:gsLst>
-            <a:gs pos="0">
-              <a:schemeClr val="phClr">
-                <a:tint val="50000"/>
-                <a:satMod val="300000"/>
-              </a:schemeClr>
-            </a:gs>
-            <a:gs pos="35000">
-              <a:schemeClr val="phClr">
-                <a:tint val="37000"/>
-                <a:satMod val="300000"/>
-              </a:schemeClr>
-            </a:gs>
-            <a:gs pos="100000">
-              <a:schemeClr val="phClr">
-                <a:tint val="15000"/>
-                <a:satMod val="350000"/>
-              </a:schemeClr>
-            </a:gs>
-          </a:gsLst>
-          <a:lin ang="16200000" scaled="1"/>
-        </a:gradFill>
-        <a:gradFill rotWithShape="1">
-          <a:gsLst>
-            <a:gs pos="0">
-              <a:schemeClr val="phClr">
-                <a:tint val="100000"/>
-                <a:shade val="100000"/>
-                <a:satMod val="130000"/>
-              </a:schemeClr>
-            </a:gs>
-            <a:gs pos="100000">
-              <a:schemeClr val="phClr">
-                <a:tint val="50000"/>
-                <a:shade val="100000"/>
-                <a:satMod val="350000"/>
-              </a:schemeClr>
-            </a:gs>
-          </a:gsLst>
-          <a:lin ang="16200000" scaled="0"/>
-        </a:gradFill>
-      </a:fillStyleLst>
-      <a:lnStyleLst>
-        <a:ln w="9525" cap="flat" cmpd="sng" algn="ctr">
-          <a:solidFill>
-            <a:schemeClr val="phClr">
-              <a:shade val="95000"/>
-              <a:satMod val="105000"/>
-            </a:schemeClr>
-          </a:solidFill>
-          <a:prstDash val="solid"/>
-        </a:ln>
-        <a:ln w="25400" cap="flat" cmpd="sng" algn="ctr">
-          <a:solidFill>
-            <a:schemeClr val="phClr"/>
-          </a:solidFill>
-          <a:prstDash val="solid"/>
-        </a:ln>
-        <a:ln w="38100" cap="flat" cmpd="sng" algn="ctr">
-          <a:solidFill>
-            <a:schemeClr val="phClr"/>
-          </a:solidFill>
-          <a:prstDash val="solid"/>
-        </a:ln>
-      </a:lnStyleLst>
-      <a:effectStyleLst>
-        <a:effectStyle>
-          <a:effectLst>
-            <a:outerShdw blurRad="40000" dist="20000" dir="5400000" rotWithShape="0">
-              <a:srgbClr val="000000">
-                <a:alpha val="38000"/>
-              </a:srgbClr>
-            </a:outerShdw>
-          </a:effectLst>
-        </a:effectStyle>
-        <a:effectStyle>
-          <a:effectLst>
-            <a:outerShdw blurRad="40000" dist="23000" dir="5400000" rotWithShape="0">
-              <a:srgbClr val="000000">
-                <a:alpha val="35000"/>
-              </a:srgbClr>
-            </a:outerShdw>
-          </a:effectLst>
-        </a:effectStyle>
-        <a:effectStyle>
-          <a:effectLst>
-            <a:outerShdw blurRad="40000" dist="23000" dir="5400000" rotWithShape="0">
-              <a:srgbClr val="000000">
-                <a:alpha val="35000"/>
-              </a:srgbClr>
-            </a:outerShdw>
-          </a:effectLst>
-          <a:scene3d>
-            <a:camera prst="orthographicFront">
-              <a:rot lat="0" lon="0" rev="0"/>
-            </a:camera>
-            <a:lightRig rig="threePt" dir="t">
-              <a:rot lat="0" lon="0" rev="1200000"/>
-            </a:lightRig>
-          </a:scene3d>
-          <a:sp3d>
-            <a:bevelT w="63500" h="25400"/>
-          </a:sp3d>
-        </a:effectStyle>
-      </a:effectStyleLst>
-      <a:bgFillStyleLst>
-        <a:solidFill>
-          <a:schemeClr val="phClr"/>
-        </a:solidFill>
-        <a:gradFill rotWithShape="1">
-          <a:gsLst>
-            <a:gs pos="0">
-              <a:schemeClr val="phClr">
-                <a:tint val="40000"/>
-                <a:satMod val="350000"/>
-              </a:schemeClr>
-            </a:gs>
-            <a:gs pos="40000">
-              <a:schemeClr val="phClr">
-                <a:tint val="45000"/>
-                <a:shade val="99000"/>
-                <a:satMod val="350000"/>
-              </a:schemeClr>
-            </a:gs>
-            <a:gs pos="100000">
-              <a:schemeClr val="phClr">
-                <a:shade val="20000"/>
-                <a:satMod val="255000"/>
-              </a:schemeClr>
-            </a:gs>
-          </a:gsLst>
-          <a:path path="circle">
-            <a:fillToRect l="50000" t="-80000" r="50000" b="180000"/>
-          </a:path>
-        </a:gradFill>
-        <a:gradFill rotWithShape="1">
-          <a:gsLst>
-            <a:gs pos="0">
-              <a:schemeClr val="phClr">
-                <a:tint val="80000"/>
-                <a:satMod val="300000"/>
-              </a:schemeClr>
-            </a:gs>
-            <a:gs pos="100000">
-              <a:schemeClr val="phClr">
-                <a:shade val="30000"/>
-                <a:satMod val="200000"/>
-              </a:schemeClr>
-            </a:gs>
-          </a:gsLst>
-          <a:path path="circle">
-            <a:fillToRect l="50000" t="50000" r="50000" b="50000"/>
-          </a:path>
-        </a:gradFill>
-      </a:bgFillStyleLst>
-    </a:fmtScheme>
-  </a:themeElements>
-</a:theme>
 </file>